--- a/trunk/Go-documentation/cours-general/Go-partie2.pptx
+++ b/trunk/Go-documentation/cours-general/Go-partie2.pptx
@@ -30,6 +30,25 @@
     <p:sldId id="281" r:id="rId24"/>
     <p:sldId id="282" r:id="rId25"/>
     <p:sldId id="283" r:id="rId26"/>
+    <p:sldId id="284" r:id="rId27"/>
+    <p:sldId id="285" r:id="rId28"/>
+    <p:sldId id="286" r:id="rId29"/>
+    <p:sldId id="287" r:id="rId30"/>
+    <p:sldId id="288" r:id="rId31"/>
+    <p:sldId id="289" r:id="rId32"/>
+    <p:sldId id="290" r:id="rId33"/>
+    <p:sldId id="291" r:id="rId34"/>
+    <p:sldId id="292" r:id="rId35"/>
+    <p:sldId id="293" r:id="rId36"/>
+    <p:sldId id="294" r:id="rId37"/>
+    <p:sldId id="295" r:id="rId38"/>
+    <p:sldId id="296" r:id="rId39"/>
+    <p:sldId id="297" r:id="rId40"/>
+    <p:sldId id="298" r:id="rId41"/>
+    <p:sldId id="299" r:id="rId42"/>
+    <p:sldId id="300" r:id="rId43"/>
+    <p:sldId id="301" r:id="rId44"/>
+    <p:sldId id="302" r:id="rId45"/>
   </p:sldIdLst>
   <p:sldSz cx="9144000" cy="6858000" type="screen4x3"/>
   <p:notesSz cx="6858000" cy="9144000"/>
@@ -313,7 +332,7 @@
             <a:fld id="{61770BB7-586E-4F6C-B9C1-511BA36308DC}" type="datetimeFigureOut">
               <a:rPr lang="fr-FR" smtClean="0"/>
               <a:pPr/>
-              <a:t>06/09/2011</a:t>
+              <a:t>07/09/2011</a:t>
             </a:fld>
             <a:endParaRPr lang="fr-FR"/>
           </a:p>
@@ -480,7 +499,7 @@
             <a:fld id="{61770BB7-586E-4F6C-B9C1-511BA36308DC}" type="datetimeFigureOut">
               <a:rPr lang="fr-FR" smtClean="0"/>
               <a:pPr/>
-              <a:t>06/09/2011</a:t>
+              <a:t>07/09/2011</a:t>
             </a:fld>
             <a:endParaRPr lang="fr-FR"/>
           </a:p>
@@ -657,7 +676,7 @@
             <a:fld id="{61770BB7-586E-4F6C-B9C1-511BA36308DC}" type="datetimeFigureOut">
               <a:rPr lang="fr-FR" smtClean="0"/>
               <a:pPr/>
-              <a:t>06/09/2011</a:t>
+              <a:t>07/09/2011</a:t>
             </a:fld>
             <a:endParaRPr lang="fr-FR"/>
           </a:p>
@@ -824,7 +843,7 @@
             <a:fld id="{61770BB7-586E-4F6C-B9C1-511BA36308DC}" type="datetimeFigureOut">
               <a:rPr lang="fr-FR" smtClean="0"/>
               <a:pPr/>
-              <a:t>06/09/2011</a:t>
+              <a:t>07/09/2011</a:t>
             </a:fld>
             <a:endParaRPr lang="fr-FR"/>
           </a:p>
@@ -1099,7 +1118,7 @@
             <a:fld id="{61770BB7-586E-4F6C-B9C1-511BA36308DC}" type="datetimeFigureOut">
               <a:rPr lang="fr-FR" smtClean="0"/>
               <a:pPr/>
-              <a:t>06/09/2011</a:t>
+              <a:t>07/09/2011</a:t>
             </a:fld>
             <a:endParaRPr lang="fr-FR"/>
           </a:p>
@@ -1384,7 +1403,7 @@
             <a:fld id="{61770BB7-586E-4F6C-B9C1-511BA36308DC}" type="datetimeFigureOut">
               <a:rPr lang="fr-FR" smtClean="0"/>
               <a:pPr/>
-              <a:t>06/09/2011</a:t>
+              <a:t>07/09/2011</a:t>
             </a:fld>
             <a:endParaRPr lang="fr-FR"/>
           </a:p>
@@ -1803,7 +1822,7 @@
             <a:fld id="{61770BB7-586E-4F6C-B9C1-511BA36308DC}" type="datetimeFigureOut">
               <a:rPr lang="fr-FR" smtClean="0"/>
               <a:pPr/>
-              <a:t>06/09/2011</a:t>
+              <a:t>07/09/2011</a:t>
             </a:fld>
             <a:endParaRPr lang="fr-FR"/>
           </a:p>
@@ -1918,7 +1937,7 @@
             <a:fld id="{61770BB7-586E-4F6C-B9C1-511BA36308DC}" type="datetimeFigureOut">
               <a:rPr lang="fr-FR" smtClean="0"/>
               <a:pPr/>
-              <a:t>06/09/2011</a:t>
+              <a:t>07/09/2011</a:t>
             </a:fld>
             <a:endParaRPr lang="fr-FR"/>
           </a:p>
@@ -2010,7 +2029,7 @@
             <a:fld id="{61770BB7-586E-4F6C-B9C1-511BA36308DC}" type="datetimeFigureOut">
               <a:rPr lang="fr-FR" smtClean="0"/>
               <a:pPr/>
-              <a:t>06/09/2011</a:t>
+              <a:t>07/09/2011</a:t>
             </a:fld>
             <a:endParaRPr lang="fr-FR"/>
           </a:p>
@@ -2284,7 +2303,7 @@
             <a:fld id="{61770BB7-586E-4F6C-B9C1-511BA36308DC}" type="datetimeFigureOut">
               <a:rPr lang="fr-FR" smtClean="0"/>
               <a:pPr/>
-              <a:t>06/09/2011</a:t>
+              <a:t>07/09/2011</a:t>
             </a:fld>
             <a:endParaRPr lang="fr-FR"/>
           </a:p>
@@ -2534,7 +2553,7 @@
             <a:fld id="{61770BB7-586E-4F6C-B9C1-511BA36308DC}" type="datetimeFigureOut">
               <a:rPr lang="fr-FR" smtClean="0"/>
               <a:pPr/>
-              <a:t>06/09/2011</a:t>
+              <a:t>07/09/2011</a:t>
             </a:fld>
             <a:endParaRPr lang="fr-FR"/>
           </a:p>
@@ -2744,7 +2763,7 @@
             <a:fld id="{61770BB7-586E-4F6C-B9C1-511BA36308DC}" type="datetimeFigureOut">
               <a:rPr lang="fr-FR" smtClean="0"/>
               <a:pPr/>
-              <a:t>06/09/2011</a:t>
+              <a:t>07/09/2011</a:t>
             </a:fld>
             <a:endParaRPr lang="fr-FR"/>
           </a:p>
@@ -7449,25 +7468,17 @@
               <a:rPr lang="fr-FR" i="1" dirty="0" smtClean="0"/>
               <a:t> </a:t>
             </a:r>
-            <a:endParaRPr lang="fr-FR" i="1" dirty="0" smtClean="0"/>
-          </a:p>
-          <a:p>
-            <a:pPr>
-              <a:buNone/>
-            </a:pPr>
-            <a:r>
-              <a:rPr lang="fr-FR" dirty="0" smtClean="0">
-                <a:latin typeface="Courier New" pitchFamily="49" charset="0"/>
-                <a:cs typeface="Courier New" pitchFamily="49" charset="0"/>
-              </a:rPr>
-              <a:t>	var </a:t>
-            </a:r>
-            <a:r>
-              <a:rPr lang="fr-FR" dirty="0" smtClean="0">
-                <a:latin typeface="Courier New" pitchFamily="49" charset="0"/>
-                <a:cs typeface="Courier New" pitchFamily="49" charset="0"/>
-              </a:rPr>
-              <a:t>m </a:t>
+          </a:p>
+          <a:p>
+            <a:pPr>
+              <a:buNone/>
+            </a:pPr>
+            <a:r>
+              <a:rPr lang="fr-FR" dirty="0" smtClean="0">
+                <a:latin typeface="Courier New" pitchFamily="49" charset="0"/>
+                <a:cs typeface="Courier New" pitchFamily="49" charset="0"/>
+              </a:rPr>
+              <a:t>	var m </a:t>
             </a:r>
             <a:r>
               <a:rPr lang="fr-FR" dirty="0" err="1" smtClean="0">
@@ -7624,11 +7635,7 @@
             </a:r>
             <a:r>
               <a:rPr lang="en-US" i="1" dirty="0" smtClean="0"/>
-              <a:t> en C</a:t>
-            </a:r>
-            <a:r>
-              <a:rPr lang="en-US" i="1" dirty="0" smtClean="0"/>
-              <a:t>++</a:t>
+              <a:t> en C++</a:t>
             </a:r>
           </a:p>
           <a:p>
@@ -7668,14 +7675,7 @@
                 <a:latin typeface="Courier New" pitchFamily="49" charset="0"/>
                 <a:cs typeface="Courier New" pitchFamily="49" charset="0"/>
               </a:rPr>
-              <a:t>&gt; (note the </a:t>
-            </a:r>
-            <a:r>
-              <a:rPr lang="fr-FR" i="1" dirty="0" smtClean="0">
-                <a:latin typeface="Courier New" pitchFamily="49" charset="0"/>
-                <a:cs typeface="Courier New" pitchFamily="49" charset="0"/>
-              </a:rPr>
-              <a:t>*).</a:t>
+              <a:t>&gt; (note the *).</a:t>
             </a:r>
           </a:p>
           <a:p>
@@ -7769,7 +7769,6 @@
               <a:rPr lang="en-US" i="1" dirty="0" smtClean="0"/>
               <a:t> de clefs.</a:t>
             </a:r>
-            <a:endParaRPr lang="en-US" i="1" dirty="0" smtClean="0"/>
           </a:p>
         </p:txBody>
       </p:sp>
@@ -7966,7 +7965,6 @@
               <a:rPr lang="fr-FR" i="1" dirty="0" smtClean="0"/>
               <a:t>Trois façons de le faire : </a:t>
             </a:r>
-            <a:endParaRPr lang="fr-FR" i="1" dirty="0" smtClean="0"/>
           </a:p>
           <a:p>
             <a:pPr>
@@ -8022,14 +8020,7 @@
                 <a:latin typeface="Courier New" pitchFamily="49" charset="0"/>
                 <a:cs typeface="Courier New" pitchFamily="49" charset="0"/>
               </a:rPr>
-              <a:t>m </a:t>
-            </a:r>
-            <a:r>
-              <a:rPr lang="fr-FR" dirty="0" smtClean="0">
-                <a:latin typeface="Courier New" pitchFamily="49" charset="0"/>
-                <a:cs typeface="Courier New" pitchFamily="49" charset="0"/>
-              </a:rPr>
-              <a:t>= </a:t>
+              <a:t>m = </a:t>
             </a:r>
             <a:r>
               <a:rPr lang="fr-FR" dirty="0" err="1" smtClean="0">
@@ -8043,14 +8034,7 @@
                 <a:latin typeface="Courier New" pitchFamily="49" charset="0"/>
                 <a:cs typeface="Courier New" pitchFamily="49" charset="0"/>
               </a:rPr>
-              <a:t>[string]float64{"1":1, "pi":3.1415</a:t>
-            </a:r>
-            <a:r>
-              <a:rPr lang="fr-FR" dirty="0" smtClean="0">
-                <a:latin typeface="Courier New" pitchFamily="49" charset="0"/>
-                <a:cs typeface="Courier New" pitchFamily="49" charset="0"/>
-              </a:rPr>
-              <a:t>}</a:t>
+              <a:t>[string]float64{"1":1, "pi":3.1415}</a:t>
             </a:r>
           </a:p>
           <a:p>
@@ -8068,13 +8052,8 @@
             </a:pPr>
             <a:r>
               <a:rPr lang="fr-FR" i="1" dirty="0" smtClean="0"/>
-              <a:t>2) </a:t>
-            </a:r>
-            <a:r>
-              <a:rPr lang="fr-FR" i="1" dirty="0" smtClean="0"/>
-              <a:t>Création</a:t>
-            </a:r>
-            <a:endParaRPr lang="fr-FR" i="1" dirty="0" smtClean="0"/>
+              <a:t>2) Création</a:t>
+            </a:r>
           </a:p>
           <a:p>
             <a:pPr>
@@ -8089,35 +8068,21 @@
                 <a:latin typeface="Courier New" pitchFamily="49" charset="0"/>
                 <a:cs typeface="Courier New" pitchFamily="49" charset="0"/>
               </a:rPr>
-              <a:t>m </a:t>
+              <a:t>m = make(map[string]float64) // </a:t>
+            </a:r>
+            <a:r>
+              <a:rPr lang="en-US" b="1" dirty="0" smtClean="0">
+                <a:latin typeface="Courier New" pitchFamily="49" charset="0"/>
+                <a:cs typeface="Courier New" pitchFamily="49" charset="0"/>
+              </a:rPr>
+              <a:t>make</a:t>
             </a:r>
             <a:r>
               <a:rPr lang="en-US" dirty="0" smtClean="0">
                 <a:latin typeface="Courier New" pitchFamily="49" charset="0"/>
                 <a:cs typeface="Courier New" pitchFamily="49" charset="0"/>
               </a:rPr>
-              <a:t>= make(map[string]float64) // </a:t>
-            </a:r>
-            <a:r>
-              <a:rPr lang="en-US" b="1" dirty="0" smtClean="0">
-                <a:latin typeface="Courier New" pitchFamily="49" charset="0"/>
-                <a:cs typeface="Courier New" pitchFamily="49" charset="0"/>
-              </a:rPr>
-              <a:t>make</a:t>
-            </a:r>
-            <a:r>
-              <a:rPr lang="en-US" dirty="0" smtClean="0">
-                <a:latin typeface="Courier New" pitchFamily="49" charset="0"/>
-                <a:cs typeface="Courier New" pitchFamily="49" charset="0"/>
-              </a:rPr>
-              <a:t> </a:t>
-            </a:r>
-            <a:r>
-              <a:rPr lang="en-US" dirty="0" smtClean="0">
-                <a:latin typeface="Courier New" pitchFamily="49" charset="0"/>
-                <a:cs typeface="Courier New" pitchFamily="49" charset="0"/>
-              </a:rPr>
-              <a:t>pas </a:t>
+              <a:t> pas </a:t>
             </a:r>
             <a:r>
               <a:rPr lang="en-US" b="1" dirty="0" smtClean="0">
@@ -8142,13 +8107,8 @@
             </a:pPr>
             <a:r>
               <a:rPr lang="fr-FR" i="1" dirty="0" smtClean="0"/>
-              <a:t>3) </a:t>
-            </a:r>
-            <a:r>
-              <a:rPr lang="fr-FR" i="1" dirty="0" smtClean="0"/>
-              <a:t>Affectation</a:t>
-            </a:r>
-            <a:endParaRPr lang="fr-FR" i="1" dirty="0" smtClean="0"/>
+              <a:t>3) Affectation</a:t>
+            </a:r>
           </a:p>
           <a:p>
             <a:pPr lvl="1">
@@ -8185,19 +8145,8 @@
                 <a:latin typeface="Courier New" pitchFamily="49" charset="0"/>
                 <a:cs typeface="Courier New" pitchFamily="49" charset="0"/>
               </a:rPr>
-              <a:t>m1 = m // m1 and m now refer to same </a:t>
-            </a:r>
-            <a:r>
-              <a:rPr lang="en-US" dirty="0" smtClean="0">
-                <a:latin typeface="Courier New" pitchFamily="49" charset="0"/>
-                <a:cs typeface="Courier New" pitchFamily="49" charset="0"/>
-              </a:rPr>
-              <a:t>map</a:t>
-            </a:r>
-            <a:endParaRPr lang="en-US" dirty="0" smtClean="0">
-              <a:latin typeface="Courier New" pitchFamily="49" charset="0"/>
-              <a:cs typeface="Courier New" pitchFamily="49" charset="0"/>
-            </a:endParaRPr>
+              <a:t>m1 = m // m1 and m now refer to same map</a:t>
+            </a:r>
           </a:p>
         </p:txBody>
       </p:sp>
@@ -8474,7 +8423,6 @@
               <a:rPr lang="en-US" i="1" dirty="0" smtClean="0"/>
               <a:t> </a:t>
             </a:r>
-            <a:endParaRPr lang="en-US" i="1" dirty="0" smtClean="0"/>
           </a:p>
           <a:p>
             <a:pPr>
@@ -8489,14 +8437,7 @@
                 <a:latin typeface="Courier New" pitchFamily="49" charset="0"/>
                 <a:cs typeface="Courier New" pitchFamily="49" charset="0"/>
               </a:rPr>
-              <a:t>m </a:t>
-            </a:r>
-            <a:r>
-              <a:rPr lang="fr-FR" dirty="0" smtClean="0">
-                <a:latin typeface="Courier New" pitchFamily="49" charset="0"/>
-                <a:cs typeface="Courier New" pitchFamily="49" charset="0"/>
-              </a:rPr>
-              <a:t>= </a:t>
+              <a:t>m = </a:t>
             </a:r>
             <a:r>
               <a:rPr lang="fr-FR" dirty="0" err="1" smtClean="0">
@@ -8663,42 +8604,7 @@
                 <a:latin typeface="Courier New" pitchFamily="49" charset="0"/>
                 <a:cs typeface="Courier New" pitchFamily="49" charset="0"/>
               </a:rPr>
-              <a:t> := </a:t>
-            </a:r>
-            <a:r>
-              <a:rPr lang="fr-FR" dirty="0" smtClean="0">
-                <a:latin typeface="Courier New" pitchFamily="49" charset="0"/>
-                <a:cs typeface="Courier New" pitchFamily="49" charset="0"/>
-              </a:rPr>
-              <a:t>m[</a:t>
-            </a:r>
-            <a:r>
-              <a:rPr lang="fr-FR" dirty="0" smtClean="0">
-                <a:latin typeface="Courier New" pitchFamily="49" charset="0"/>
-                <a:cs typeface="Courier New" pitchFamily="49" charset="0"/>
-              </a:rPr>
-              <a:t>"</a:t>
-            </a:r>
-            <a:r>
-              <a:rPr lang="fr-FR" dirty="0" smtClean="0">
-                <a:latin typeface="Courier New" pitchFamily="49" charset="0"/>
-                <a:cs typeface="Courier New" pitchFamily="49" charset="0"/>
-              </a:rPr>
-              <a:t>pas présent</a:t>
-            </a:r>
-            <a:r>
-              <a:rPr lang="fr-FR" dirty="0" smtClean="0">
-                <a:latin typeface="Courier New" pitchFamily="49" charset="0"/>
-                <a:cs typeface="Courier New" pitchFamily="49" charset="0"/>
-              </a:rPr>
-              <a:t>"] // </a:t>
-            </a:r>
-            <a:r>
-              <a:rPr lang="fr-FR" dirty="0" smtClean="0">
-                <a:latin typeface="Courier New" pitchFamily="49" charset="0"/>
-                <a:cs typeface="Courier New" pitchFamily="49" charset="0"/>
-              </a:rPr>
-              <a:t>mets </a:t>
+              <a:t> := m["pas présent"] // mets </a:t>
             </a:r>
             <a:r>
               <a:rPr lang="fr-FR" dirty="0" err="1" smtClean="0">
@@ -8712,14 +8618,7 @@
                 <a:latin typeface="Courier New" pitchFamily="49" charset="0"/>
                 <a:cs typeface="Courier New" pitchFamily="49" charset="0"/>
               </a:rPr>
-              <a:t> </a:t>
-            </a:r>
-            <a:r>
-              <a:rPr lang="fr-FR" dirty="0" smtClean="0">
-                <a:latin typeface="Courier New" pitchFamily="49" charset="0"/>
-                <a:cs typeface="Courier New" pitchFamily="49" charset="0"/>
-              </a:rPr>
-              <a:t>à 0.0.</a:t>
+              <a:t> à 0.0.</a:t>
             </a:r>
           </a:p>
           <a:p>
@@ -8776,19 +8675,8 @@
                 <a:latin typeface="Courier New" pitchFamily="49" charset="0"/>
                 <a:cs typeface="Courier New" pitchFamily="49" charset="0"/>
               </a:rPr>
-              <a:t>m["2"] = 3 </a:t>
-            </a:r>
-            <a:r>
-              <a:rPr lang="en-US" dirty="0" smtClean="0">
-                <a:latin typeface="Courier New" pitchFamily="49" charset="0"/>
-                <a:cs typeface="Courier New" pitchFamily="49" charset="0"/>
-              </a:rPr>
-              <a:t> </a:t>
-            </a:r>
-            <a:endParaRPr lang="en-US" dirty="0" smtClean="0">
-              <a:latin typeface="Courier New" pitchFamily="49" charset="0"/>
-              <a:cs typeface="Courier New" pitchFamily="49" charset="0"/>
-            </a:endParaRPr>
+              <a:t>m["2"] = 3  </a:t>
+            </a:r>
           </a:p>
         </p:txBody>
       </p:sp>
@@ -9061,14 +8949,7 @@
                 <a:latin typeface="Courier New" pitchFamily="49" charset="0"/>
                 <a:cs typeface="Courier New" pitchFamily="49" charset="0"/>
               </a:rPr>
-              <a:t> = m[x</a:t>
-            </a:r>
-            <a:r>
-              <a:rPr lang="fr-FR" sz="3300" dirty="0" smtClean="0">
-                <a:latin typeface="Courier New" pitchFamily="49" charset="0"/>
-                <a:cs typeface="Courier New" pitchFamily="49" charset="0"/>
-              </a:rPr>
-              <a:t>]</a:t>
+              <a:t> = m[x]</a:t>
             </a:r>
           </a:p>
           <a:p>
@@ -9083,11 +8964,7 @@
             </a:pPr>
             <a:r>
               <a:rPr lang="fr-FR" i="1" dirty="0" smtClean="0"/>
-              <a:t>or </a:t>
-            </a:r>
-            <a:r>
-              <a:rPr lang="fr-FR" i="1" dirty="0" smtClean="0"/>
-              <a:t>idiomatiquement </a:t>
+              <a:t>or idiomatiquement </a:t>
             </a:r>
           </a:p>
           <a:p>
@@ -9105,42 +8982,21 @@
                 <a:latin typeface="Courier New" pitchFamily="49" charset="0"/>
                 <a:cs typeface="Courier New" pitchFamily="49" charset="0"/>
               </a:rPr>
-              <a:t>value, ok := m[x] // </a:t>
+              <a:t>value, ok := m[x] // la </a:t>
+            </a:r>
+            <a:r>
+              <a:rPr lang="en-US" sz="3300" dirty="0" err="1" smtClean="0">
+                <a:latin typeface="Courier New" pitchFamily="49" charset="0"/>
+                <a:cs typeface="Courier New" pitchFamily="49" charset="0"/>
+              </a:rPr>
+              <a:t>forme</a:t>
             </a:r>
             <a:r>
               <a:rPr lang="en-US" sz="3300" dirty="0" smtClean="0">
                 <a:latin typeface="Courier New" pitchFamily="49" charset="0"/>
                 <a:cs typeface="Courier New" pitchFamily="49" charset="0"/>
               </a:rPr>
-              <a:t>la </a:t>
-            </a:r>
-            <a:r>
-              <a:rPr lang="en-US" sz="3300" dirty="0" err="1" smtClean="0">
-                <a:latin typeface="Courier New" pitchFamily="49" charset="0"/>
-                <a:cs typeface="Courier New" pitchFamily="49" charset="0"/>
-              </a:rPr>
-              <a:t>forme</a:t>
-            </a:r>
-            <a:r>
-              <a:rPr lang="en-US" sz="3300" dirty="0" smtClean="0">
-                <a:latin typeface="Courier New" pitchFamily="49" charset="0"/>
-                <a:cs typeface="Courier New" pitchFamily="49" charset="0"/>
-              </a:rPr>
-              <a:t> "comma </a:t>
-            </a:r>
-            <a:r>
-              <a:rPr lang="en-US" sz="3300" dirty="0" smtClean="0">
-                <a:latin typeface="Courier New" pitchFamily="49" charset="0"/>
-                <a:cs typeface="Courier New" pitchFamily="49" charset="0"/>
-              </a:rPr>
-              <a:t>ok</a:t>
-            </a:r>
-            <a:r>
-              <a:rPr lang="en-US" sz="3300" dirty="0" smtClean="0">
-                <a:latin typeface="Courier New" pitchFamily="49" charset="0"/>
-                <a:cs typeface="Courier New" pitchFamily="49" charset="0"/>
-              </a:rPr>
-              <a:t>"</a:t>
+              <a:t> "comma ok"</a:t>
             </a:r>
           </a:p>
           <a:p>
@@ -9399,7 +9255,6 @@
               <a:rPr lang="en-US" i="1" dirty="0" smtClean="0"/>
               <a:t> :</a:t>
             </a:r>
-            <a:endParaRPr lang="en-US" i="1" dirty="0" smtClean="0"/>
           </a:p>
           <a:p>
             <a:pPr lvl="1">
@@ -9649,7 +9504,6 @@
               <a:rPr lang="en-US" i="1" dirty="0" smtClean="0"/>
               <a:t>.,</a:t>
             </a:r>
-            <a:endParaRPr lang="en-US" i="1" dirty="0" smtClean="0"/>
           </a:p>
           <a:p>
             <a:pPr>
@@ -9664,21 +9518,7 @@
                 <a:latin typeface="Courier New" pitchFamily="49" charset="0"/>
                 <a:cs typeface="Courier New" pitchFamily="49" charset="0"/>
               </a:rPr>
-              <a:t>m[x</a:t>
-            </a:r>
-            <a:r>
-              <a:rPr lang="fr-FR" dirty="0" smtClean="0">
-                <a:latin typeface="Courier New" pitchFamily="49" charset="0"/>
-                <a:cs typeface="Courier New" pitchFamily="49" charset="0"/>
-              </a:rPr>
-              <a:t>] = 0, false </a:t>
-            </a:r>
-            <a:r>
-              <a:rPr lang="fr-FR" dirty="0" smtClean="0">
-                <a:latin typeface="Courier New" pitchFamily="49" charset="0"/>
-                <a:cs typeface="Courier New" pitchFamily="49" charset="0"/>
-              </a:rPr>
-              <a:t>  // supprime l’entrée 				//  pour x</a:t>
+              <a:t>m[x] = 0, false   // supprime l’entrée 				//  pour x</a:t>
             </a:r>
             <a:endParaRPr lang="fr-FR" dirty="0">
               <a:latin typeface="Courier New" pitchFamily="49" charset="0"/>
@@ -9872,7 +9712,6 @@
               <a:rPr lang="en-US" i="1" dirty="0" smtClean="0"/>
               <a:t>:</a:t>
             </a:r>
-            <a:endParaRPr lang="en-US" i="1" dirty="0" smtClean="0"/>
           </a:p>
           <a:p>
             <a:pPr lvl="1">
@@ -10011,121 +9850,120 @@
               <a:rPr lang="en-US" i="1" dirty="0" smtClean="0"/>
               <a:t> la clef :</a:t>
             </a:r>
+          </a:p>
+          <a:p>
+            <a:pPr lvl="1">
+              <a:buNone/>
+            </a:pPr>
+            <a:r>
+              <a:rPr lang="fr-FR" dirty="0" smtClean="0">
+                <a:latin typeface="Courier New" pitchFamily="49" charset="0"/>
+                <a:cs typeface="Courier New" pitchFamily="49" charset="0"/>
+              </a:rPr>
+              <a:t>for </a:t>
+            </a:r>
+            <a:r>
+              <a:rPr lang="fr-FR" dirty="0" err="1" smtClean="0">
+                <a:latin typeface="Courier New" pitchFamily="49" charset="0"/>
+                <a:cs typeface="Courier New" pitchFamily="49" charset="0"/>
+              </a:rPr>
+              <a:t>key</a:t>
+            </a:r>
+            <a:r>
+              <a:rPr lang="fr-FR" dirty="0" smtClean="0">
+                <a:latin typeface="Courier New" pitchFamily="49" charset="0"/>
+                <a:cs typeface="Courier New" pitchFamily="49" charset="0"/>
+              </a:rPr>
+              <a:t> = range m {</a:t>
+            </a:r>
+          </a:p>
+          <a:p>
+            <a:pPr lvl="1">
+              <a:buNone/>
+            </a:pPr>
+            <a:r>
+              <a:rPr lang="fr-FR" dirty="0" smtClean="0">
+                <a:latin typeface="Courier New" pitchFamily="49" charset="0"/>
+                <a:cs typeface="Courier New" pitchFamily="49" charset="0"/>
+              </a:rPr>
+              <a:t>	</a:t>
+            </a:r>
+            <a:r>
+              <a:rPr lang="fr-FR" dirty="0" err="1" smtClean="0">
+                <a:latin typeface="Courier New" pitchFamily="49" charset="0"/>
+                <a:cs typeface="Courier New" pitchFamily="49" charset="0"/>
+              </a:rPr>
+              <a:t>fmt.Printf</a:t>
+            </a:r>
+            <a:r>
+              <a:rPr lang="fr-FR" dirty="0" smtClean="0">
+                <a:latin typeface="Courier New" pitchFamily="49" charset="0"/>
+                <a:cs typeface="Courier New" pitchFamily="49" charset="0"/>
+              </a:rPr>
+              <a:t>("</a:t>
+            </a:r>
+            <a:r>
+              <a:rPr lang="fr-FR" dirty="0" err="1" smtClean="0">
+                <a:latin typeface="Courier New" pitchFamily="49" charset="0"/>
+                <a:cs typeface="Courier New" pitchFamily="49" charset="0"/>
+              </a:rPr>
+              <a:t>key</a:t>
+            </a:r>
+            <a:r>
+              <a:rPr lang="fr-FR" dirty="0" smtClean="0">
+                <a:latin typeface="Courier New" pitchFamily="49" charset="0"/>
+                <a:cs typeface="Courier New" pitchFamily="49" charset="0"/>
+              </a:rPr>
+              <a:t> %</a:t>
+            </a:r>
+            <a:r>
+              <a:rPr lang="fr-FR" dirty="0" err="1" smtClean="0">
+                <a:latin typeface="Courier New" pitchFamily="49" charset="0"/>
+                <a:cs typeface="Courier New" pitchFamily="49" charset="0"/>
+              </a:rPr>
+              <a:t>s\n</a:t>
+            </a:r>
+            <a:r>
+              <a:rPr lang="fr-FR" dirty="0" smtClean="0">
+                <a:latin typeface="Courier New" pitchFamily="49" charset="0"/>
+                <a:cs typeface="Courier New" pitchFamily="49" charset="0"/>
+              </a:rPr>
+              <a:t>", </a:t>
+            </a:r>
+            <a:r>
+              <a:rPr lang="fr-FR" dirty="0" err="1" smtClean="0">
+                <a:latin typeface="Courier New" pitchFamily="49" charset="0"/>
+                <a:cs typeface="Courier New" pitchFamily="49" charset="0"/>
+              </a:rPr>
+              <a:t>key</a:t>
+            </a:r>
+            <a:r>
+              <a:rPr lang="fr-FR" dirty="0" smtClean="0">
+                <a:latin typeface="Courier New" pitchFamily="49" charset="0"/>
+                <a:cs typeface="Courier New" pitchFamily="49" charset="0"/>
+              </a:rPr>
+              <a:t>)</a:t>
+            </a:r>
+          </a:p>
+          <a:p>
+            <a:pPr lvl="1">
+              <a:buNone/>
+            </a:pPr>
+            <a:r>
+              <a:rPr lang="fr-FR" dirty="0" smtClean="0">
+                <a:latin typeface="Courier New" pitchFamily="49" charset="0"/>
+                <a:cs typeface="Courier New" pitchFamily="49" charset="0"/>
+              </a:rPr>
+              <a:t>}</a:t>
+            </a:r>
+          </a:p>
+          <a:p>
+            <a:pPr>
+              <a:buNone/>
+            </a:pPr>
             <a:endParaRPr lang="en-US" i="1" dirty="0" smtClean="0"/>
           </a:p>
           <a:p>
-            <a:pPr lvl="1">
-              <a:buNone/>
-            </a:pPr>
-            <a:r>
-              <a:rPr lang="fr-FR" dirty="0" smtClean="0">
-                <a:latin typeface="Courier New" pitchFamily="49" charset="0"/>
-                <a:cs typeface="Courier New" pitchFamily="49" charset="0"/>
-              </a:rPr>
-              <a:t>for </a:t>
-            </a:r>
-            <a:r>
-              <a:rPr lang="fr-FR" dirty="0" err="1" smtClean="0">
-                <a:latin typeface="Courier New" pitchFamily="49" charset="0"/>
-                <a:cs typeface="Courier New" pitchFamily="49" charset="0"/>
-              </a:rPr>
-              <a:t>key</a:t>
-            </a:r>
-            <a:r>
-              <a:rPr lang="fr-FR" dirty="0" smtClean="0">
-                <a:latin typeface="Courier New" pitchFamily="49" charset="0"/>
-                <a:cs typeface="Courier New" pitchFamily="49" charset="0"/>
-              </a:rPr>
-              <a:t> = range m {</a:t>
-            </a:r>
-          </a:p>
-          <a:p>
-            <a:pPr lvl="1">
-              <a:buNone/>
-            </a:pPr>
-            <a:r>
-              <a:rPr lang="fr-FR" dirty="0" smtClean="0">
-                <a:latin typeface="Courier New" pitchFamily="49" charset="0"/>
-                <a:cs typeface="Courier New" pitchFamily="49" charset="0"/>
-              </a:rPr>
-              <a:t>	</a:t>
-            </a:r>
-            <a:r>
-              <a:rPr lang="fr-FR" dirty="0" err="1" smtClean="0">
-                <a:latin typeface="Courier New" pitchFamily="49" charset="0"/>
-                <a:cs typeface="Courier New" pitchFamily="49" charset="0"/>
-              </a:rPr>
-              <a:t>fmt.Printf</a:t>
-            </a:r>
-            <a:r>
-              <a:rPr lang="fr-FR" dirty="0" smtClean="0">
-                <a:latin typeface="Courier New" pitchFamily="49" charset="0"/>
-                <a:cs typeface="Courier New" pitchFamily="49" charset="0"/>
-              </a:rPr>
-              <a:t>("</a:t>
-            </a:r>
-            <a:r>
-              <a:rPr lang="fr-FR" dirty="0" err="1" smtClean="0">
-                <a:latin typeface="Courier New" pitchFamily="49" charset="0"/>
-                <a:cs typeface="Courier New" pitchFamily="49" charset="0"/>
-              </a:rPr>
-              <a:t>key</a:t>
-            </a:r>
-            <a:r>
-              <a:rPr lang="fr-FR" dirty="0" smtClean="0">
-                <a:latin typeface="Courier New" pitchFamily="49" charset="0"/>
-                <a:cs typeface="Courier New" pitchFamily="49" charset="0"/>
-              </a:rPr>
-              <a:t> %</a:t>
-            </a:r>
-            <a:r>
-              <a:rPr lang="fr-FR" dirty="0" err="1" smtClean="0">
-                <a:latin typeface="Courier New" pitchFamily="49" charset="0"/>
-                <a:cs typeface="Courier New" pitchFamily="49" charset="0"/>
-              </a:rPr>
-              <a:t>s\n</a:t>
-            </a:r>
-            <a:r>
-              <a:rPr lang="fr-FR" dirty="0" smtClean="0">
-                <a:latin typeface="Courier New" pitchFamily="49" charset="0"/>
-                <a:cs typeface="Courier New" pitchFamily="49" charset="0"/>
-              </a:rPr>
-              <a:t>", </a:t>
-            </a:r>
-            <a:r>
-              <a:rPr lang="fr-FR" dirty="0" err="1" smtClean="0">
-                <a:latin typeface="Courier New" pitchFamily="49" charset="0"/>
-                <a:cs typeface="Courier New" pitchFamily="49" charset="0"/>
-              </a:rPr>
-              <a:t>key</a:t>
-            </a:r>
-            <a:r>
-              <a:rPr lang="fr-FR" dirty="0" smtClean="0">
-                <a:latin typeface="Courier New" pitchFamily="49" charset="0"/>
-                <a:cs typeface="Courier New" pitchFamily="49" charset="0"/>
-              </a:rPr>
-              <a:t>)</a:t>
-            </a:r>
-          </a:p>
-          <a:p>
-            <a:pPr lvl="1">
-              <a:buNone/>
-            </a:pPr>
-            <a:r>
-              <a:rPr lang="fr-FR" dirty="0" smtClean="0">
-                <a:latin typeface="Courier New" pitchFamily="49" charset="0"/>
-                <a:cs typeface="Courier New" pitchFamily="49" charset="0"/>
-              </a:rPr>
-              <a:t>}</a:t>
-            </a:r>
-          </a:p>
-          <a:p>
-            <a:pPr>
-              <a:buNone/>
-            </a:pPr>
-            <a:endParaRPr lang="en-US" i="1" dirty="0" smtClean="0"/>
-          </a:p>
-          <a:p>
             <a:pPr>
               <a:buNone/>
             </a:pPr>
@@ -10190,11 +10028,7 @@
             </a:r>
             <a:r>
               <a:rPr lang="en-US" i="1" dirty="0" smtClean="0"/>
-              <a:t> </a:t>
-            </a:r>
-            <a:r>
-              <a:rPr lang="en-US" i="1" dirty="0" smtClean="0"/>
-              <a:t>.</a:t>
+              <a:t> .</a:t>
             </a:r>
           </a:p>
           <a:p>
@@ -10390,15 +10224,7 @@
             </a:r>
             <a:r>
               <a:rPr lang="en-US" i="1" dirty="0" smtClean="0"/>
-              <a:t> []</a:t>
-            </a:r>
-            <a:r>
-              <a:rPr lang="en-US" i="1" dirty="0" smtClean="0"/>
-              <a:t>byte </a:t>
-            </a:r>
-            <a:r>
-              <a:rPr lang="en-US" i="1" dirty="0" smtClean="0"/>
-              <a:t>pour les octets, </a:t>
+              <a:t> []byte pour les octets, </a:t>
             </a:r>
             <a:r>
               <a:rPr lang="en-US" i="1" dirty="0" err="1" smtClean="0"/>
@@ -10491,15 +10317,7 @@
             </a:pPr>
             <a:r>
               <a:rPr lang="en-US" i="1" dirty="0" smtClean="0"/>
-              <a:t>en   </a:t>
-            </a:r>
-            <a:r>
-              <a:rPr lang="en-US" i="1" dirty="0" smtClean="0"/>
-              <a:t>UTF-8</a:t>
-            </a:r>
-            <a:r>
-              <a:rPr lang="en-US" i="1" dirty="0" smtClean="0"/>
-              <a:t>.</a:t>
+              <a:t>en   UTF-8.</a:t>
             </a:r>
           </a:p>
           <a:p>
@@ -10516,7 +10334,6 @@
               <a:rPr lang="fr-FR" i="1" dirty="0" smtClean="0"/>
               <a:t>La boucle</a:t>
             </a:r>
-            <a:endParaRPr lang="fr-FR" i="1" dirty="0" smtClean="0"/>
           </a:p>
           <a:p>
             <a:pPr lvl="1">
@@ -10621,21 +10438,7 @@
                 <a:latin typeface="Courier New" pitchFamily="49" charset="0"/>
                 <a:cs typeface="Courier New" pitchFamily="49" charset="0"/>
               </a:rPr>
-              <a:t>0</a:t>
-            </a:r>
-            <a:r>
-              <a:rPr lang="fr-FR" i="1" dirty="0" smtClean="0">
-                <a:latin typeface="Courier New" pitchFamily="49" charset="0"/>
-                <a:cs typeface="Courier New" pitchFamily="49" charset="0"/>
-              </a:rPr>
-              <a:t>:'[' 1:'ÿ' 3:'􀖄' 6</a:t>
-            </a:r>
-            <a:r>
-              <a:rPr lang="fr-FR" i="1" dirty="0" smtClean="0">
-                <a:latin typeface="Courier New" pitchFamily="49" charset="0"/>
-                <a:cs typeface="Courier New" pitchFamily="49" charset="0"/>
-              </a:rPr>
-              <a:t>:']‘</a:t>
+              <a:t>0:'[' 1:'ÿ' 3:'􀖄' 6:']‘</a:t>
             </a:r>
           </a:p>
           <a:p>
@@ -10765,7 +10568,91 @@
           <a:bodyPr/>
           <a:lstStyle/>
           <a:p>
-            <a:endParaRPr lang="fr-FR"/>
+            <a:r>
+              <a:rPr lang="fr-FR" dirty="0" err="1" smtClean="0"/>
+              <a:t>Structs</a:t>
+            </a:r>
+            <a:endParaRPr lang="fr-FR" dirty="0"/>
+          </a:p>
+        </p:txBody>
+      </p:sp>
+      <p:pic>
+        <p:nvPicPr>
+          <p:cNvPr id="4" name="Picture 3"/>
+          <p:cNvPicPr>
+            <a:picLocks noChangeAspect="1" noChangeArrowheads="1"/>
+          </p:cNvPicPr>
+          <p:nvPr/>
+        </p:nvPicPr>
+        <p:blipFill>
+          <a:blip r:embed="rId2" cstate="print"/>
+          <a:srcRect/>
+          <a:stretch>
+            <a:fillRect/>
+          </a:stretch>
+        </p:blipFill>
+        <p:spPr bwMode="auto">
+          <a:xfrm>
+            <a:off x="683568" y="1772816"/>
+            <a:ext cx="7667625" cy="4371975"/>
+          </a:xfrm>
+          <a:prstGeom prst="rect">
+            <a:avLst/>
+          </a:prstGeom>
+          <a:noFill/>
+          <a:ln w="9525">
+            <a:noFill/>
+            <a:miter lim="800000"/>
+            <a:headEnd/>
+            <a:tailEnd/>
+          </a:ln>
+        </p:spPr>
+      </p:pic>
+    </p:spTree>
+  </p:cSld>
+  <p:clrMapOvr>
+    <a:masterClrMapping/>
+  </p:clrMapOvr>
+</p:sld>
+</file>
+
+<file path=ppt/slides/slide26.xml><?xml version="1.0" encoding="utf-8"?>
+<p:sld xmlns:a="http://schemas.openxmlformats.org/drawingml/2006/main" xmlns:r="http://schemas.openxmlformats.org/officeDocument/2006/relationships" xmlns:p="http://schemas.openxmlformats.org/presentationml/2006/main">
+  <p:cSld>
+    <p:spTree>
+      <p:nvGrpSpPr>
+        <p:cNvPr id="1" name=""/>
+        <p:cNvGrpSpPr/>
+        <p:nvPr/>
+      </p:nvGrpSpPr>
+      <p:grpSpPr>
+        <a:xfrm>
+          <a:off x="0" y="0"/>
+          <a:ext cx="0" cy="0"/>
+          <a:chOff x="0" y="0"/>
+          <a:chExt cx="0" cy="0"/>
+        </a:xfrm>
+      </p:grpSpPr>
+      <p:sp>
+        <p:nvSpPr>
+          <p:cNvPr id="2" name="Titre 1"/>
+          <p:cNvSpPr>
+            <a:spLocks noGrp="1"/>
+          </p:cNvSpPr>
+          <p:nvPr>
+            <p:ph type="title"/>
+          </p:nvPr>
+        </p:nvSpPr>
+        <p:spPr/>
+        <p:txBody>
+          <a:bodyPr/>
+          <a:lstStyle/>
+          <a:p>
+            <a:r>
+              <a:rPr lang="fr-FR" dirty="0" err="1" smtClean="0"/>
+              <a:t>Structs</a:t>
+            </a:r>
+            <a:endParaRPr lang="fr-FR" dirty="0"/>
           </a:p>
         </p:txBody>
       </p:sp>
@@ -10781,10 +10668,1832 @@
         </p:nvSpPr>
         <p:spPr/>
         <p:txBody>
+          <a:bodyPr>
+            <a:normAutofit fontScale="70000" lnSpcReduction="20000"/>
+          </a:bodyPr>
+          <a:lstStyle/>
+          <a:p>
+            <a:pPr>
+              <a:buNone/>
+            </a:pPr>
+            <a:r>
+              <a:rPr lang="en-US" i="1" dirty="0" smtClean="0"/>
+              <a:t>Les structures </a:t>
+            </a:r>
+            <a:r>
+              <a:rPr lang="en-US" i="1" dirty="0" err="1" smtClean="0"/>
+              <a:t>vont</a:t>
+            </a:r>
+            <a:r>
+              <a:rPr lang="en-US" i="1" dirty="0" smtClean="0"/>
+              <a:t> </a:t>
+            </a:r>
+            <a:r>
+              <a:rPr lang="en-US" i="1" dirty="0" err="1" smtClean="0"/>
+              <a:t>vous</a:t>
+            </a:r>
+            <a:r>
+              <a:rPr lang="en-US" i="1" dirty="0" smtClean="0"/>
+              <a:t> </a:t>
+            </a:r>
+            <a:r>
+              <a:rPr lang="en-US" i="1" dirty="0" err="1" smtClean="0"/>
+              <a:t>sembler</a:t>
+            </a:r>
+            <a:r>
+              <a:rPr lang="en-US" i="1" dirty="0" smtClean="0"/>
+              <a:t> </a:t>
+            </a:r>
+            <a:r>
+              <a:rPr lang="en-US" i="1" dirty="0" err="1" smtClean="0"/>
+              <a:t>familières</a:t>
+            </a:r>
+            <a:r>
+              <a:rPr lang="en-US" i="1" dirty="0" smtClean="0"/>
+              <a:t> : </a:t>
+            </a:r>
+            <a:r>
+              <a:rPr lang="en-US" i="1" dirty="0" err="1" smtClean="0"/>
+              <a:t>ce</a:t>
+            </a:r>
+            <a:r>
+              <a:rPr lang="en-US" i="1" dirty="0" smtClean="0"/>
+              <a:t> </a:t>
+            </a:r>
+            <a:r>
+              <a:rPr lang="en-US" i="1" dirty="0" err="1" smtClean="0"/>
+              <a:t>sont</a:t>
+            </a:r>
+            <a:r>
+              <a:rPr lang="en-US" i="1" dirty="0" smtClean="0"/>
+              <a:t> de simples </a:t>
+            </a:r>
+            <a:r>
+              <a:rPr lang="en-US" i="1" dirty="0" err="1" smtClean="0"/>
+              <a:t>déclarations</a:t>
+            </a:r>
+            <a:r>
+              <a:rPr lang="en-US" i="1" dirty="0" smtClean="0"/>
+              <a:t> de champs </a:t>
+            </a:r>
+            <a:r>
+              <a:rPr lang="fr-FR" i="1" dirty="0" smtClean="0"/>
+              <a:t>.</a:t>
+            </a:r>
+            <a:endParaRPr lang="fr-FR" i="1" dirty="0" smtClean="0"/>
+          </a:p>
+          <a:p>
+            <a:pPr lvl="1">
+              <a:buNone/>
+            </a:pPr>
+            <a:r>
+              <a:rPr lang="fr-FR" dirty="0" smtClean="0">
+                <a:latin typeface="Courier New" pitchFamily="49" charset="0"/>
+                <a:cs typeface="Courier New" pitchFamily="49" charset="0"/>
+              </a:rPr>
+              <a:t>var p </a:t>
+            </a:r>
+            <a:r>
+              <a:rPr lang="fr-FR" dirty="0" err="1" smtClean="0">
+                <a:latin typeface="Courier New" pitchFamily="49" charset="0"/>
+                <a:cs typeface="Courier New" pitchFamily="49" charset="0"/>
+              </a:rPr>
+              <a:t>struct</a:t>
+            </a:r>
+            <a:r>
+              <a:rPr lang="fr-FR" dirty="0" smtClean="0">
+                <a:latin typeface="Courier New" pitchFamily="49" charset="0"/>
+                <a:cs typeface="Courier New" pitchFamily="49" charset="0"/>
+              </a:rPr>
+              <a:t> {</a:t>
+            </a:r>
+          </a:p>
+          <a:p>
+            <a:pPr lvl="1">
+              <a:buNone/>
+            </a:pPr>
+            <a:r>
+              <a:rPr lang="fr-FR" dirty="0" smtClean="0">
+                <a:latin typeface="Courier New" pitchFamily="49" charset="0"/>
+                <a:cs typeface="Courier New" pitchFamily="49" charset="0"/>
+              </a:rPr>
+              <a:t>	x</a:t>
+            </a:r>
+            <a:r>
+              <a:rPr lang="fr-FR" dirty="0" smtClean="0">
+                <a:latin typeface="Courier New" pitchFamily="49" charset="0"/>
+                <a:cs typeface="Courier New" pitchFamily="49" charset="0"/>
+              </a:rPr>
+              <a:t>, y float64</a:t>
+            </a:r>
+          </a:p>
+          <a:p>
+            <a:pPr lvl="1">
+              <a:buNone/>
+            </a:pPr>
+            <a:r>
+              <a:rPr lang="fr-FR" dirty="0" smtClean="0">
+                <a:latin typeface="Courier New" pitchFamily="49" charset="0"/>
+                <a:cs typeface="Courier New" pitchFamily="49" charset="0"/>
+              </a:rPr>
+              <a:t>}</a:t>
+            </a:r>
+          </a:p>
+          <a:p>
+            <a:pPr lvl="1">
+              <a:buNone/>
+            </a:pPr>
+            <a:endParaRPr lang="fr-FR" dirty="0" smtClean="0">
+              <a:latin typeface="Courier New" pitchFamily="49" charset="0"/>
+              <a:cs typeface="Courier New" pitchFamily="49" charset="0"/>
+            </a:endParaRPr>
+          </a:p>
+          <a:p>
+            <a:pPr>
+              <a:buNone/>
+            </a:pPr>
+            <a:r>
+              <a:rPr lang="fr-FR" i="1" dirty="0" smtClean="0"/>
+              <a:t>De manière plus commune:</a:t>
+            </a:r>
+            <a:endParaRPr lang="fr-FR" i="1" dirty="0" smtClean="0"/>
+          </a:p>
+          <a:p>
+            <a:pPr lvl="1">
+              <a:buNone/>
+            </a:pPr>
+            <a:r>
+              <a:rPr lang="fr-FR" dirty="0" smtClean="0">
+                <a:latin typeface="Courier New" pitchFamily="49" charset="0"/>
+                <a:cs typeface="Courier New" pitchFamily="49" charset="0"/>
+              </a:rPr>
+              <a:t>type Point </a:t>
+            </a:r>
+            <a:r>
+              <a:rPr lang="fr-FR" dirty="0" err="1" smtClean="0">
+                <a:latin typeface="Courier New" pitchFamily="49" charset="0"/>
+                <a:cs typeface="Courier New" pitchFamily="49" charset="0"/>
+              </a:rPr>
+              <a:t>struct</a:t>
+            </a:r>
+            <a:r>
+              <a:rPr lang="fr-FR" dirty="0" smtClean="0">
+                <a:latin typeface="Courier New" pitchFamily="49" charset="0"/>
+                <a:cs typeface="Courier New" pitchFamily="49" charset="0"/>
+              </a:rPr>
+              <a:t> {</a:t>
+            </a:r>
+          </a:p>
+          <a:p>
+            <a:pPr lvl="1">
+              <a:buNone/>
+            </a:pPr>
+            <a:r>
+              <a:rPr lang="fr-FR" dirty="0" smtClean="0">
+                <a:latin typeface="Courier New" pitchFamily="49" charset="0"/>
+                <a:cs typeface="Courier New" pitchFamily="49" charset="0"/>
+              </a:rPr>
+              <a:t>	x</a:t>
+            </a:r>
+            <a:r>
+              <a:rPr lang="fr-FR" dirty="0" smtClean="0">
+                <a:latin typeface="Courier New" pitchFamily="49" charset="0"/>
+                <a:cs typeface="Courier New" pitchFamily="49" charset="0"/>
+              </a:rPr>
+              <a:t>, y float64</a:t>
+            </a:r>
+          </a:p>
+          <a:p>
+            <a:pPr lvl="1">
+              <a:buNone/>
+            </a:pPr>
+            <a:r>
+              <a:rPr lang="fr-FR" dirty="0" smtClean="0">
+                <a:latin typeface="Courier New" pitchFamily="49" charset="0"/>
+                <a:cs typeface="Courier New" pitchFamily="49" charset="0"/>
+              </a:rPr>
+              <a:t>}</a:t>
+            </a:r>
+          </a:p>
+          <a:p>
+            <a:pPr lvl="1">
+              <a:buNone/>
+            </a:pPr>
+            <a:r>
+              <a:rPr lang="fr-FR" dirty="0" smtClean="0">
+                <a:latin typeface="Courier New" pitchFamily="49" charset="0"/>
+                <a:cs typeface="Courier New" pitchFamily="49" charset="0"/>
+              </a:rPr>
+              <a:t>var p </a:t>
+            </a:r>
+            <a:r>
+              <a:rPr lang="fr-FR" dirty="0" smtClean="0">
+                <a:latin typeface="Courier New" pitchFamily="49" charset="0"/>
+                <a:cs typeface="Courier New" pitchFamily="49" charset="0"/>
+              </a:rPr>
+              <a:t>Point</a:t>
+            </a:r>
+          </a:p>
+          <a:p>
+            <a:pPr lvl="1">
+              <a:buNone/>
+            </a:pPr>
+            <a:endParaRPr lang="fr-FR" dirty="0" smtClean="0">
+              <a:latin typeface="Courier New" pitchFamily="49" charset="0"/>
+              <a:cs typeface="Courier New" pitchFamily="49" charset="0"/>
+            </a:endParaRPr>
+          </a:p>
+          <a:p>
+            <a:pPr>
+              <a:buNone/>
+            </a:pPr>
+            <a:r>
+              <a:rPr lang="en-US" i="1" dirty="0" smtClean="0"/>
+              <a:t>Les </a:t>
+            </a:r>
+            <a:r>
+              <a:rPr lang="en-US" i="1" dirty="0" err="1" smtClean="0"/>
+              <a:t>structs</a:t>
+            </a:r>
+            <a:r>
+              <a:rPr lang="en-US" i="1" dirty="0" smtClean="0"/>
+              <a:t> </a:t>
+            </a:r>
+            <a:r>
+              <a:rPr lang="en-US" i="1" dirty="0" err="1" smtClean="0"/>
+              <a:t>permettent</a:t>
+            </a:r>
+            <a:r>
+              <a:rPr lang="en-US" i="1" dirty="0" smtClean="0"/>
+              <a:t> au </a:t>
+            </a:r>
+            <a:r>
+              <a:rPr lang="en-US" i="1" dirty="0" err="1" smtClean="0"/>
+              <a:t>programmeur</a:t>
+            </a:r>
+            <a:r>
+              <a:rPr lang="en-US" i="1" dirty="0" smtClean="0"/>
+              <a:t> de </a:t>
+            </a:r>
+            <a:r>
+              <a:rPr lang="en-US" i="1" dirty="0" err="1" smtClean="0"/>
+              <a:t>définir</a:t>
+            </a:r>
+            <a:r>
+              <a:rPr lang="en-US" i="1" dirty="0" smtClean="0"/>
+              <a:t> les </a:t>
+            </a:r>
+          </a:p>
+          <a:p>
+            <a:pPr>
+              <a:buNone/>
+            </a:pPr>
+            <a:r>
+              <a:rPr lang="en-US" i="1" dirty="0" err="1" smtClean="0"/>
+              <a:t>bornes</a:t>
+            </a:r>
+            <a:r>
+              <a:rPr lang="en-US" i="1" dirty="0" smtClean="0"/>
+              <a:t> </a:t>
+            </a:r>
+            <a:r>
+              <a:rPr lang="en-US" i="1" dirty="0" err="1" smtClean="0"/>
+              <a:t>mémoire</a:t>
+            </a:r>
+            <a:r>
+              <a:rPr lang="en-US" i="1" dirty="0" smtClean="0"/>
+              <a:t>.</a:t>
+            </a:r>
+            <a:r>
+              <a:rPr lang="fr-FR" i="1" dirty="0" smtClean="0"/>
+              <a:t> </a:t>
+            </a:r>
+            <a:endParaRPr lang="fr-FR" dirty="0"/>
+          </a:p>
+        </p:txBody>
+      </p:sp>
+    </p:spTree>
+  </p:cSld>
+  <p:clrMapOvr>
+    <a:masterClrMapping/>
+  </p:clrMapOvr>
+</p:sld>
+</file>
+
+<file path=ppt/slides/slide27.xml><?xml version="1.0" encoding="utf-8"?>
+<p:sld xmlns:a="http://schemas.openxmlformats.org/drawingml/2006/main" xmlns:r="http://schemas.openxmlformats.org/officeDocument/2006/relationships" xmlns:p="http://schemas.openxmlformats.org/presentationml/2006/main">
+  <p:cSld>
+    <p:spTree>
+      <p:nvGrpSpPr>
+        <p:cNvPr id="1" name=""/>
+        <p:cNvGrpSpPr/>
+        <p:nvPr/>
+      </p:nvGrpSpPr>
+      <p:grpSpPr>
+        <a:xfrm>
+          <a:off x="0" y="0"/>
+          <a:ext cx="0" cy="0"/>
+          <a:chOff x="0" y="0"/>
+          <a:chExt cx="0" cy="0"/>
+        </a:xfrm>
+      </p:grpSpPr>
+      <p:sp>
+        <p:nvSpPr>
+          <p:cNvPr id="2" name="Titre 1"/>
+          <p:cNvSpPr>
+            <a:spLocks noGrp="1"/>
+          </p:cNvSpPr>
+          <p:nvPr>
+            <p:ph type="title"/>
+          </p:nvPr>
+        </p:nvSpPr>
+        <p:spPr/>
+        <p:txBody>
           <a:bodyPr/>
           <a:lstStyle/>
           <a:p>
-            <a:endParaRPr lang="fr-FR"/>
+            <a:r>
+              <a:rPr lang="fr-FR" dirty="0" smtClean="0"/>
+              <a:t>Les </a:t>
+            </a:r>
+            <a:r>
+              <a:rPr lang="fr-FR" dirty="0" err="1" smtClean="0"/>
+              <a:t>structs</a:t>
+            </a:r>
+            <a:r>
+              <a:rPr lang="fr-FR" dirty="0" smtClean="0"/>
+              <a:t> sont des valeurs</a:t>
+            </a:r>
+            <a:endParaRPr lang="fr-FR" dirty="0"/>
+          </a:p>
+        </p:txBody>
+      </p:sp>
+      <p:sp>
+        <p:nvSpPr>
+          <p:cNvPr id="3" name="Espace réservé du contenu 2"/>
+          <p:cNvSpPr>
+            <a:spLocks noGrp="1"/>
+          </p:cNvSpPr>
+          <p:nvPr>
+            <p:ph idx="1"/>
+          </p:nvPr>
+        </p:nvSpPr>
+        <p:spPr/>
+        <p:txBody>
+          <a:bodyPr>
+            <a:normAutofit fontScale="62500" lnSpcReduction="20000"/>
+          </a:bodyPr>
+          <a:lstStyle/>
+          <a:p>
+            <a:pPr>
+              <a:buNone/>
+            </a:pPr>
+            <a:r>
+              <a:rPr lang="en-US" i="1" dirty="0" smtClean="0"/>
+              <a:t>Les </a:t>
+            </a:r>
+            <a:r>
+              <a:rPr lang="en-US" i="1" dirty="0" err="1" smtClean="0"/>
+              <a:t>structs</a:t>
+            </a:r>
+            <a:r>
+              <a:rPr lang="en-US" i="1" dirty="0" smtClean="0"/>
+              <a:t> </a:t>
+            </a:r>
+            <a:r>
+              <a:rPr lang="en-US" i="1" dirty="0" err="1" smtClean="0"/>
+              <a:t>sont</a:t>
+            </a:r>
+            <a:r>
+              <a:rPr lang="en-US" i="1" dirty="0" smtClean="0"/>
+              <a:t> des </a:t>
+            </a:r>
+            <a:r>
+              <a:rPr lang="en-US" i="1" dirty="0" err="1" smtClean="0"/>
+              <a:t>valeurs</a:t>
+            </a:r>
+            <a:r>
+              <a:rPr lang="en-US" i="1" dirty="0" smtClean="0"/>
+              <a:t> et new(</a:t>
+            </a:r>
+            <a:r>
+              <a:rPr lang="en-US" i="1" dirty="0" err="1" smtClean="0"/>
+              <a:t>StructType</a:t>
+            </a:r>
+            <a:r>
+              <a:rPr lang="en-US" i="1" dirty="0" smtClean="0"/>
+              <a:t>) </a:t>
+            </a:r>
+            <a:r>
+              <a:rPr lang="en-US" i="1" dirty="0" err="1" smtClean="0"/>
+              <a:t>retourne</a:t>
+            </a:r>
+            <a:r>
+              <a:rPr lang="en-US" i="1" dirty="0" smtClean="0"/>
+              <a:t> un </a:t>
+            </a:r>
+          </a:p>
+          <a:p>
+            <a:pPr>
+              <a:buNone/>
+            </a:pPr>
+            <a:r>
+              <a:rPr lang="en-US" i="1" dirty="0" err="1" smtClean="0"/>
+              <a:t>pointeur</a:t>
+            </a:r>
+            <a:r>
+              <a:rPr lang="en-US" i="1" dirty="0" smtClean="0"/>
+              <a:t> </a:t>
+            </a:r>
+            <a:r>
+              <a:rPr lang="en-US" i="1" dirty="0" err="1" smtClean="0"/>
+              <a:t>sur</a:t>
+            </a:r>
+            <a:r>
+              <a:rPr lang="en-US" i="1" dirty="0" smtClean="0"/>
+              <a:t> </a:t>
+            </a:r>
+            <a:r>
+              <a:rPr lang="en-US" i="1" dirty="0" err="1" smtClean="0"/>
+              <a:t>une</a:t>
+            </a:r>
+            <a:r>
+              <a:rPr lang="en-US" i="1" dirty="0" smtClean="0"/>
+              <a:t> </a:t>
+            </a:r>
+            <a:r>
+              <a:rPr lang="en-US" i="1" dirty="0" err="1" smtClean="0"/>
+              <a:t>valeur</a:t>
+            </a:r>
+            <a:r>
+              <a:rPr lang="en-US" i="1" dirty="0" smtClean="0"/>
+              <a:t> </a:t>
+            </a:r>
+            <a:r>
+              <a:rPr lang="en-US" i="1" dirty="0" err="1" smtClean="0"/>
+              <a:t>zéro</a:t>
+            </a:r>
+            <a:r>
+              <a:rPr lang="en-US" i="1" dirty="0" smtClean="0"/>
+              <a:t> (memoire tout à </a:t>
+            </a:r>
+            <a:r>
+              <a:rPr lang="en-US" i="1" dirty="0" err="1" smtClean="0"/>
+              <a:t>zéro</a:t>
+            </a:r>
+            <a:r>
+              <a:rPr lang="en-US" i="1" dirty="0" smtClean="0"/>
+              <a:t>).</a:t>
+            </a:r>
+          </a:p>
+          <a:p>
+            <a:pPr>
+              <a:buNone/>
+            </a:pPr>
+            <a:endParaRPr lang="en-US" i="1" dirty="0" smtClean="0"/>
+          </a:p>
+          <a:p>
+            <a:pPr lvl="1">
+              <a:buNone/>
+            </a:pPr>
+            <a:r>
+              <a:rPr lang="fr-FR" dirty="0" smtClean="0">
+                <a:latin typeface="Courier New" pitchFamily="49" charset="0"/>
+                <a:cs typeface="Courier New" pitchFamily="49" charset="0"/>
+              </a:rPr>
+              <a:t>type Point </a:t>
+            </a:r>
+            <a:r>
+              <a:rPr lang="fr-FR" dirty="0" err="1" smtClean="0">
+                <a:latin typeface="Courier New" pitchFamily="49" charset="0"/>
+                <a:cs typeface="Courier New" pitchFamily="49" charset="0"/>
+              </a:rPr>
+              <a:t>struct</a:t>
+            </a:r>
+            <a:r>
+              <a:rPr lang="fr-FR" dirty="0" smtClean="0">
+                <a:latin typeface="Courier New" pitchFamily="49" charset="0"/>
+                <a:cs typeface="Courier New" pitchFamily="49" charset="0"/>
+              </a:rPr>
+              <a:t> {</a:t>
+            </a:r>
+          </a:p>
+          <a:p>
+            <a:pPr lvl="1">
+              <a:buNone/>
+            </a:pPr>
+            <a:r>
+              <a:rPr lang="fr-FR" dirty="0" smtClean="0">
+                <a:latin typeface="Courier New" pitchFamily="49" charset="0"/>
+                <a:cs typeface="Courier New" pitchFamily="49" charset="0"/>
+              </a:rPr>
+              <a:t>	x</a:t>
+            </a:r>
+            <a:r>
+              <a:rPr lang="fr-FR" dirty="0" smtClean="0">
+                <a:latin typeface="Courier New" pitchFamily="49" charset="0"/>
+                <a:cs typeface="Courier New" pitchFamily="49" charset="0"/>
+              </a:rPr>
+              <a:t>, y float64</a:t>
+            </a:r>
+          </a:p>
+          <a:p>
+            <a:pPr lvl="1">
+              <a:buNone/>
+            </a:pPr>
+            <a:r>
+              <a:rPr lang="fr-FR" dirty="0" smtClean="0">
+                <a:latin typeface="Courier New" pitchFamily="49" charset="0"/>
+                <a:cs typeface="Courier New" pitchFamily="49" charset="0"/>
+              </a:rPr>
+              <a:t>}</a:t>
+            </a:r>
+          </a:p>
+          <a:p>
+            <a:pPr lvl="1">
+              <a:buNone/>
+            </a:pPr>
+            <a:r>
+              <a:rPr lang="fr-FR" dirty="0" smtClean="0">
+                <a:latin typeface="Courier New" pitchFamily="49" charset="0"/>
+                <a:cs typeface="Courier New" pitchFamily="49" charset="0"/>
+              </a:rPr>
+              <a:t>var p Point</a:t>
+            </a:r>
+          </a:p>
+          <a:p>
+            <a:pPr lvl="1">
+              <a:buNone/>
+            </a:pPr>
+            <a:r>
+              <a:rPr lang="fr-FR" dirty="0" err="1" smtClean="0">
+                <a:latin typeface="Courier New" pitchFamily="49" charset="0"/>
+                <a:cs typeface="Courier New" pitchFamily="49" charset="0"/>
+              </a:rPr>
+              <a:t>p.x</a:t>
+            </a:r>
+            <a:r>
+              <a:rPr lang="fr-FR" dirty="0" smtClean="0">
+                <a:latin typeface="Courier New" pitchFamily="49" charset="0"/>
+                <a:cs typeface="Courier New" pitchFamily="49" charset="0"/>
+              </a:rPr>
+              <a:t> = 7</a:t>
+            </a:r>
+          </a:p>
+          <a:p>
+            <a:pPr lvl="1">
+              <a:buNone/>
+            </a:pPr>
+            <a:r>
+              <a:rPr lang="fr-FR" dirty="0" err="1" smtClean="0">
+                <a:latin typeface="Courier New" pitchFamily="49" charset="0"/>
+                <a:cs typeface="Courier New" pitchFamily="49" charset="0"/>
+              </a:rPr>
+              <a:t>p.y</a:t>
+            </a:r>
+            <a:r>
+              <a:rPr lang="fr-FR" dirty="0" smtClean="0">
+                <a:latin typeface="Courier New" pitchFamily="49" charset="0"/>
+                <a:cs typeface="Courier New" pitchFamily="49" charset="0"/>
+              </a:rPr>
+              <a:t> = 23.4</a:t>
+            </a:r>
+          </a:p>
+          <a:p>
+            <a:pPr lvl="1">
+              <a:buNone/>
+            </a:pPr>
+            <a:r>
+              <a:rPr lang="fr-FR" dirty="0" smtClean="0">
+                <a:latin typeface="Courier New" pitchFamily="49" charset="0"/>
+                <a:cs typeface="Courier New" pitchFamily="49" charset="0"/>
+              </a:rPr>
+              <a:t>var pp *Point = new(Point)</a:t>
+            </a:r>
+          </a:p>
+          <a:p>
+            <a:pPr lvl="1">
+              <a:buNone/>
+            </a:pPr>
+            <a:r>
+              <a:rPr lang="fr-FR" dirty="0" smtClean="0">
+                <a:latin typeface="Courier New" pitchFamily="49" charset="0"/>
+                <a:cs typeface="Courier New" pitchFamily="49" charset="0"/>
+              </a:rPr>
+              <a:t>*pp = p</a:t>
+            </a:r>
+          </a:p>
+          <a:p>
+            <a:pPr lvl="1">
+              <a:buNone/>
+            </a:pPr>
+            <a:r>
+              <a:rPr lang="nn-NO" dirty="0" smtClean="0">
+                <a:latin typeface="Courier New" pitchFamily="49" charset="0"/>
+                <a:cs typeface="Courier New" pitchFamily="49" charset="0"/>
+              </a:rPr>
+              <a:t>pp.x = Pi // </a:t>
+            </a:r>
+            <a:r>
+              <a:rPr lang="nn-NO" dirty="0" smtClean="0">
+                <a:latin typeface="Courier New" pitchFamily="49" charset="0"/>
+                <a:cs typeface="Courier New" pitchFamily="49" charset="0"/>
+              </a:rPr>
+              <a:t>sucre syntaxique pour(*</a:t>
+            </a:r>
+            <a:r>
+              <a:rPr lang="nn-NO" dirty="0" smtClean="0">
+                <a:latin typeface="Courier New" pitchFamily="49" charset="0"/>
+                <a:cs typeface="Courier New" pitchFamily="49" charset="0"/>
+              </a:rPr>
+              <a:t>pp).</a:t>
+            </a:r>
+            <a:r>
+              <a:rPr lang="nn-NO" dirty="0" smtClean="0">
+                <a:latin typeface="Courier New" pitchFamily="49" charset="0"/>
+                <a:cs typeface="Courier New" pitchFamily="49" charset="0"/>
+              </a:rPr>
+              <a:t>x</a:t>
+            </a:r>
+          </a:p>
+          <a:p>
+            <a:pPr lvl="1">
+              <a:buNone/>
+            </a:pPr>
+            <a:endParaRPr lang="nn-NO" dirty="0" smtClean="0">
+              <a:latin typeface="Courier New" pitchFamily="49" charset="0"/>
+              <a:cs typeface="Courier New" pitchFamily="49" charset="0"/>
+            </a:endParaRPr>
+          </a:p>
+          <a:p>
+            <a:pPr>
+              <a:buNone/>
+            </a:pPr>
+            <a:r>
+              <a:rPr lang="en-US" i="1" dirty="0" smtClean="0"/>
+              <a:t>Il </a:t>
+            </a:r>
+            <a:r>
+              <a:rPr lang="en-US" i="1" dirty="0" err="1" smtClean="0"/>
+              <a:t>n’existe</a:t>
+            </a:r>
+            <a:r>
+              <a:rPr lang="en-US" i="1" dirty="0" smtClean="0"/>
+              <a:t> pas de notation </a:t>
+            </a:r>
+            <a:r>
+              <a:rPr lang="en-US" i="1" dirty="0" smtClean="0">
+                <a:latin typeface="Courier New" pitchFamily="49" charset="0"/>
+                <a:cs typeface="Courier New" pitchFamily="49" charset="0"/>
+              </a:rPr>
+              <a:t>-&gt;</a:t>
+            </a:r>
+            <a:r>
+              <a:rPr lang="en-US" i="1" dirty="0" smtClean="0"/>
+              <a:t> pour les </a:t>
+            </a:r>
+            <a:r>
+              <a:rPr lang="en-US" i="1" dirty="0" err="1" smtClean="0"/>
+              <a:t>pointeurs</a:t>
+            </a:r>
+            <a:r>
+              <a:rPr lang="en-US" i="1" dirty="0" smtClean="0"/>
+              <a:t> </a:t>
+            </a:r>
+            <a:r>
+              <a:rPr lang="en-US" i="1" dirty="0" err="1" smtClean="0"/>
+              <a:t>sur</a:t>
+            </a:r>
+            <a:r>
+              <a:rPr lang="en-US" i="1" dirty="0" smtClean="0"/>
+              <a:t> structure. </a:t>
+            </a:r>
+          </a:p>
+          <a:p>
+            <a:pPr>
+              <a:buNone/>
+            </a:pPr>
+            <a:r>
+              <a:rPr lang="en-US" i="1" dirty="0" smtClean="0"/>
+              <a:t>Go </a:t>
+            </a:r>
+            <a:r>
+              <a:rPr lang="en-US" i="1" dirty="0" err="1" smtClean="0"/>
+              <a:t>vous</a:t>
+            </a:r>
+            <a:r>
+              <a:rPr lang="en-US" i="1" dirty="0" smtClean="0"/>
+              <a:t> </a:t>
+            </a:r>
+            <a:r>
+              <a:rPr lang="en-US" i="1" dirty="0" err="1" smtClean="0"/>
+              <a:t>fournit</a:t>
+            </a:r>
+            <a:r>
+              <a:rPr lang="en-US" i="1" dirty="0" smtClean="0"/>
+              <a:t> </a:t>
+            </a:r>
+            <a:r>
+              <a:rPr lang="en-US" i="1" dirty="0" err="1" smtClean="0"/>
+              <a:t>l’indirection</a:t>
+            </a:r>
+            <a:r>
+              <a:rPr lang="en-US" i="1" dirty="0" smtClean="0"/>
+              <a:t> pour </a:t>
+            </a:r>
+            <a:r>
+              <a:rPr lang="en-US" i="1" dirty="0" err="1" smtClean="0"/>
+              <a:t>vous</a:t>
+            </a:r>
+            <a:r>
+              <a:rPr lang="en-US" i="1" dirty="0" smtClean="0"/>
+              <a:t>.  </a:t>
+            </a:r>
+            <a:endParaRPr lang="fr-FR" dirty="0"/>
+          </a:p>
+        </p:txBody>
+      </p:sp>
+    </p:spTree>
+  </p:cSld>
+  <p:clrMapOvr>
+    <a:masterClrMapping/>
+  </p:clrMapOvr>
+</p:sld>
+</file>
+
+<file path=ppt/slides/slide28.xml><?xml version="1.0" encoding="utf-8"?>
+<p:sld xmlns:a="http://schemas.openxmlformats.org/drawingml/2006/main" xmlns:r="http://schemas.openxmlformats.org/officeDocument/2006/relationships" xmlns:p="http://schemas.openxmlformats.org/presentationml/2006/main">
+  <p:cSld>
+    <p:spTree>
+      <p:nvGrpSpPr>
+        <p:cNvPr id="1" name=""/>
+        <p:cNvGrpSpPr/>
+        <p:nvPr/>
+      </p:nvGrpSpPr>
+      <p:grpSpPr>
+        <a:xfrm>
+          <a:off x="0" y="0"/>
+          <a:ext cx="0" cy="0"/>
+          <a:chOff x="0" y="0"/>
+          <a:chExt cx="0" cy="0"/>
+        </a:xfrm>
+      </p:grpSpPr>
+      <p:sp>
+        <p:nvSpPr>
+          <p:cNvPr id="2" name="Titre 1"/>
+          <p:cNvSpPr>
+            <a:spLocks noGrp="1"/>
+          </p:cNvSpPr>
+          <p:nvPr>
+            <p:ph type="title"/>
+          </p:nvPr>
+        </p:nvSpPr>
+        <p:spPr/>
+        <p:txBody>
+          <a:bodyPr/>
+          <a:lstStyle/>
+          <a:p>
+            <a:r>
+              <a:rPr lang="fr-FR" dirty="0" smtClean="0"/>
+              <a:t>Construction des </a:t>
+            </a:r>
+            <a:r>
+              <a:rPr lang="fr-FR" dirty="0" err="1" smtClean="0"/>
+              <a:t>structs</a:t>
+            </a:r>
+            <a:endParaRPr lang="fr-FR" dirty="0"/>
+          </a:p>
+        </p:txBody>
+      </p:sp>
+      <p:sp>
+        <p:nvSpPr>
+          <p:cNvPr id="3" name="Espace réservé du contenu 2"/>
+          <p:cNvSpPr>
+            <a:spLocks noGrp="1"/>
+          </p:cNvSpPr>
+          <p:nvPr>
+            <p:ph idx="1"/>
+          </p:nvPr>
+        </p:nvSpPr>
+        <p:spPr/>
+        <p:txBody>
+          <a:bodyPr>
+            <a:normAutofit fontScale="55000" lnSpcReduction="20000"/>
+          </a:bodyPr>
+          <a:lstStyle/>
+          <a:p>
+            <a:pPr>
+              <a:buNone/>
+            </a:pPr>
+            <a:r>
+              <a:rPr lang="en-US" i="1" dirty="0" smtClean="0"/>
+              <a:t>Les structures </a:t>
+            </a:r>
+            <a:r>
+              <a:rPr lang="en-US" i="1" dirty="0" err="1" smtClean="0"/>
+              <a:t>sont</a:t>
+            </a:r>
+            <a:r>
+              <a:rPr lang="en-US" i="1" dirty="0" smtClean="0"/>
+              <a:t> des </a:t>
+            </a:r>
+            <a:r>
+              <a:rPr lang="en-US" i="1" dirty="0" err="1" smtClean="0"/>
+              <a:t>valeurs</a:t>
+            </a:r>
+            <a:r>
+              <a:rPr lang="en-US" i="1" dirty="0" smtClean="0"/>
+              <a:t> </a:t>
+            </a:r>
+            <a:r>
+              <a:rPr lang="en-US" i="1" dirty="0" err="1" smtClean="0"/>
+              <a:t>ainsi</a:t>
+            </a:r>
+            <a:r>
+              <a:rPr lang="en-US" i="1" dirty="0" smtClean="0"/>
+              <a:t> </a:t>
+            </a:r>
+            <a:r>
+              <a:rPr lang="en-US" i="1" dirty="0" err="1" smtClean="0"/>
+              <a:t>vous</a:t>
+            </a:r>
+            <a:r>
+              <a:rPr lang="en-US" i="1" dirty="0" smtClean="0"/>
+              <a:t> </a:t>
+            </a:r>
+            <a:r>
+              <a:rPr lang="en-US" i="1" dirty="0" err="1" smtClean="0"/>
+              <a:t>pouvez</a:t>
+            </a:r>
+            <a:r>
+              <a:rPr lang="en-US" i="1" dirty="0" smtClean="0"/>
+              <a:t> en faire </a:t>
+            </a:r>
+            <a:r>
+              <a:rPr lang="en-US" i="1" dirty="0" err="1" smtClean="0"/>
+              <a:t>une</a:t>
+            </a:r>
+            <a:r>
+              <a:rPr lang="en-US" i="1" dirty="0" smtClean="0"/>
+              <a:t> “</a:t>
+            </a:r>
+            <a:r>
+              <a:rPr lang="en-US" i="1" dirty="0" err="1" smtClean="0"/>
+              <a:t>zérofiée</a:t>
+            </a:r>
+            <a:r>
+              <a:rPr lang="en-US" i="1" dirty="0" smtClean="0"/>
+              <a:t>”</a:t>
+            </a:r>
+          </a:p>
+          <a:p>
+            <a:pPr>
+              <a:buNone/>
+            </a:pPr>
+            <a:r>
+              <a:rPr lang="en-US" i="1" dirty="0" smtClean="0"/>
+              <a:t> </a:t>
+            </a:r>
+            <a:r>
+              <a:rPr lang="en-US" i="1" dirty="0" err="1" smtClean="0"/>
+              <a:t>juste</a:t>
+            </a:r>
+            <a:r>
+              <a:rPr lang="en-US" i="1" dirty="0" smtClean="0"/>
+              <a:t> en la </a:t>
+            </a:r>
+            <a:r>
+              <a:rPr lang="en-US" i="1" dirty="0" err="1" smtClean="0"/>
+              <a:t>déclarant</a:t>
+            </a:r>
+            <a:r>
+              <a:rPr lang="en-US" i="1" dirty="0" smtClean="0"/>
+              <a:t>. </a:t>
+            </a:r>
+            <a:r>
+              <a:rPr lang="fr-FR" i="1" dirty="0" smtClean="0"/>
+              <a:t> </a:t>
+            </a:r>
+            <a:endParaRPr lang="en-US" i="1" dirty="0" smtClean="0"/>
+          </a:p>
+          <a:p>
+            <a:pPr lvl="1">
+              <a:buNone/>
+            </a:pPr>
+            <a:r>
+              <a:rPr lang="fr-FR" dirty="0" smtClean="0">
+                <a:latin typeface="Courier New" pitchFamily="49" charset="0"/>
+                <a:cs typeface="Courier New" pitchFamily="49" charset="0"/>
+              </a:rPr>
+              <a:t>var p Point // </a:t>
+            </a:r>
+            <a:r>
+              <a:rPr lang="fr-FR" dirty="0" err="1" smtClean="0">
+                <a:latin typeface="Courier New" pitchFamily="49" charset="0"/>
+                <a:cs typeface="Courier New" pitchFamily="49" charset="0"/>
+              </a:rPr>
+              <a:t>zeroed</a:t>
+            </a:r>
+            <a:r>
+              <a:rPr lang="fr-FR" dirty="0" smtClean="0">
+                <a:latin typeface="Courier New" pitchFamily="49" charset="0"/>
+                <a:cs typeface="Courier New" pitchFamily="49" charset="0"/>
+              </a:rPr>
+              <a:t> </a:t>
+            </a:r>
+            <a:r>
+              <a:rPr lang="fr-FR" dirty="0" smtClean="0">
+                <a:latin typeface="Courier New" pitchFamily="49" charset="0"/>
+                <a:cs typeface="Courier New" pitchFamily="49" charset="0"/>
+              </a:rPr>
+              <a:t>value</a:t>
+            </a:r>
+            <a:endParaRPr lang="fr-FR" i="1" dirty="0" smtClean="0"/>
+          </a:p>
+          <a:p>
+            <a:pPr>
+              <a:buNone/>
+            </a:pPr>
+            <a:r>
+              <a:rPr lang="en-US" i="1" dirty="0" err="1" smtClean="0"/>
+              <a:t>Vous</a:t>
+            </a:r>
+            <a:r>
+              <a:rPr lang="en-US" i="1" dirty="0" smtClean="0"/>
+              <a:t> </a:t>
+            </a:r>
+            <a:r>
+              <a:rPr lang="en-US" i="1" dirty="0" err="1" smtClean="0"/>
+              <a:t>pouvez</a:t>
+            </a:r>
+            <a:r>
+              <a:rPr lang="en-US" i="1" dirty="0" smtClean="0"/>
+              <a:t> </a:t>
+            </a:r>
+            <a:r>
+              <a:rPr lang="en-US" i="1" dirty="0" err="1" smtClean="0"/>
+              <a:t>aussi</a:t>
+            </a:r>
+            <a:r>
+              <a:rPr lang="en-US" i="1" dirty="0" smtClean="0"/>
+              <a:t> en </a:t>
+            </a:r>
+            <a:r>
+              <a:rPr lang="en-US" i="1" dirty="0" err="1" smtClean="0"/>
+              <a:t>allouer</a:t>
+            </a:r>
+            <a:r>
+              <a:rPr lang="en-US" i="1" dirty="0" smtClean="0"/>
+              <a:t> </a:t>
+            </a:r>
+            <a:r>
+              <a:rPr lang="en-US" i="1" dirty="0" err="1" smtClean="0"/>
+              <a:t>une</a:t>
+            </a:r>
+            <a:r>
+              <a:rPr lang="en-US" i="1" dirty="0" smtClean="0"/>
+              <a:t> avec </a:t>
+            </a:r>
+            <a:r>
+              <a:rPr lang="en-US" i="1" dirty="0" smtClean="0">
+                <a:latin typeface="Courier New" pitchFamily="49" charset="0"/>
+                <a:cs typeface="Courier New" pitchFamily="49" charset="0"/>
+              </a:rPr>
+              <a:t>new</a:t>
+            </a:r>
+            <a:r>
+              <a:rPr lang="en-US" i="1" dirty="0" smtClean="0"/>
+              <a:t> . </a:t>
+            </a:r>
+          </a:p>
+          <a:p>
+            <a:pPr lvl="1">
+              <a:buNone/>
+            </a:pPr>
+            <a:r>
+              <a:rPr lang="fr-FR" dirty="0" smtClean="0">
+                <a:latin typeface="Courier New" pitchFamily="49" charset="0"/>
+                <a:cs typeface="Courier New" pitchFamily="49" charset="0"/>
+              </a:rPr>
+              <a:t>pp </a:t>
+            </a:r>
+            <a:r>
+              <a:rPr lang="fr-FR" dirty="0" smtClean="0">
+                <a:latin typeface="Courier New" pitchFamily="49" charset="0"/>
+                <a:cs typeface="Courier New" pitchFamily="49" charset="0"/>
+              </a:rPr>
+              <a:t>:= new(Point) // </a:t>
+            </a:r>
+            <a:r>
+              <a:rPr lang="fr-FR" dirty="0" smtClean="0">
+                <a:latin typeface="Courier New" pitchFamily="49" charset="0"/>
+                <a:cs typeface="Courier New" pitchFamily="49" charset="0"/>
+              </a:rPr>
+              <a:t>allocation idiomatique</a:t>
+            </a:r>
+          </a:p>
+          <a:p>
+            <a:pPr>
+              <a:buNone/>
+            </a:pPr>
+            <a:endParaRPr lang="fr-FR" dirty="0" smtClean="0">
+              <a:latin typeface="Courier New" pitchFamily="49" charset="0"/>
+              <a:cs typeface="Courier New" pitchFamily="49" charset="0"/>
+            </a:endParaRPr>
+          </a:p>
+          <a:p>
+            <a:pPr>
+              <a:buNone/>
+            </a:pPr>
+            <a:r>
+              <a:rPr lang="en-US" i="1" dirty="0" smtClean="0"/>
+              <a:t>Les </a:t>
+            </a:r>
+            <a:r>
+              <a:rPr lang="en-US" i="1" dirty="0" err="1" smtClean="0"/>
+              <a:t>litéraux</a:t>
+            </a:r>
+            <a:r>
+              <a:rPr lang="en-US" i="1" dirty="0" smtClean="0"/>
+              <a:t> </a:t>
+            </a:r>
+            <a:r>
+              <a:rPr lang="en-US" i="1" dirty="0" err="1" smtClean="0"/>
+              <a:t>struct</a:t>
+            </a:r>
+            <a:r>
+              <a:rPr lang="en-US" i="1" dirty="0" smtClean="0"/>
+              <a:t> </a:t>
+            </a:r>
+            <a:r>
+              <a:rPr lang="en-US" i="1" dirty="0" err="1" smtClean="0"/>
+              <a:t>ont</a:t>
+            </a:r>
+            <a:r>
+              <a:rPr lang="en-US" i="1" dirty="0" smtClean="0"/>
+              <a:t> la </a:t>
+            </a:r>
+            <a:r>
+              <a:rPr lang="en-US" i="1" dirty="0" err="1" smtClean="0"/>
+              <a:t>syntaxe</a:t>
+            </a:r>
+            <a:r>
+              <a:rPr lang="en-US" i="1" dirty="0" smtClean="0"/>
+              <a:t> </a:t>
+            </a:r>
+            <a:r>
+              <a:rPr lang="en-US" i="1" dirty="0" err="1" smtClean="0"/>
+              <a:t>attendue</a:t>
+            </a:r>
+            <a:r>
+              <a:rPr lang="en-US" i="1" dirty="0" smtClean="0"/>
+              <a:t>.</a:t>
+            </a:r>
+            <a:endParaRPr lang="en-US" i="1" dirty="0" smtClean="0"/>
+          </a:p>
+          <a:p>
+            <a:pPr lvl="1">
+              <a:buNone/>
+            </a:pPr>
+            <a:r>
+              <a:rPr lang="fr-FR" dirty="0" smtClean="0">
+                <a:latin typeface="Courier New" pitchFamily="49" charset="0"/>
+                <a:cs typeface="Courier New" pitchFamily="49" charset="0"/>
+              </a:rPr>
+              <a:t>p = Point{7.2, 8.4}</a:t>
+            </a:r>
+          </a:p>
+          <a:p>
+            <a:pPr lvl="1">
+              <a:buNone/>
+            </a:pPr>
+            <a:r>
+              <a:rPr lang="fr-FR" dirty="0" smtClean="0">
+                <a:latin typeface="Courier New" pitchFamily="49" charset="0"/>
+                <a:cs typeface="Courier New" pitchFamily="49" charset="0"/>
+              </a:rPr>
+              <a:t>p = Point{y:8.4, x:7.2}</a:t>
+            </a:r>
+          </a:p>
+          <a:p>
+            <a:pPr lvl="1">
+              <a:buNone/>
+            </a:pPr>
+            <a:r>
+              <a:rPr lang="fr-FR" dirty="0" smtClean="0">
+                <a:latin typeface="Courier New" pitchFamily="49" charset="0"/>
+                <a:cs typeface="Courier New" pitchFamily="49" charset="0"/>
+              </a:rPr>
+              <a:t>pp = &amp;Point{7.2, 8.4} // </a:t>
+            </a:r>
+            <a:r>
+              <a:rPr lang="fr-FR" dirty="0" smtClean="0">
+                <a:latin typeface="Courier New" pitchFamily="49" charset="0"/>
+                <a:cs typeface="Courier New" pitchFamily="49" charset="0"/>
+              </a:rPr>
+              <a:t>idiomatique</a:t>
+            </a:r>
+            <a:endParaRPr lang="fr-FR" dirty="0" smtClean="0">
+              <a:latin typeface="Courier New" pitchFamily="49" charset="0"/>
+              <a:cs typeface="Courier New" pitchFamily="49" charset="0"/>
+            </a:endParaRPr>
+          </a:p>
+          <a:p>
+            <a:pPr lvl="1">
+              <a:buNone/>
+            </a:pPr>
+            <a:r>
+              <a:rPr lang="en-US" dirty="0" smtClean="0">
+                <a:latin typeface="Courier New" pitchFamily="49" charset="0"/>
+                <a:cs typeface="Courier New" pitchFamily="49" charset="0"/>
+              </a:rPr>
+              <a:t>pp = &amp;Point{} // </a:t>
+            </a:r>
+            <a:r>
+              <a:rPr lang="en-US" dirty="0" err="1" smtClean="0">
+                <a:latin typeface="Courier New" pitchFamily="49" charset="0"/>
+                <a:cs typeface="Courier New" pitchFamily="49" charset="0"/>
+              </a:rPr>
+              <a:t>également</a:t>
+            </a:r>
+            <a:r>
+              <a:rPr lang="en-US" dirty="0" smtClean="0">
+                <a:latin typeface="Courier New" pitchFamily="49" charset="0"/>
+                <a:cs typeface="Courier New" pitchFamily="49" charset="0"/>
+              </a:rPr>
+              <a:t> </a:t>
+            </a:r>
+            <a:r>
+              <a:rPr lang="en-US" dirty="0" err="1" smtClean="0">
+                <a:latin typeface="Courier New" pitchFamily="49" charset="0"/>
+                <a:cs typeface="Courier New" pitchFamily="49" charset="0"/>
+              </a:rPr>
+              <a:t>idiomatique</a:t>
+            </a:r>
+            <a:r>
+              <a:rPr lang="en-US" dirty="0" smtClean="0">
+                <a:latin typeface="Courier New" pitchFamily="49" charset="0"/>
+                <a:cs typeface="Courier New" pitchFamily="49" charset="0"/>
+              </a:rPr>
+              <a:t>; </a:t>
+            </a:r>
+            <a:r>
+              <a:rPr lang="en-US" dirty="0" smtClean="0">
+                <a:latin typeface="Courier New" pitchFamily="49" charset="0"/>
+                <a:cs typeface="Courier New" pitchFamily="49" charset="0"/>
+              </a:rPr>
+              <a:t>== new(Point</a:t>
+            </a:r>
+            <a:r>
+              <a:rPr lang="en-US" dirty="0" smtClean="0">
+                <a:latin typeface="Courier New" pitchFamily="49" charset="0"/>
+                <a:cs typeface="Courier New" pitchFamily="49" charset="0"/>
+              </a:rPr>
+              <a:t>)</a:t>
+            </a:r>
+          </a:p>
+          <a:p>
+            <a:pPr lvl="1">
+              <a:buNone/>
+            </a:pPr>
+            <a:endParaRPr lang="en-US" dirty="0" smtClean="0">
+              <a:latin typeface="Courier New" pitchFamily="49" charset="0"/>
+              <a:cs typeface="Courier New" pitchFamily="49" charset="0"/>
+            </a:endParaRPr>
+          </a:p>
+          <a:p>
+            <a:pPr>
+              <a:buNone/>
+            </a:pPr>
+            <a:r>
+              <a:rPr lang="en-US" i="1" dirty="0" err="1" smtClean="0"/>
+              <a:t>Comme</a:t>
+            </a:r>
+            <a:r>
+              <a:rPr lang="en-US" i="1" dirty="0" smtClean="0"/>
+              <a:t> avec les tableaux, </a:t>
+            </a:r>
+            <a:r>
+              <a:rPr lang="en-US" i="1" dirty="0" err="1" smtClean="0"/>
+              <a:t>prendre</a:t>
+            </a:r>
+            <a:r>
+              <a:rPr lang="en-US" i="1" dirty="0" smtClean="0"/>
+              <a:t> </a:t>
+            </a:r>
+            <a:r>
+              <a:rPr lang="en-US" i="1" dirty="0" err="1" smtClean="0"/>
+              <a:t>l’adresse</a:t>
+            </a:r>
+            <a:r>
+              <a:rPr lang="en-US" i="1" dirty="0" smtClean="0"/>
+              <a:t> d’un </a:t>
+            </a:r>
+            <a:r>
+              <a:rPr lang="en-US" i="1" dirty="0" err="1" smtClean="0"/>
+              <a:t>litéral</a:t>
+            </a:r>
+            <a:r>
+              <a:rPr lang="en-US" i="1" dirty="0" smtClean="0"/>
+              <a:t> </a:t>
+            </a:r>
+            <a:r>
+              <a:rPr lang="en-US" i="1" dirty="0" err="1" smtClean="0"/>
+              <a:t>struct</a:t>
+            </a:r>
+            <a:r>
+              <a:rPr lang="en-US" i="1" dirty="0" smtClean="0"/>
+              <a:t> </a:t>
+            </a:r>
+            <a:r>
+              <a:rPr lang="en-US" i="1" dirty="0" err="1" smtClean="0"/>
+              <a:t>donne</a:t>
+            </a:r>
+            <a:r>
+              <a:rPr lang="en-US" i="1" dirty="0" smtClean="0"/>
+              <a:t> </a:t>
+            </a:r>
+            <a:r>
+              <a:rPr lang="en-US" i="1" dirty="0" err="1" smtClean="0"/>
+              <a:t>l’adresse</a:t>
+            </a:r>
+            <a:r>
+              <a:rPr lang="en-US" i="1" dirty="0" smtClean="0"/>
+              <a:t> </a:t>
+            </a:r>
+            <a:r>
+              <a:rPr lang="en-US" i="1" dirty="0" err="1" smtClean="0"/>
+              <a:t>d’une</a:t>
+            </a:r>
+            <a:r>
+              <a:rPr lang="en-US" i="1" dirty="0" smtClean="0"/>
+              <a:t> </a:t>
+            </a:r>
+          </a:p>
+          <a:p>
+            <a:pPr>
+              <a:buNone/>
+            </a:pPr>
+            <a:r>
+              <a:rPr lang="en-US" i="1" dirty="0" err="1" smtClean="0"/>
+              <a:t>valeur</a:t>
+            </a:r>
+            <a:r>
+              <a:rPr lang="en-US" i="1" dirty="0" smtClean="0"/>
+              <a:t> </a:t>
+            </a:r>
+            <a:r>
+              <a:rPr lang="en-US" i="1" dirty="0" err="1" smtClean="0"/>
+              <a:t>nouvellement</a:t>
+            </a:r>
+            <a:r>
+              <a:rPr lang="en-US" i="1" dirty="0" smtClean="0"/>
+              <a:t> </a:t>
+            </a:r>
+            <a:r>
+              <a:rPr lang="en-US" i="1" dirty="0" err="1" smtClean="0"/>
+              <a:t>créée</a:t>
+            </a:r>
+            <a:r>
+              <a:rPr lang="en-US" i="1" dirty="0" smtClean="0"/>
+              <a:t>. </a:t>
+            </a:r>
+          </a:p>
+          <a:p>
+            <a:pPr>
+              <a:buNone/>
+            </a:pPr>
+            <a:endParaRPr lang="en-US" i="1" dirty="0" smtClean="0"/>
+          </a:p>
+          <a:p>
+            <a:pPr>
+              <a:buNone/>
+            </a:pPr>
+            <a:r>
+              <a:rPr lang="fr-FR" i="1" dirty="0" smtClean="0"/>
+              <a:t>Ces exemples sont des constructeurs.</a:t>
+            </a:r>
+            <a:endParaRPr lang="fr-FR" dirty="0"/>
+          </a:p>
+        </p:txBody>
+      </p:sp>
+    </p:spTree>
+  </p:cSld>
+  <p:clrMapOvr>
+    <a:masterClrMapping/>
+  </p:clrMapOvr>
+</p:sld>
+</file>
+
+<file path=ppt/slides/slide29.xml><?xml version="1.0" encoding="utf-8"?>
+<p:sld xmlns:a="http://schemas.openxmlformats.org/drawingml/2006/main" xmlns:r="http://schemas.openxmlformats.org/officeDocument/2006/relationships" xmlns:p="http://schemas.openxmlformats.org/presentationml/2006/main">
+  <p:cSld>
+    <p:spTree>
+      <p:nvGrpSpPr>
+        <p:cNvPr id="1" name=""/>
+        <p:cNvGrpSpPr/>
+        <p:nvPr/>
+      </p:nvGrpSpPr>
+      <p:grpSpPr>
+        <a:xfrm>
+          <a:off x="0" y="0"/>
+          <a:ext cx="0" cy="0"/>
+          <a:chOff x="0" y="0"/>
+          <a:chExt cx="0" cy="0"/>
+        </a:xfrm>
+      </p:grpSpPr>
+      <p:sp>
+        <p:nvSpPr>
+          <p:cNvPr id="2" name="Titre 1"/>
+          <p:cNvSpPr>
+            <a:spLocks noGrp="1"/>
+          </p:cNvSpPr>
+          <p:nvPr>
+            <p:ph type="title"/>
+          </p:nvPr>
+        </p:nvSpPr>
+        <p:spPr/>
+        <p:txBody>
+          <a:bodyPr/>
+          <a:lstStyle/>
+          <a:p>
+            <a:r>
+              <a:rPr lang="fr-FR" dirty="0" smtClean="0"/>
+              <a:t>Exportation des types et champs</a:t>
+            </a:r>
+            <a:endParaRPr lang="fr-FR" dirty="0"/>
+          </a:p>
+        </p:txBody>
+      </p:sp>
+      <p:sp>
+        <p:nvSpPr>
+          <p:cNvPr id="3" name="Espace réservé du contenu 2"/>
+          <p:cNvSpPr>
+            <a:spLocks noGrp="1"/>
+          </p:cNvSpPr>
+          <p:nvPr>
+            <p:ph idx="1"/>
+          </p:nvPr>
+        </p:nvSpPr>
+        <p:spPr/>
+        <p:txBody>
+          <a:bodyPr>
+            <a:normAutofit fontScale="55000" lnSpcReduction="20000"/>
+          </a:bodyPr>
+          <a:lstStyle/>
+          <a:p>
+            <a:pPr>
+              <a:buNone/>
+            </a:pPr>
+            <a:r>
+              <a:rPr lang="en-US" i="1" dirty="0" smtClean="0"/>
+              <a:t>Les champs (et </a:t>
+            </a:r>
+            <a:r>
+              <a:rPr lang="en-US" i="1" dirty="0" err="1" smtClean="0"/>
+              <a:t>méthodes</a:t>
+            </a:r>
+            <a:r>
+              <a:rPr lang="en-US" i="1" dirty="0" smtClean="0"/>
+              <a:t> à </a:t>
+            </a:r>
+            <a:r>
+              <a:rPr lang="en-US" i="1" dirty="0" err="1" smtClean="0"/>
+              <a:t>venir</a:t>
+            </a:r>
+            <a:r>
+              <a:rPr lang="en-US" i="1" dirty="0" smtClean="0"/>
+              <a:t>) </a:t>
+            </a:r>
+            <a:r>
+              <a:rPr lang="en-US" i="1" dirty="0" err="1" smtClean="0"/>
+              <a:t>d’une</a:t>
+            </a:r>
+            <a:r>
+              <a:rPr lang="en-US" i="1" dirty="0" smtClean="0"/>
+              <a:t> structure </a:t>
+            </a:r>
+            <a:r>
+              <a:rPr lang="en-US" i="1" dirty="0" err="1" smtClean="0"/>
+              <a:t>doivent</a:t>
+            </a:r>
+            <a:r>
+              <a:rPr lang="en-US" i="1" dirty="0" smtClean="0"/>
+              <a:t> commencer </a:t>
+            </a:r>
+          </a:p>
+          <a:p>
+            <a:pPr>
+              <a:buNone/>
+            </a:pPr>
+            <a:r>
+              <a:rPr lang="en-US" i="1" dirty="0" smtClean="0"/>
+              <a:t>avec </a:t>
+            </a:r>
+            <a:r>
+              <a:rPr lang="en-US" i="1" dirty="0" err="1" smtClean="0"/>
+              <a:t>une</a:t>
+            </a:r>
+            <a:r>
+              <a:rPr lang="en-US" i="1" dirty="0" smtClean="0"/>
+              <a:t> majuscule pour </a:t>
+            </a:r>
+            <a:r>
+              <a:rPr lang="en-US" i="1" dirty="0" err="1" smtClean="0"/>
+              <a:t>être</a:t>
+            </a:r>
+            <a:r>
+              <a:rPr lang="en-US" i="1" dirty="0" smtClean="0"/>
+              <a:t> visible à </a:t>
+            </a:r>
+            <a:r>
+              <a:rPr lang="en-US" i="1" dirty="0" err="1" smtClean="0"/>
+              <a:t>l’extérieur</a:t>
+            </a:r>
+            <a:r>
+              <a:rPr lang="en-US" i="1" dirty="0" smtClean="0"/>
+              <a:t> du package</a:t>
+            </a:r>
+            <a:r>
+              <a:rPr lang="fr-FR" i="1" dirty="0" smtClean="0"/>
+              <a:t>.</a:t>
+            </a:r>
+          </a:p>
+          <a:p>
+            <a:pPr>
+              <a:buNone/>
+            </a:pPr>
+            <a:endParaRPr lang="fr-FR" i="1" dirty="0" smtClean="0"/>
+          </a:p>
+          <a:p>
+            <a:pPr>
+              <a:buNone/>
+            </a:pPr>
+            <a:r>
+              <a:rPr lang="fr-FR" i="1" dirty="0" smtClean="0"/>
+              <a:t>Type et champs privés :</a:t>
+            </a:r>
+            <a:endParaRPr lang="fr-FR" i="1" dirty="0" smtClean="0"/>
+          </a:p>
+          <a:p>
+            <a:pPr>
+              <a:buNone/>
+            </a:pPr>
+            <a:r>
+              <a:rPr lang="fr-FR" dirty="0" smtClean="0"/>
+              <a:t>	</a:t>
+            </a:r>
+            <a:r>
+              <a:rPr lang="fr-FR" dirty="0" smtClean="0">
+                <a:latin typeface="Courier New" pitchFamily="49" charset="0"/>
+                <a:cs typeface="Courier New" pitchFamily="49" charset="0"/>
+              </a:rPr>
+              <a:t>type </a:t>
+            </a:r>
+            <a:r>
+              <a:rPr lang="fr-FR" dirty="0" smtClean="0">
+                <a:latin typeface="Courier New" pitchFamily="49" charset="0"/>
+                <a:cs typeface="Courier New" pitchFamily="49" charset="0"/>
+              </a:rPr>
+              <a:t>point </a:t>
+            </a:r>
+            <a:r>
+              <a:rPr lang="fr-FR" dirty="0" err="1" smtClean="0">
+                <a:latin typeface="Courier New" pitchFamily="49" charset="0"/>
+                <a:cs typeface="Courier New" pitchFamily="49" charset="0"/>
+              </a:rPr>
+              <a:t>struct</a:t>
+            </a:r>
+            <a:r>
+              <a:rPr lang="fr-FR" dirty="0" smtClean="0">
+                <a:latin typeface="Courier New" pitchFamily="49" charset="0"/>
+                <a:cs typeface="Courier New" pitchFamily="49" charset="0"/>
+              </a:rPr>
+              <a:t> { x, y float64 }</a:t>
+            </a:r>
+          </a:p>
+          <a:p>
+            <a:pPr>
+              <a:buNone/>
+            </a:pPr>
+            <a:r>
+              <a:rPr lang="fr-FR" i="1" dirty="0" err="1" smtClean="0"/>
+              <a:t>Typeet</a:t>
+            </a:r>
+            <a:r>
+              <a:rPr lang="fr-FR" i="1" dirty="0" smtClean="0"/>
+              <a:t> champs exportés :</a:t>
+            </a:r>
+            <a:endParaRPr lang="fr-FR" i="1" dirty="0" smtClean="0"/>
+          </a:p>
+          <a:p>
+            <a:pPr>
+              <a:buNone/>
+            </a:pPr>
+            <a:r>
+              <a:rPr lang="fr-FR" dirty="0" smtClean="0"/>
+              <a:t>	</a:t>
+            </a:r>
+            <a:r>
+              <a:rPr lang="fr-FR" dirty="0" smtClean="0">
+                <a:latin typeface="Courier New" pitchFamily="49" charset="0"/>
+                <a:cs typeface="Courier New" pitchFamily="49" charset="0"/>
+              </a:rPr>
+              <a:t>type </a:t>
+            </a:r>
+            <a:r>
+              <a:rPr lang="fr-FR" b="1" dirty="0" smtClean="0">
+                <a:latin typeface="Courier New" pitchFamily="49" charset="0"/>
+                <a:cs typeface="Courier New" pitchFamily="49" charset="0"/>
+              </a:rPr>
+              <a:t>P</a:t>
+            </a:r>
+            <a:r>
+              <a:rPr lang="fr-FR" dirty="0" smtClean="0">
+                <a:latin typeface="Courier New" pitchFamily="49" charset="0"/>
+                <a:cs typeface="Courier New" pitchFamily="49" charset="0"/>
+              </a:rPr>
+              <a:t>oint </a:t>
+            </a:r>
+            <a:r>
+              <a:rPr lang="fr-FR" dirty="0" err="1" smtClean="0">
+                <a:latin typeface="Courier New" pitchFamily="49" charset="0"/>
+                <a:cs typeface="Courier New" pitchFamily="49" charset="0"/>
+              </a:rPr>
+              <a:t>struct</a:t>
+            </a:r>
+            <a:r>
+              <a:rPr lang="fr-FR" dirty="0" smtClean="0">
+                <a:latin typeface="Courier New" pitchFamily="49" charset="0"/>
+                <a:cs typeface="Courier New" pitchFamily="49" charset="0"/>
+              </a:rPr>
+              <a:t> { </a:t>
+            </a:r>
+            <a:r>
+              <a:rPr lang="fr-FR" b="1" dirty="0" smtClean="0">
+                <a:latin typeface="Courier New" pitchFamily="49" charset="0"/>
+                <a:cs typeface="Courier New" pitchFamily="49" charset="0"/>
+              </a:rPr>
+              <a:t>X, Y</a:t>
+            </a:r>
+            <a:r>
+              <a:rPr lang="fr-FR" dirty="0" smtClean="0">
+                <a:latin typeface="Courier New" pitchFamily="49" charset="0"/>
+                <a:cs typeface="Courier New" pitchFamily="49" charset="0"/>
+              </a:rPr>
+              <a:t> float64 }</a:t>
+            </a:r>
+          </a:p>
+          <a:p>
+            <a:pPr>
+              <a:buNone/>
+            </a:pPr>
+            <a:r>
+              <a:rPr lang="en-US" i="1" dirty="0" smtClean="0"/>
+              <a:t>Type </a:t>
+            </a:r>
+            <a:r>
+              <a:rPr lang="en-US" i="1" dirty="0" err="1" smtClean="0"/>
+              <a:t>exporté</a:t>
+            </a:r>
+            <a:r>
+              <a:rPr lang="en-US" i="1" dirty="0" smtClean="0"/>
+              <a:t> avec un mix des champs:</a:t>
+            </a:r>
+            <a:endParaRPr lang="en-US" i="1" dirty="0" smtClean="0"/>
+          </a:p>
+          <a:p>
+            <a:pPr>
+              <a:buNone/>
+            </a:pPr>
+            <a:r>
+              <a:rPr lang="fr-FR" dirty="0" smtClean="0"/>
+              <a:t>	</a:t>
+            </a:r>
+            <a:r>
+              <a:rPr lang="fr-FR" dirty="0" smtClean="0">
+                <a:latin typeface="Courier New" pitchFamily="49" charset="0"/>
+                <a:cs typeface="Courier New" pitchFamily="49" charset="0"/>
+              </a:rPr>
+              <a:t>type </a:t>
+            </a:r>
+            <a:r>
+              <a:rPr lang="fr-FR" b="1" dirty="0" smtClean="0">
+                <a:latin typeface="Courier New" pitchFamily="49" charset="0"/>
+                <a:cs typeface="Courier New" pitchFamily="49" charset="0"/>
+              </a:rPr>
+              <a:t>P</a:t>
+            </a:r>
+            <a:r>
+              <a:rPr lang="fr-FR" dirty="0" smtClean="0">
+                <a:latin typeface="Courier New" pitchFamily="49" charset="0"/>
+                <a:cs typeface="Courier New" pitchFamily="49" charset="0"/>
+              </a:rPr>
+              <a:t>oint </a:t>
+            </a:r>
+            <a:r>
+              <a:rPr lang="fr-FR" dirty="0" err="1" smtClean="0">
+                <a:latin typeface="Courier New" pitchFamily="49" charset="0"/>
+                <a:cs typeface="Courier New" pitchFamily="49" charset="0"/>
+              </a:rPr>
+              <a:t>struct</a:t>
+            </a:r>
+            <a:r>
+              <a:rPr lang="fr-FR" dirty="0" smtClean="0">
+                <a:latin typeface="Courier New" pitchFamily="49" charset="0"/>
+                <a:cs typeface="Courier New" pitchFamily="49" charset="0"/>
+              </a:rPr>
+              <a:t> {</a:t>
+            </a:r>
+          </a:p>
+          <a:p>
+            <a:pPr>
+              <a:buNone/>
+            </a:pPr>
+            <a:r>
+              <a:rPr lang="fr-FR" dirty="0" smtClean="0">
+                <a:latin typeface="Courier New" pitchFamily="49" charset="0"/>
+                <a:cs typeface="Courier New" pitchFamily="49" charset="0"/>
+              </a:rPr>
+              <a:t>		</a:t>
+            </a:r>
+            <a:r>
+              <a:rPr lang="fr-FR" b="1" dirty="0" smtClean="0">
+                <a:latin typeface="Courier New" pitchFamily="49" charset="0"/>
+                <a:cs typeface="Courier New" pitchFamily="49" charset="0"/>
+              </a:rPr>
+              <a:t>X</a:t>
+            </a:r>
+            <a:r>
+              <a:rPr lang="fr-FR" b="1" dirty="0" smtClean="0">
+                <a:latin typeface="Courier New" pitchFamily="49" charset="0"/>
+                <a:cs typeface="Courier New" pitchFamily="49" charset="0"/>
+              </a:rPr>
+              <a:t>, Y </a:t>
+            </a:r>
+            <a:r>
+              <a:rPr lang="fr-FR" dirty="0" smtClean="0">
+                <a:latin typeface="Courier New" pitchFamily="49" charset="0"/>
+                <a:cs typeface="Courier New" pitchFamily="49" charset="0"/>
+              </a:rPr>
+              <a:t>float64 </a:t>
+            </a:r>
+            <a:r>
+              <a:rPr lang="fr-FR" dirty="0" smtClean="0">
+                <a:latin typeface="Courier New" pitchFamily="49" charset="0"/>
+                <a:cs typeface="Courier New" pitchFamily="49" charset="0"/>
+              </a:rPr>
+              <a:t>	// exporté</a:t>
+            </a:r>
+            <a:endParaRPr lang="fr-FR" dirty="0" smtClean="0">
+              <a:latin typeface="Courier New" pitchFamily="49" charset="0"/>
+              <a:cs typeface="Courier New" pitchFamily="49" charset="0"/>
+            </a:endParaRPr>
+          </a:p>
+          <a:p>
+            <a:pPr>
+              <a:buNone/>
+            </a:pPr>
+            <a:r>
+              <a:rPr lang="fr-FR" dirty="0" smtClean="0">
+                <a:latin typeface="Courier New" pitchFamily="49" charset="0"/>
+                <a:cs typeface="Courier New" pitchFamily="49" charset="0"/>
+              </a:rPr>
+              <a:t>		</a:t>
+            </a:r>
+            <a:r>
+              <a:rPr lang="fr-FR" dirty="0" err="1" smtClean="0">
+                <a:latin typeface="Courier New" pitchFamily="49" charset="0"/>
+                <a:cs typeface="Courier New" pitchFamily="49" charset="0"/>
+              </a:rPr>
+              <a:t>name</a:t>
+            </a:r>
+            <a:r>
+              <a:rPr lang="fr-FR" dirty="0" smtClean="0">
+                <a:latin typeface="Courier New" pitchFamily="49" charset="0"/>
+                <a:cs typeface="Courier New" pitchFamily="49" charset="0"/>
+              </a:rPr>
+              <a:t> </a:t>
+            </a:r>
+            <a:r>
+              <a:rPr lang="fr-FR" dirty="0" smtClean="0">
+                <a:latin typeface="Courier New" pitchFamily="49" charset="0"/>
+                <a:cs typeface="Courier New" pitchFamily="49" charset="0"/>
+              </a:rPr>
+              <a:t>string </a:t>
+            </a:r>
+            <a:r>
+              <a:rPr lang="fr-FR" dirty="0" smtClean="0">
+                <a:latin typeface="Courier New" pitchFamily="49" charset="0"/>
+                <a:cs typeface="Courier New" pitchFamily="49" charset="0"/>
+              </a:rPr>
+              <a:t>	// pas exporté</a:t>
+            </a:r>
+            <a:endParaRPr lang="fr-FR" dirty="0" smtClean="0">
+              <a:latin typeface="Courier New" pitchFamily="49" charset="0"/>
+              <a:cs typeface="Courier New" pitchFamily="49" charset="0"/>
+            </a:endParaRPr>
+          </a:p>
+          <a:p>
+            <a:pPr>
+              <a:buNone/>
+            </a:pPr>
+            <a:r>
+              <a:rPr lang="fr-FR" dirty="0" smtClean="0">
+                <a:latin typeface="Courier New" pitchFamily="49" charset="0"/>
+                <a:cs typeface="Courier New" pitchFamily="49" charset="0"/>
+              </a:rPr>
+              <a:t>	}</a:t>
+            </a:r>
+          </a:p>
+          <a:p>
+            <a:pPr>
+              <a:buNone/>
+            </a:pPr>
+            <a:endParaRPr lang="fr-FR" dirty="0" smtClean="0"/>
+          </a:p>
+          <a:p>
+            <a:pPr>
+              <a:buNone/>
+            </a:pPr>
+            <a:r>
+              <a:rPr lang="en-US" i="1" dirty="0" err="1" smtClean="0"/>
+              <a:t>Vous</a:t>
+            </a:r>
+            <a:r>
+              <a:rPr lang="en-US" i="1" dirty="0" smtClean="0"/>
+              <a:t> </a:t>
+            </a:r>
+            <a:r>
+              <a:rPr lang="en-US" i="1" dirty="0" err="1" smtClean="0"/>
+              <a:t>pouvez</a:t>
+            </a:r>
+            <a:r>
+              <a:rPr lang="en-US" i="1" dirty="0" smtClean="0"/>
+              <a:t> </a:t>
+            </a:r>
+            <a:r>
+              <a:rPr lang="en-US" i="1" dirty="0" err="1" smtClean="0"/>
+              <a:t>même</a:t>
+            </a:r>
+            <a:r>
+              <a:rPr lang="en-US" i="1" dirty="0" smtClean="0"/>
+              <a:t> </a:t>
+            </a:r>
+            <a:r>
+              <a:rPr lang="en-US" i="1" dirty="0" err="1" smtClean="0"/>
+              <a:t>avoir</a:t>
+            </a:r>
+            <a:r>
+              <a:rPr lang="en-US" i="1" dirty="0" smtClean="0"/>
+              <a:t> un type </a:t>
+            </a:r>
+            <a:r>
+              <a:rPr lang="en-US" i="1" dirty="0" err="1" smtClean="0"/>
+              <a:t>privé</a:t>
+            </a:r>
+            <a:r>
+              <a:rPr lang="en-US" i="1" dirty="0" smtClean="0"/>
+              <a:t> avec des champs </a:t>
+            </a:r>
+            <a:r>
+              <a:rPr lang="en-US" i="1" dirty="0" err="1" smtClean="0"/>
+              <a:t>exportés</a:t>
+            </a:r>
+            <a:r>
+              <a:rPr lang="en-US" i="1" dirty="0" smtClean="0"/>
+              <a:t>. </a:t>
+            </a:r>
+          </a:p>
+          <a:p>
+            <a:pPr>
+              <a:buNone/>
+            </a:pPr>
+            <a:r>
+              <a:rPr lang="en-US" i="1" dirty="0" err="1" smtClean="0"/>
+              <a:t>Exercice</a:t>
+            </a:r>
+            <a:r>
+              <a:rPr lang="en-US" i="1" dirty="0" smtClean="0"/>
+              <a:t> : </a:t>
+            </a:r>
+            <a:r>
+              <a:rPr lang="en-US" i="1" dirty="0" err="1" smtClean="0"/>
+              <a:t>quand</a:t>
+            </a:r>
+            <a:r>
+              <a:rPr lang="en-US" i="1" dirty="0" smtClean="0"/>
+              <a:t> </a:t>
+            </a:r>
+            <a:r>
+              <a:rPr lang="en-US" i="1" dirty="0" err="1" smtClean="0"/>
+              <a:t>est-ce</a:t>
+            </a:r>
+            <a:r>
+              <a:rPr lang="en-US" i="1" dirty="0" smtClean="0"/>
+              <a:t> utile? </a:t>
+            </a:r>
+            <a:endParaRPr lang="fr-FR" dirty="0"/>
           </a:p>
         </p:txBody>
       </p:sp>
@@ -10870,6 +12579,4338 @@
 </p:sld>
 </file>
 
+<file path=ppt/slides/slide30.xml><?xml version="1.0" encoding="utf-8"?>
+<p:sld xmlns:a="http://schemas.openxmlformats.org/drawingml/2006/main" xmlns:r="http://schemas.openxmlformats.org/officeDocument/2006/relationships" xmlns:p="http://schemas.openxmlformats.org/presentationml/2006/main">
+  <p:cSld>
+    <p:spTree>
+      <p:nvGrpSpPr>
+        <p:cNvPr id="1" name=""/>
+        <p:cNvGrpSpPr/>
+        <p:nvPr/>
+      </p:nvGrpSpPr>
+      <p:grpSpPr>
+        <a:xfrm>
+          <a:off x="0" y="0"/>
+          <a:ext cx="0" cy="0"/>
+          <a:chOff x="0" y="0"/>
+          <a:chExt cx="0" cy="0"/>
+        </a:xfrm>
+      </p:grpSpPr>
+      <p:sp>
+        <p:nvSpPr>
+          <p:cNvPr id="2" name="Titre 1"/>
+          <p:cNvSpPr>
+            <a:spLocks noGrp="1"/>
+          </p:cNvSpPr>
+          <p:nvPr>
+            <p:ph type="title"/>
+          </p:nvPr>
+        </p:nvSpPr>
+        <p:spPr/>
+        <p:txBody>
+          <a:bodyPr/>
+          <a:lstStyle/>
+          <a:p>
+            <a:r>
+              <a:rPr lang="fr-FR" dirty="0" smtClean="0"/>
+              <a:t>Champs anonymes</a:t>
+            </a:r>
+            <a:endParaRPr lang="fr-FR" dirty="0"/>
+          </a:p>
+        </p:txBody>
+      </p:sp>
+      <p:sp>
+        <p:nvSpPr>
+          <p:cNvPr id="3" name="Espace réservé du contenu 2"/>
+          <p:cNvSpPr>
+            <a:spLocks noGrp="1"/>
+          </p:cNvSpPr>
+          <p:nvPr>
+            <p:ph idx="1"/>
+          </p:nvPr>
+        </p:nvSpPr>
+        <p:spPr/>
+        <p:txBody>
+          <a:bodyPr>
+            <a:normAutofit fontScale="70000" lnSpcReduction="20000"/>
+          </a:bodyPr>
+          <a:lstStyle/>
+          <a:p>
+            <a:pPr>
+              <a:buNone/>
+            </a:pPr>
+            <a:r>
+              <a:rPr lang="en-US" i="1" dirty="0" smtClean="0"/>
+              <a:t>A </a:t>
+            </a:r>
+            <a:r>
+              <a:rPr lang="en-US" i="1" dirty="0" err="1" smtClean="0"/>
+              <a:t>l’intérieur</a:t>
+            </a:r>
+            <a:r>
+              <a:rPr lang="en-US" i="1" dirty="0" smtClean="0"/>
+              <a:t> </a:t>
+            </a:r>
+            <a:r>
+              <a:rPr lang="en-US" i="1" dirty="0" err="1" smtClean="0"/>
+              <a:t>d’une</a:t>
+            </a:r>
+            <a:r>
+              <a:rPr lang="en-US" i="1" dirty="0" smtClean="0"/>
+              <a:t> structure, </a:t>
+            </a:r>
+            <a:r>
+              <a:rPr lang="en-US" i="1" dirty="0" err="1" smtClean="0"/>
+              <a:t>vous</a:t>
+            </a:r>
+            <a:r>
+              <a:rPr lang="en-US" i="1" dirty="0" smtClean="0"/>
+              <a:t> </a:t>
+            </a:r>
+            <a:r>
+              <a:rPr lang="en-US" i="1" dirty="0" err="1" smtClean="0"/>
+              <a:t>pouvez</a:t>
+            </a:r>
+            <a:r>
+              <a:rPr lang="en-US" i="1" dirty="0" smtClean="0"/>
+              <a:t> </a:t>
+            </a:r>
+            <a:r>
+              <a:rPr lang="en-US" i="1" dirty="0" err="1" smtClean="0"/>
+              <a:t>déclarer</a:t>
+            </a:r>
+            <a:r>
+              <a:rPr lang="en-US" i="1" dirty="0" smtClean="0"/>
+              <a:t> </a:t>
+            </a:r>
+          </a:p>
+          <a:p>
+            <a:pPr>
+              <a:buNone/>
+            </a:pPr>
+            <a:r>
+              <a:rPr lang="en-US" i="1" dirty="0" smtClean="0"/>
+              <a:t>des champs, </a:t>
+            </a:r>
+            <a:r>
+              <a:rPr lang="en-US" i="1" dirty="0" err="1" smtClean="0"/>
+              <a:t>comme</a:t>
+            </a:r>
+            <a:r>
+              <a:rPr lang="en-US" i="1" dirty="0" smtClean="0"/>
+              <a:t> </a:t>
+            </a:r>
+            <a:r>
+              <a:rPr lang="en-US" i="1" dirty="0" err="1" smtClean="0"/>
+              <a:t>une</a:t>
+            </a:r>
+            <a:r>
+              <a:rPr lang="en-US" i="1" dirty="0" smtClean="0"/>
+              <a:t> </a:t>
+            </a:r>
+            <a:r>
+              <a:rPr lang="en-US" i="1" dirty="0" err="1" smtClean="0"/>
+              <a:t>autre</a:t>
+            </a:r>
+            <a:r>
+              <a:rPr lang="en-US" i="1" dirty="0" smtClean="0"/>
+              <a:t> structure, sans </a:t>
+            </a:r>
+            <a:r>
+              <a:rPr lang="en-US" i="1" dirty="0" err="1" smtClean="0"/>
+              <a:t>leur</a:t>
+            </a:r>
+            <a:r>
+              <a:rPr lang="en-US" i="1" dirty="0" smtClean="0"/>
+              <a:t> </a:t>
+            </a:r>
+          </a:p>
+          <a:p>
+            <a:pPr>
+              <a:buNone/>
+            </a:pPr>
+            <a:r>
+              <a:rPr lang="en-US" i="1" dirty="0" err="1" smtClean="0"/>
+              <a:t>donner</a:t>
+            </a:r>
+            <a:r>
+              <a:rPr lang="en-US" i="1" dirty="0" smtClean="0"/>
+              <a:t> un nom de champ.</a:t>
+            </a:r>
+          </a:p>
+          <a:p>
+            <a:pPr>
+              <a:buNone/>
+            </a:pPr>
+            <a:endParaRPr lang="en-US" i="1" dirty="0" smtClean="0"/>
+          </a:p>
+          <a:p>
+            <a:pPr>
+              <a:buNone/>
+            </a:pPr>
+            <a:r>
+              <a:rPr lang="en-US" i="1" dirty="0" err="1" smtClean="0"/>
+              <a:t>C’est</a:t>
+            </a:r>
+            <a:r>
+              <a:rPr lang="en-US" i="1" dirty="0" smtClean="0"/>
+              <a:t> </a:t>
+            </a:r>
+            <a:r>
+              <a:rPr lang="en-US" i="1" dirty="0" err="1" smtClean="0"/>
+              <a:t>ce</a:t>
+            </a:r>
+            <a:r>
+              <a:rPr lang="en-US" i="1" dirty="0" smtClean="0"/>
+              <a:t> </a:t>
+            </a:r>
+            <a:r>
+              <a:rPr lang="en-US" i="1" dirty="0" err="1" smtClean="0"/>
+              <a:t>que</a:t>
+            </a:r>
+            <a:r>
+              <a:rPr lang="en-US" i="1" dirty="0" smtClean="0"/>
+              <a:t> </a:t>
+            </a:r>
+            <a:r>
+              <a:rPr lang="en-US" i="1" dirty="0" err="1" smtClean="0"/>
+              <a:t>l’on</a:t>
+            </a:r>
+            <a:r>
+              <a:rPr lang="en-US" i="1" dirty="0" smtClean="0"/>
+              <a:t> </a:t>
+            </a:r>
+            <a:r>
+              <a:rPr lang="en-US" i="1" dirty="0" err="1" smtClean="0"/>
+              <a:t>appelle</a:t>
+            </a:r>
+            <a:r>
+              <a:rPr lang="en-US" i="1" dirty="0" smtClean="0"/>
+              <a:t> des champs </a:t>
+            </a:r>
+            <a:r>
+              <a:rPr lang="en-US" i="1" dirty="0" err="1" smtClean="0"/>
+              <a:t>anonymes</a:t>
+            </a:r>
+            <a:r>
+              <a:rPr lang="en-US" i="1" dirty="0" smtClean="0"/>
+              <a:t> et </a:t>
+            </a:r>
+            <a:r>
+              <a:rPr lang="en-US" i="1" dirty="0" err="1" smtClean="0"/>
+              <a:t>ils</a:t>
+            </a:r>
+            <a:endParaRPr lang="en-US" i="1" dirty="0" smtClean="0"/>
+          </a:p>
+          <a:p>
+            <a:pPr>
+              <a:buNone/>
+            </a:pPr>
+            <a:r>
+              <a:rPr lang="en-US" i="1" dirty="0" smtClean="0"/>
+              <a:t> se </a:t>
+            </a:r>
+            <a:r>
+              <a:rPr lang="en-US" i="1" dirty="0" err="1" smtClean="0"/>
+              <a:t>comportent</a:t>
+            </a:r>
+            <a:r>
+              <a:rPr lang="en-US" i="1" dirty="0" smtClean="0"/>
+              <a:t> </a:t>
+            </a:r>
+            <a:r>
+              <a:rPr lang="en-US" i="1" dirty="0" err="1" smtClean="0"/>
+              <a:t>comme</a:t>
+            </a:r>
+            <a:r>
+              <a:rPr lang="en-US" i="1" dirty="0" smtClean="0"/>
+              <a:t> </a:t>
+            </a:r>
+            <a:r>
+              <a:rPr lang="en-US" i="1" dirty="0" err="1" smtClean="0"/>
+              <a:t>si</a:t>
+            </a:r>
+            <a:r>
+              <a:rPr lang="en-US" i="1" dirty="0" smtClean="0"/>
+              <a:t> les </a:t>
+            </a:r>
+            <a:r>
+              <a:rPr lang="en-US" i="1" dirty="0" err="1" smtClean="0"/>
+              <a:t>stcuture</a:t>
+            </a:r>
+            <a:r>
+              <a:rPr lang="en-US" i="1" dirty="0" smtClean="0"/>
+              <a:t> interne </a:t>
+            </a:r>
+            <a:r>
+              <a:rPr lang="en-US" i="1" dirty="0" err="1" smtClean="0"/>
+              <a:t>était</a:t>
+            </a:r>
+            <a:r>
+              <a:rPr lang="en-US" i="1" dirty="0" smtClean="0"/>
+              <a:t> </a:t>
+            </a:r>
+          </a:p>
+          <a:p>
+            <a:pPr>
+              <a:buNone/>
+            </a:pPr>
+            <a:r>
+              <a:rPr lang="en-US" i="1" dirty="0" err="1" smtClean="0"/>
+              <a:t>simplement</a:t>
+            </a:r>
+            <a:r>
+              <a:rPr lang="en-US" i="1" dirty="0" smtClean="0"/>
+              <a:t> </a:t>
+            </a:r>
+            <a:r>
+              <a:rPr lang="en-US" i="1" dirty="0" err="1" smtClean="0"/>
+              <a:t>insérée</a:t>
+            </a:r>
+            <a:r>
+              <a:rPr lang="en-US" i="1" dirty="0" smtClean="0"/>
+              <a:t> </a:t>
+            </a:r>
+            <a:r>
+              <a:rPr lang="en-US" i="1" dirty="0" err="1" smtClean="0"/>
+              <a:t>ou</a:t>
+            </a:r>
+            <a:r>
+              <a:rPr lang="en-US" i="1" dirty="0" smtClean="0"/>
+              <a:t> “</a:t>
+            </a:r>
+            <a:r>
+              <a:rPr lang="en-US" i="1" dirty="0" err="1" smtClean="0"/>
+              <a:t>embarquée</a:t>
+            </a:r>
+            <a:r>
+              <a:rPr lang="en-US" i="1" dirty="0" smtClean="0"/>
+              <a:t>”  à </a:t>
+            </a:r>
+            <a:r>
+              <a:rPr lang="en-US" i="1" dirty="0" err="1" smtClean="0"/>
+              <a:t>l’extérieur</a:t>
+            </a:r>
+            <a:r>
+              <a:rPr lang="fr-FR" i="1" dirty="0" smtClean="0"/>
+              <a:t>.</a:t>
+            </a:r>
+          </a:p>
+          <a:p>
+            <a:pPr>
+              <a:buNone/>
+            </a:pPr>
+            <a:endParaRPr lang="fr-FR" i="1" dirty="0" smtClean="0"/>
+          </a:p>
+          <a:p>
+            <a:pPr>
+              <a:buNone/>
+            </a:pPr>
+            <a:r>
+              <a:rPr lang="en-US" i="1" dirty="0" err="1" smtClean="0"/>
+              <a:t>Ce</a:t>
+            </a:r>
+            <a:r>
+              <a:rPr lang="en-US" i="1" dirty="0" smtClean="0"/>
+              <a:t> </a:t>
+            </a:r>
+            <a:r>
+              <a:rPr lang="en-US" i="1" dirty="0" err="1" smtClean="0"/>
+              <a:t>mécanisme</a:t>
+            </a:r>
+            <a:r>
+              <a:rPr lang="en-US" i="1" dirty="0" smtClean="0"/>
+              <a:t> simple </a:t>
+            </a:r>
+            <a:r>
+              <a:rPr lang="en-US" i="1" dirty="0" err="1" smtClean="0"/>
+              <a:t>fournit</a:t>
+            </a:r>
+            <a:r>
+              <a:rPr lang="en-US" i="1" dirty="0" smtClean="0"/>
+              <a:t> </a:t>
+            </a:r>
+            <a:r>
+              <a:rPr lang="en-US" i="1" dirty="0" err="1" smtClean="0"/>
+              <a:t>une</a:t>
+            </a:r>
+            <a:r>
+              <a:rPr lang="en-US" i="1" dirty="0" smtClean="0"/>
+              <a:t> </a:t>
+            </a:r>
+            <a:r>
+              <a:rPr lang="en-US" i="1" dirty="0" err="1" smtClean="0"/>
+              <a:t>façon</a:t>
+            </a:r>
+            <a:r>
+              <a:rPr lang="en-US" i="1" dirty="0" smtClean="0"/>
+              <a:t> de </a:t>
+            </a:r>
+            <a:r>
+              <a:rPr lang="en-US" i="1" dirty="0" err="1" smtClean="0"/>
+              <a:t>dériver</a:t>
+            </a:r>
+            <a:r>
+              <a:rPr lang="en-US" i="1" dirty="0" smtClean="0"/>
+              <a:t> </a:t>
+            </a:r>
+          </a:p>
+          <a:p>
+            <a:pPr>
+              <a:buNone/>
+            </a:pPr>
+            <a:r>
+              <a:rPr lang="en-US" i="1" dirty="0" err="1" smtClean="0"/>
+              <a:t>quelques</a:t>
+            </a:r>
+            <a:r>
+              <a:rPr lang="en-US" i="1" dirty="0" smtClean="0"/>
+              <a:t> </a:t>
+            </a:r>
+            <a:r>
+              <a:rPr lang="en-US" i="1" dirty="0" err="1" smtClean="0"/>
+              <a:t>uns</a:t>
+            </a:r>
+            <a:r>
+              <a:rPr lang="en-US" i="1" dirty="0" smtClean="0"/>
+              <a:t> </a:t>
+            </a:r>
+            <a:r>
+              <a:rPr lang="en-US" i="1" dirty="0" err="1" smtClean="0"/>
+              <a:t>ou</a:t>
+            </a:r>
+            <a:r>
+              <a:rPr lang="en-US" i="1" dirty="0" smtClean="0"/>
+              <a:t> la </a:t>
+            </a:r>
+            <a:r>
+              <a:rPr lang="en-US" i="1" dirty="0" err="1" smtClean="0"/>
+              <a:t>totalité</a:t>
+            </a:r>
+            <a:r>
+              <a:rPr lang="en-US" i="1" dirty="0" smtClean="0"/>
+              <a:t> de </a:t>
+            </a:r>
+            <a:r>
+              <a:rPr lang="en-US" i="1" dirty="0" err="1" smtClean="0"/>
+              <a:t>votre</a:t>
+            </a:r>
+            <a:r>
+              <a:rPr lang="en-US" i="1" dirty="0" smtClean="0"/>
+              <a:t> </a:t>
+            </a:r>
+            <a:r>
+              <a:rPr lang="en-US" i="1" dirty="0" err="1" smtClean="0"/>
+              <a:t>implémentation</a:t>
+            </a:r>
+            <a:endParaRPr lang="en-US" i="1" dirty="0" smtClean="0"/>
+          </a:p>
+          <a:p>
+            <a:pPr>
+              <a:buNone/>
+            </a:pPr>
+            <a:r>
+              <a:rPr lang="en-US" i="1" dirty="0" smtClean="0"/>
+              <a:t> d’un </a:t>
+            </a:r>
+            <a:r>
+              <a:rPr lang="en-US" i="1" dirty="0" err="1" smtClean="0"/>
+              <a:t>autre</a:t>
+            </a:r>
+            <a:r>
+              <a:rPr lang="en-US" i="1" dirty="0" smtClean="0"/>
+              <a:t> type </a:t>
+            </a:r>
+            <a:r>
+              <a:rPr lang="en-US" i="1" dirty="0" err="1" smtClean="0"/>
+              <a:t>ou</a:t>
+            </a:r>
+            <a:r>
+              <a:rPr lang="en-US" i="1" dirty="0" smtClean="0"/>
+              <a:t> de types.</a:t>
+            </a:r>
+          </a:p>
+          <a:p>
+            <a:pPr>
+              <a:buNone/>
+            </a:pPr>
+            <a:endParaRPr lang="fr-FR" i="1" dirty="0" smtClean="0"/>
+          </a:p>
+          <a:p>
+            <a:pPr>
+              <a:buNone/>
+            </a:pPr>
+            <a:r>
+              <a:rPr lang="fr-FR" i="1" dirty="0" smtClean="0"/>
+              <a:t>Un exemple à suivre pour illustrer le propos. </a:t>
+            </a:r>
+            <a:endParaRPr lang="fr-FR" dirty="0"/>
+          </a:p>
+        </p:txBody>
+      </p:sp>
+    </p:spTree>
+  </p:cSld>
+  <p:clrMapOvr>
+    <a:masterClrMapping/>
+  </p:clrMapOvr>
+</p:sld>
+</file>
+
+<file path=ppt/slides/slide31.xml><?xml version="1.0" encoding="utf-8"?>
+<p:sld xmlns:a="http://schemas.openxmlformats.org/drawingml/2006/main" xmlns:r="http://schemas.openxmlformats.org/officeDocument/2006/relationships" xmlns:p="http://schemas.openxmlformats.org/presentationml/2006/main">
+  <p:cSld>
+    <p:spTree>
+      <p:nvGrpSpPr>
+        <p:cNvPr id="1" name=""/>
+        <p:cNvGrpSpPr/>
+        <p:nvPr/>
+      </p:nvGrpSpPr>
+      <p:grpSpPr>
+        <a:xfrm>
+          <a:off x="0" y="0"/>
+          <a:ext cx="0" cy="0"/>
+          <a:chOff x="0" y="0"/>
+          <a:chExt cx="0" cy="0"/>
+        </a:xfrm>
+      </p:grpSpPr>
+      <p:sp>
+        <p:nvSpPr>
+          <p:cNvPr id="2" name="Titre 1"/>
+          <p:cNvSpPr>
+            <a:spLocks noGrp="1"/>
+          </p:cNvSpPr>
+          <p:nvPr>
+            <p:ph type="title"/>
+          </p:nvPr>
+        </p:nvSpPr>
+        <p:spPr/>
+        <p:txBody>
+          <a:bodyPr/>
+          <a:lstStyle/>
+          <a:p>
+            <a:r>
+              <a:rPr lang="fr-FR" dirty="0" smtClean="0"/>
+              <a:t>Un champ </a:t>
+            </a:r>
+            <a:r>
+              <a:rPr lang="fr-FR" dirty="0" err="1" smtClean="0"/>
+              <a:t>struct</a:t>
+            </a:r>
+            <a:r>
+              <a:rPr lang="fr-FR" dirty="0" smtClean="0"/>
+              <a:t> anonyme</a:t>
+            </a:r>
+            <a:endParaRPr lang="fr-FR" dirty="0"/>
+          </a:p>
+        </p:txBody>
+      </p:sp>
+      <p:sp>
+        <p:nvSpPr>
+          <p:cNvPr id="3" name="Espace réservé du contenu 2"/>
+          <p:cNvSpPr>
+            <a:spLocks noGrp="1"/>
+          </p:cNvSpPr>
+          <p:nvPr>
+            <p:ph idx="1"/>
+          </p:nvPr>
+        </p:nvSpPr>
+        <p:spPr/>
+        <p:txBody>
+          <a:bodyPr>
+            <a:normAutofit fontScale="47500" lnSpcReduction="20000"/>
+          </a:bodyPr>
+          <a:lstStyle/>
+          <a:p>
+            <a:pPr lvl="1">
+              <a:buNone/>
+            </a:pPr>
+            <a:r>
+              <a:rPr lang="fr-FR" sz="3400" dirty="0" smtClean="0">
+                <a:latin typeface="Courier New" pitchFamily="49" charset="0"/>
+                <a:cs typeface="Courier New" pitchFamily="49" charset="0"/>
+              </a:rPr>
+              <a:t>type A </a:t>
+            </a:r>
+            <a:r>
+              <a:rPr lang="fr-FR" sz="3400" dirty="0" err="1" smtClean="0">
+                <a:latin typeface="Courier New" pitchFamily="49" charset="0"/>
+                <a:cs typeface="Courier New" pitchFamily="49" charset="0"/>
+              </a:rPr>
+              <a:t>struct</a:t>
+            </a:r>
+            <a:r>
+              <a:rPr lang="fr-FR" sz="3400" dirty="0" smtClean="0">
+                <a:latin typeface="Courier New" pitchFamily="49" charset="0"/>
+                <a:cs typeface="Courier New" pitchFamily="49" charset="0"/>
+              </a:rPr>
+              <a:t> {</a:t>
+            </a:r>
+          </a:p>
+          <a:p>
+            <a:pPr lvl="1">
+              <a:buNone/>
+            </a:pPr>
+            <a:r>
+              <a:rPr lang="fr-FR" sz="3400" dirty="0" smtClean="0">
+                <a:latin typeface="Courier New" pitchFamily="49" charset="0"/>
+                <a:cs typeface="Courier New" pitchFamily="49" charset="0"/>
+              </a:rPr>
+              <a:t>	</a:t>
+            </a:r>
+            <a:r>
+              <a:rPr lang="fr-FR" sz="3400" dirty="0" err="1" smtClean="0">
+                <a:latin typeface="Courier New" pitchFamily="49" charset="0"/>
+                <a:cs typeface="Courier New" pitchFamily="49" charset="0"/>
+              </a:rPr>
+              <a:t>ax</a:t>
+            </a:r>
+            <a:r>
+              <a:rPr lang="fr-FR" sz="3400" dirty="0" smtClean="0">
+                <a:latin typeface="Courier New" pitchFamily="49" charset="0"/>
+                <a:cs typeface="Courier New" pitchFamily="49" charset="0"/>
+              </a:rPr>
+              <a:t>, ay </a:t>
+            </a:r>
+            <a:r>
+              <a:rPr lang="fr-FR" sz="3400" dirty="0" err="1" smtClean="0">
+                <a:latin typeface="Courier New" pitchFamily="49" charset="0"/>
+                <a:cs typeface="Courier New" pitchFamily="49" charset="0"/>
+              </a:rPr>
+              <a:t>int</a:t>
+            </a:r>
+            <a:endParaRPr lang="fr-FR" sz="3400" dirty="0" smtClean="0">
+              <a:latin typeface="Courier New" pitchFamily="49" charset="0"/>
+              <a:cs typeface="Courier New" pitchFamily="49" charset="0"/>
+            </a:endParaRPr>
+          </a:p>
+          <a:p>
+            <a:pPr lvl="1">
+              <a:buNone/>
+            </a:pPr>
+            <a:r>
+              <a:rPr lang="fr-FR" sz="3400" dirty="0" smtClean="0">
+                <a:latin typeface="Courier New" pitchFamily="49" charset="0"/>
+                <a:cs typeface="Courier New" pitchFamily="49" charset="0"/>
+              </a:rPr>
+              <a:t>}</a:t>
+            </a:r>
+          </a:p>
+          <a:p>
+            <a:pPr lvl="1">
+              <a:buNone/>
+            </a:pPr>
+            <a:r>
+              <a:rPr lang="fr-FR" sz="3400" dirty="0" smtClean="0">
+                <a:latin typeface="Courier New" pitchFamily="49" charset="0"/>
+                <a:cs typeface="Courier New" pitchFamily="49" charset="0"/>
+              </a:rPr>
+              <a:t>type B </a:t>
+            </a:r>
+            <a:r>
+              <a:rPr lang="fr-FR" sz="3400" dirty="0" err="1" smtClean="0">
+                <a:latin typeface="Courier New" pitchFamily="49" charset="0"/>
+                <a:cs typeface="Courier New" pitchFamily="49" charset="0"/>
+              </a:rPr>
+              <a:t>struct</a:t>
+            </a:r>
+            <a:r>
+              <a:rPr lang="fr-FR" sz="3400" dirty="0" smtClean="0">
+                <a:latin typeface="Courier New" pitchFamily="49" charset="0"/>
+                <a:cs typeface="Courier New" pitchFamily="49" charset="0"/>
+              </a:rPr>
+              <a:t> {</a:t>
+            </a:r>
+          </a:p>
+          <a:p>
+            <a:pPr lvl="1">
+              <a:buNone/>
+            </a:pPr>
+            <a:r>
+              <a:rPr lang="fr-FR" sz="3400" dirty="0" smtClean="0">
+                <a:latin typeface="Courier New" pitchFamily="49" charset="0"/>
+                <a:cs typeface="Courier New" pitchFamily="49" charset="0"/>
+              </a:rPr>
+              <a:t>	A</a:t>
+            </a:r>
+            <a:endParaRPr lang="fr-FR" sz="3400" dirty="0" smtClean="0">
+              <a:latin typeface="Courier New" pitchFamily="49" charset="0"/>
+              <a:cs typeface="Courier New" pitchFamily="49" charset="0"/>
+            </a:endParaRPr>
+          </a:p>
+          <a:p>
+            <a:pPr lvl="1">
+              <a:buNone/>
+            </a:pPr>
+            <a:r>
+              <a:rPr lang="fr-FR" sz="3400" dirty="0" smtClean="0">
+                <a:latin typeface="Courier New" pitchFamily="49" charset="0"/>
+                <a:cs typeface="Courier New" pitchFamily="49" charset="0"/>
+              </a:rPr>
+              <a:t>	</a:t>
+            </a:r>
+            <a:r>
+              <a:rPr lang="fr-FR" sz="3400" dirty="0" err="1" smtClean="0">
+                <a:latin typeface="Courier New" pitchFamily="49" charset="0"/>
+                <a:cs typeface="Courier New" pitchFamily="49" charset="0"/>
+              </a:rPr>
+              <a:t>bx</a:t>
+            </a:r>
+            <a:r>
+              <a:rPr lang="fr-FR" sz="3400" dirty="0" smtClean="0">
+                <a:latin typeface="Courier New" pitchFamily="49" charset="0"/>
+                <a:cs typeface="Courier New" pitchFamily="49" charset="0"/>
+              </a:rPr>
+              <a:t>, by float64</a:t>
+            </a:r>
+          </a:p>
+          <a:p>
+            <a:pPr lvl="1">
+              <a:buNone/>
+            </a:pPr>
+            <a:r>
+              <a:rPr lang="fr-FR" sz="3400" dirty="0" smtClean="0">
+                <a:latin typeface="Courier New" pitchFamily="49" charset="0"/>
+                <a:cs typeface="Courier New" pitchFamily="49" charset="0"/>
+              </a:rPr>
+              <a:t>}</a:t>
+            </a:r>
+          </a:p>
+          <a:p>
+            <a:pPr lvl="1">
+              <a:buNone/>
+            </a:pPr>
+            <a:endParaRPr lang="en-US" sz="2900" dirty="0" smtClean="0"/>
+          </a:p>
+          <a:p>
+            <a:pPr>
+              <a:buNone/>
+            </a:pPr>
+            <a:r>
+              <a:rPr lang="en-US" sz="3400" dirty="0" smtClean="0">
+                <a:latin typeface="Courier New" pitchFamily="49" charset="0"/>
+                <a:cs typeface="Courier New" pitchFamily="49" charset="0"/>
+              </a:rPr>
+              <a:t>B</a:t>
+            </a:r>
+            <a:r>
+              <a:rPr lang="en-US" sz="3400" dirty="0" smtClean="0"/>
+              <a:t> </a:t>
+            </a:r>
+            <a:r>
+              <a:rPr lang="en-US" sz="3400" dirty="0" err="1" smtClean="0"/>
+              <a:t>agit</a:t>
+            </a:r>
+            <a:r>
+              <a:rPr lang="en-US" sz="3400" dirty="0" smtClean="0"/>
+              <a:t> </a:t>
+            </a:r>
+            <a:r>
+              <a:rPr lang="en-US" sz="3400" dirty="0" err="1" smtClean="0"/>
+              <a:t>comme</a:t>
+            </a:r>
+            <a:r>
+              <a:rPr lang="en-US" sz="3400" dirty="0" smtClean="0"/>
+              <a:t> </a:t>
+            </a:r>
+            <a:r>
+              <a:rPr lang="en-US" sz="3400" dirty="0" err="1" smtClean="0"/>
+              <a:t>si</a:t>
+            </a:r>
+            <a:r>
+              <a:rPr lang="en-US" sz="3400" dirty="0" smtClean="0"/>
+              <a:t> </a:t>
+            </a:r>
+            <a:r>
+              <a:rPr lang="en-US" sz="3400" dirty="0" err="1" smtClean="0"/>
+              <a:t>il</a:t>
+            </a:r>
+            <a:r>
+              <a:rPr lang="en-US" sz="3400" dirty="0" smtClean="0"/>
+              <a:t> </a:t>
+            </a:r>
+            <a:r>
+              <a:rPr lang="en-US" sz="3400" dirty="0" err="1" smtClean="0"/>
+              <a:t>possédait</a:t>
+            </a:r>
+            <a:r>
+              <a:rPr lang="en-US" sz="3400" dirty="0" smtClean="0"/>
+              <a:t> 4 champs</a:t>
+            </a:r>
+            <a:r>
+              <a:rPr lang="en-US" sz="3400" i="1" dirty="0" smtClean="0">
+                <a:latin typeface="Courier New" pitchFamily="49" charset="0"/>
+                <a:cs typeface="Courier New" pitchFamily="49" charset="0"/>
+              </a:rPr>
+              <a:t>, </a:t>
+            </a:r>
+            <a:r>
+              <a:rPr lang="en-US" sz="3400" i="1" dirty="0" smtClean="0">
+                <a:latin typeface="Courier New" pitchFamily="49" charset="0"/>
+                <a:cs typeface="Courier New" pitchFamily="49" charset="0"/>
+              </a:rPr>
+              <a:t>ax, ay, </a:t>
+            </a:r>
+            <a:r>
+              <a:rPr lang="en-US" sz="3400" i="1" dirty="0" err="1" smtClean="0">
+                <a:latin typeface="Courier New" pitchFamily="49" charset="0"/>
+                <a:cs typeface="Courier New" pitchFamily="49" charset="0"/>
+              </a:rPr>
+              <a:t>bx</a:t>
+            </a:r>
+            <a:r>
+              <a:rPr lang="en-US" sz="3400" i="1" dirty="0" smtClean="0"/>
+              <a:t>, </a:t>
+            </a:r>
+            <a:r>
+              <a:rPr lang="en-US" sz="3400" i="1" dirty="0" smtClean="0"/>
+              <a:t>et </a:t>
+            </a:r>
+            <a:r>
+              <a:rPr lang="en-US" sz="3400" i="1" dirty="0" smtClean="0">
+                <a:latin typeface="Courier New" pitchFamily="49" charset="0"/>
+                <a:cs typeface="Courier New" pitchFamily="49" charset="0"/>
+              </a:rPr>
+              <a:t>by</a:t>
+            </a:r>
+            <a:r>
+              <a:rPr lang="en-US" sz="3400" i="1" dirty="0" smtClean="0"/>
+              <a:t>. </a:t>
+            </a:r>
+            <a:r>
+              <a:rPr lang="en-US" sz="3400" i="1" dirty="0" err="1" smtClean="0"/>
+              <a:t>C’est</a:t>
+            </a:r>
+            <a:r>
+              <a:rPr lang="en-US" sz="3400" i="1" dirty="0" smtClean="0"/>
+              <a:t> </a:t>
+            </a:r>
+            <a:r>
+              <a:rPr lang="en-US" sz="3400" i="1" dirty="0" err="1" smtClean="0"/>
+              <a:t>presque</a:t>
+            </a:r>
+            <a:r>
+              <a:rPr lang="en-US" sz="3400" i="1" dirty="0" smtClean="0"/>
+              <a:t> </a:t>
+            </a:r>
+            <a:r>
+              <a:rPr lang="en-US" sz="3400" i="1" dirty="0" err="1" smtClean="0"/>
+              <a:t>comme</a:t>
+            </a:r>
+            <a:r>
+              <a:rPr lang="en-US" sz="3400" i="1" dirty="0" smtClean="0"/>
+              <a:t> </a:t>
+            </a:r>
+            <a:r>
+              <a:rPr lang="en-US" sz="3400" i="1" dirty="0" err="1" smtClean="0"/>
+              <a:t>si</a:t>
+            </a:r>
+            <a:r>
+              <a:rPr lang="en-US" sz="3400" i="1" dirty="0" smtClean="0"/>
+              <a:t>  </a:t>
+            </a:r>
+            <a:r>
+              <a:rPr lang="en-US" sz="3400" i="1" dirty="0" smtClean="0">
+                <a:latin typeface="Courier New" pitchFamily="49" charset="0"/>
+                <a:cs typeface="Courier New" pitchFamily="49" charset="0"/>
+              </a:rPr>
+              <a:t>B</a:t>
+            </a:r>
+            <a:r>
+              <a:rPr lang="en-US" sz="3400" i="1" dirty="0" smtClean="0"/>
+              <a:t> </a:t>
+            </a:r>
+            <a:r>
+              <a:rPr lang="en-US" sz="3400" i="1" dirty="0" err="1" smtClean="0"/>
+              <a:t>était</a:t>
+            </a:r>
+            <a:r>
+              <a:rPr lang="en-US" sz="3400" i="1" dirty="0" smtClean="0"/>
+              <a:t> </a:t>
+            </a:r>
+            <a:r>
+              <a:rPr lang="en-US" sz="3400" i="1" dirty="0" smtClean="0">
+                <a:latin typeface="Courier New" pitchFamily="49" charset="0"/>
+                <a:cs typeface="Courier New" pitchFamily="49" charset="0"/>
+              </a:rPr>
+              <a:t>{ax</a:t>
+            </a:r>
+            <a:r>
+              <a:rPr lang="en-US" sz="3400" i="1" dirty="0" smtClean="0">
+                <a:latin typeface="Courier New" pitchFamily="49" charset="0"/>
+                <a:cs typeface="Courier New" pitchFamily="49" charset="0"/>
+              </a:rPr>
+              <a:t>, ay </a:t>
+            </a:r>
+            <a:r>
+              <a:rPr lang="en-US" sz="3400" i="1" dirty="0" err="1" smtClean="0">
+                <a:latin typeface="Courier New" pitchFamily="49" charset="0"/>
+                <a:cs typeface="Courier New" pitchFamily="49" charset="0"/>
+              </a:rPr>
+              <a:t>int</a:t>
+            </a:r>
+            <a:r>
+              <a:rPr lang="en-US" sz="3400" i="1" dirty="0" smtClean="0">
+                <a:latin typeface="Courier New" pitchFamily="49" charset="0"/>
+                <a:cs typeface="Courier New" pitchFamily="49" charset="0"/>
+              </a:rPr>
+              <a:t>; </a:t>
+            </a:r>
+            <a:r>
+              <a:rPr lang="en-US" sz="3400" i="1" dirty="0" err="1" smtClean="0">
+                <a:latin typeface="Courier New" pitchFamily="49" charset="0"/>
+                <a:cs typeface="Courier New" pitchFamily="49" charset="0"/>
+              </a:rPr>
+              <a:t>bx</a:t>
+            </a:r>
+            <a:r>
+              <a:rPr lang="en-US" sz="3400" i="1" dirty="0" smtClean="0">
+                <a:latin typeface="Courier New" pitchFamily="49" charset="0"/>
+                <a:cs typeface="Courier New" pitchFamily="49" charset="0"/>
+              </a:rPr>
+              <a:t>, by float64</a:t>
+            </a:r>
+            <a:r>
+              <a:rPr lang="en-US" sz="3400" i="1" dirty="0" smtClean="0">
+                <a:latin typeface="Courier New" pitchFamily="49" charset="0"/>
+                <a:cs typeface="Courier New" pitchFamily="49" charset="0"/>
+              </a:rPr>
+              <a:t>}.</a:t>
+            </a:r>
+          </a:p>
+          <a:p>
+            <a:pPr>
+              <a:buNone/>
+            </a:pPr>
+            <a:endParaRPr lang="en-US" sz="3400" i="1" dirty="0" smtClean="0">
+              <a:latin typeface="Courier New" pitchFamily="49" charset="0"/>
+              <a:cs typeface="Courier New" pitchFamily="49" charset="0"/>
+            </a:endParaRPr>
+          </a:p>
+          <a:p>
+            <a:pPr>
+              <a:buNone/>
+            </a:pPr>
+            <a:r>
+              <a:rPr lang="en-US" sz="3400" i="1" dirty="0" err="1" smtClean="0"/>
+              <a:t>Néanmoins</a:t>
+            </a:r>
+            <a:r>
+              <a:rPr lang="en-US" sz="3400" i="1" dirty="0" smtClean="0"/>
+              <a:t>, les </a:t>
+            </a:r>
+            <a:r>
+              <a:rPr lang="en-US" sz="3400" i="1" dirty="0" err="1" smtClean="0"/>
+              <a:t>litéraux</a:t>
+            </a:r>
+            <a:r>
+              <a:rPr lang="en-US" sz="3400" i="1" dirty="0" smtClean="0"/>
+              <a:t> </a:t>
+            </a:r>
+            <a:r>
+              <a:rPr lang="en-US" sz="3400" i="1" dirty="0" err="1" smtClean="0"/>
+              <a:t>comme</a:t>
+            </a:r>
+            <a:r>
+              <a:rPr lang="en-US" sz="3400" i="1" dirty="0" smtClean="0"/>
+              <a:t> B </a:t>
+            </a:r>
+            <a:r>
+              <a:rPr lang="en-US" sz="3400" i="1" dirty="0" err="1" smtClean="0"/>
+              <a:t>doivent</a:t>
+            </a:r>
+            <a:r>
+              <a:rPr lang="en-US" sz="3400" i="1" dirty="0" smtClean="0"/>
+              <a:t> </a:t>
+            </a:r>
+            <a:r>
+              <a:rPr lang="en-US" sz="3400" i="1" dirty="0" err="1" smtClean="0"/>
+              <a:t>être</a:t>
+            </a:r>
+            <a:r>
+              <a:rPr lang="en-US" sz="3400" i="1" dirty="0" smtClean="0"/>
+              <a:t> </a:t>
+            </a:r>
+            <a:r>
+              <a:rPr lang="en-US" sz="3400" i="1" dirty="0" err="1" smtClean="0"/>
+              <a:t>remplis</a:t>
+            </a:r>
+            <a:r>
+              <a:rPr lang="en-US" sz="3400" i="1" dirty="0" smtClean="0"/>
+              <a:t> </a:t>
+            </a:r>
+            <a:r>
+              <a:rPr lang="en-US" sz="3400" i="1" dirty="0" err="1" smtClean="0"/>
+              <a:t>dans</a:t>
+            </a:r>
+            <a:r>
+              <a:rPr lang="en-US" sz="3400" i="1" dirty="0" smtClean="0"/>
+              <a:t> le </a:t>
+            </a:r>
+            <a:r>
+              <a:rPr lang="en-US" sz="3400" i="1" dirty="0" err="1" smtClean="0"/>
+              <a:t>détail</a:t>
+            </a:r>
+            <a:r>
+              <a:rPr lang="en-US" sz="3400" i="1" dirty="0" smtClean="0"/>
+              <a:t>:</a:t>
+            </a:r>
+          </a:p>
+          <a:p>
+            <a:pPr lvl="1">
+              <a:buNone/>
+            </a:pPr>
+            <a:endParaRPr lang="en-US" sz="2900" i="1" dirty="0" smtClean="0"/>
+          </a:p>
+          <a:p>
+            <a:pPr lvl="1">
+              <a:buNone/>
+            </a:pPr>
+            <a:r>
+              <a:rPr lang="fr-FR" sz="3800" dirty="0" smtClean="0">
+                <a:latin typeface="Courier New" pitchFamily="49" charset="0"/>
+                <a:cs typeface="Courier New" pitchFamily="49" charset="0"/>
+              </a:rPr>
+              <a:t>b := B{A{1, 2}, 3.0, 4.0}</a:t>
+            </a:r>
+          </a:p>
+          <a:p>
+            <a:pPr lvl="1">
+              <a:buNone/>
+            </a:pPr>
+            <a:r>
+              <a:rPr lang="fr-FR" sz="3800" dirty="0" err="1" smtClean="0">
+                <a:latin typeface="Courier New" pitchFamily="49" charset="0"/>
+                <a:cs typeface="Courier New" pitchFamily="49" charset="0"/>
+              </a:rPr>
+              <a:t>fmt.Println</a:t>
+            </a:r>
+            <a:r>
+              <a:rPr lang="fr-FR" sz="3800" dirty="0" smtClean="0">
+                <a:latin typeface="Courier New" pitchFamily="49" charset="0"/>
+                <a:cs typeface="Courier New" pitchFamily="49" charset="0"/>
+              </a:rPr>
+              <a:t>(</a:t>
+            </a:r>
+            <a:r>
+              <a:rPr lang="fr-FR" sz="3800" dirty="0" err="1" smtClean="0">
+                <a:latin typeface="Courier New" pitchFamily="49" charset="0"/>
+                <a:cs typeface="Courier New" pitchFamily="49" charset="0"/>
+              </a:rPr>
+              <a:t>b.ax</a:t>
+            </a:r>
+            <a:r>
+              <a:rPr lang="fr-FR" sz="3800" dirty="0" smtClean="0">
+                <a:latin typeface="Courier New" pitchFamily="49" charset="0"/>
+                <a:cs typeface="Courier New" pitchFamily="49" charset="0"/>
+              </a:rPr>
+              <a:t>, </a:t>
+            </a:r>
+            <a:r>
+              <a:rPr lang="fr-FR" sz="3800" dirty="0" err="1" smtClean="0">
+                <a:latin typeface="Courier New" pitchFamily="49" charset="0"/>
+                <a:cs typeface="Courier New" pitchFamily="49" charset="0"/>
+              </a:rPr>
+              <a:t>b.ay</a:t>
+            </a:r>
+            <a:r>
+              <a:rPr lang="fr-FR" sz="3800" dirty="0" smtClean="0">
+                <a:latin typeface="Courier New" pitchFamily="49" charset="0"/>
+                <a:cs typeface="Courier New" pitchFamily="49" charset="0"/>
+              </a:rPr>
+              <a:t>, </a:t>
+            </a:r>
+            <a:r>
+              <a:rPr lang="fr-FR" sz="3800" dirty="0" err="1" smtClean="0">
+                <a:latin typeface="Courier New" pitchFamily="49" charset="0"/>
+                <a:cs typeface="Courier New" pitchFamily="49" charset="0"/>
+              </a:rPr>
+              <a:t>b.bx</a:t>
+            </a:r>
+            <a:r>
+              <a:rPr lang="fr-FR" sz="3800" dirty="0" smtClean="0">
+                <a:latin typeface="Courier New" pitchFamily="49" charset="0"/>
+                <a:cs typeface="Courier New" pitchFamily="49" charset="0"/>
+              </a:rPr>
+              <a:t>, </a:t>
+            </a:r>
+            <a:r>
+              <a:rPr lang="fr-FR" sz="3800" dirty="0" smtClean="0">
+                <a:latin typeface="Courier New" pitchFamily="49" charset="0"/>
+                <a:cs typeface="Courier New" pitchFamily="49" charset="0"/>
+              </a:rPr>
+              <a:t>b.by)</a:t>
+            </a:r>
+          </a:p>
+          <a:p>
+            <a:pPr>
+              <a:buNone/>
+            </a:pPr>
+            <a:endParaRPr lang="fr-FR" sz="3400" i="1" dirty="0" smtClean="0"/>
+          </a:p>
+          <a:p>
+            <a:pPr>
+              <a:buNone/>
+            </a:pPr>
+            <a:r>
+              <a:rPr lang="fr-FR" sz="3400" i="1" dirty="0" smtClean="0"/>
+              <a:t>Affiche 1 </a:t>
+            </a:r>
+            <a:r>
+              <a:rPr lang="fr-FR" sz="3400" i="1" dirty="0" smtClean="0"/>
+              <a:t>2 3 </a:t>
+            </a:r>
+            <a:r>
+              <a:rPr lang="fr-FR" sz="3400" i="1" dirty="0" smtClean="0"/>
+              <a:t>4</a:t>
+            </a:r>
+          </a:p>
+          <a:p>
+            <a:pPr lvl="1">
+              <a:buNone/>
+            </a:pPr>
+            <a:endParaRPr lang="fr-FR" dirty="0"/>
+          </a:p>
+        </p:txBody>
+      </p:sp>
+    </p:spTree>
+  </p:cSld>
+  <p:clrMapOvr>
+    <a:masterClrMapping/>
+  </p:clrMapOvr>
+</p:sld>
+</file>
+
+<file path=ppt/slides/slide32.xml><?xml version="1.0" encoding="utf-8"?>
+<p:sld xmlns:a="http://schemas.openxmlformats.org/drawingml/2006/main" xmlns:r="http://schemas.openxmlformats.org/officeDocument/2006/relationships" xmlns:p="http://schemas.openxmlformats.org/presentationml/2006/main">
+  <p:cSld>
+    <p:spTree>
+      <p:nvGrpSpPr>
+        <p:cNvPr id="1" name=""/>
+        <p:cNvGrpSpPr/>
+        <p:nvPr/>
+      </p:nvGrpSpPr>
+      <p:grpSpPr>
+        <a:xfrm>
+          <a:off x="0" y="0"/>
+          <a:ext cx="0" cy="0"/>
+          <a:chOff x="0" y="0"/>
+          <a:chExt cx="0" cy="0"/>
+        </a:xfrm>
+      </p:grpSpPr>
+      <p:sp>
+        <p:nvSpPr>
+          <p:cNvPr id="2" name="Titre 1"/>
+          <p:cNvSpPr>
+            <a:spLocks noGrp="1"/>
+          </p:cNvSpPr>
+          <p:nvPr>
+            <p:ph type="title"/>
+          </p:nvPr>
+        </p:nvSpPr>
+        <p:spPr/>
+        <p:txBody>
+          <a:bodyPr>
+            <a:noAutofit/>
+          </a:bodyPr>
+          <a:lstStyle/>
+          <a:p>
+            <a:r>
+              <a:rPr lang="fr-FR" sz="3200" dirty="0" smtClean="0"/>
+              <a:t>Les champs anonymes ont le type comme nom</a:t>
+            </a:r>
+            <a:endParaRPr lang="fr-FR" sz="3200" dirty="0"/>
+          </a:p>
+        </p:txBody>
+      </p:sp>
+      <p:sp>
+        <p:nvSpPr>
+          <p:cNvPr id="3" name="Espace réservé du contenu 2"/>
+          <p:cNvSpPr>
+            <a:spLocks noGrp="1"/>
+          </p:cNvSpPr>
+          <p:nvPr>
+            <p:ph idx="1"/>
+          </p:nvPr>
+        </p:nvSpPr>
+        <p:spPr/>
+        <p:txBody>
+          <a:bodyPr>
+            <a:normAutofit fontScale="70000" lnSpcReduction="20000"/>
+          </a:bodyPr>
+          <a:lstStyle/>
+          <a:p>
+            <a:pPr>
+              <a:buNone/>
+            </a:pPr>
+            <a:r>
+              <a:rPr lang="en-US" i="1" dirty="0" err="1" smtClean="0"/>
+              <a:t>Mais</a:t>
+            </a:r>
+            <a:r>
+              <a:rPr lang="en-US" i="1" dirty="0" smtClean="0"/>
+              <a:t> </a:t>
+            </a:r>
+            <a:r>
+              <a:rPr lang="en-US" i="1" dirty="0" err="1" smtClean="0"/>
+              <a:t>c’est</a:t>
+            </a:r>
+            <a:r>
+              <a:rPr lang="en-US" i="1" dirty="0" smtClean="0"/>
+              <a:t> plus riche </a:t>
+            </a:r>
+            <a:r>
+              <a:rPr lang="en-US" i="1" dirty="0" err="1" smtClean="0"/>
+              <a:t>qu’une</a:t>
+            </a:r>
+            <a:r>
+              <a:rPr lang="en-US" i="1" dirty="0" smtClean="0"/>
+              <a:t> simple interpolation de champs :</a:t>
+            </a:r>
+            <a:endParaRPr lang="en-US" i="1" dirty="0" smtClean="0"/>
+          </a:p>
+          <a:p>
+            <a:pPr>
+              <a:buNone/>
+            </a:pPr>
+            <a:r>
+              <a:rPr lang="en-US" dirty="0" smtClean="0">
+                <a:latin typeface="Courier New" pitchFamily="49" charset="0"/>
+                <a:cs typeface="Courier New" pitchFamily="49" charset="0"/>
+              </a:rPr>
+              <a:t>B</a:t>
+            </a:r>
+            <a:r>
+              <a:rPr lang="en-US" dirty="0" smtClean="0"/>
+              <a:t> </a:t>
+            </a:r>
+            <a:r>
+              <a:rPr lang="en-US" i="1" dirty="0" err="1" smtClean="0"/>
+              <a:t>aussi</a:t>
+            </a:r>
+            <a:r>
+              <a:rPr lang="en-US" i="1" dirty="0" smtClean="0"/>
+              <a:t> a un champ </a:t>
+            </a:r>
+            <a:r>
+              <a:rPr lang="en-US" i="1" dirty="0" smtClean="0">
+                <a:latin typeface="Courier New" pitchFamily="49" charset="0"/>
+                <a:cs typeface="Courier New" pitchFamily="49" charset="0"/>
+              </a:rPr>
+              <a:t>A</a:t>
+            </a:r>
+            <a:r>
+              <a:rPr lang="en-US" i="1" dirty="0" smtClean="0"/>
+              <a:t>. </a:t>
+            </a:r>
+            <a:endParaRPr lang="en-US" i="1" dirty="0" smtClean="0"/>
+          </a:p>
+          <a:p>
+            <a:pPr>
+              <a:buNone/>
+            </a:pPr>
+            <a:r>
+              <a:rPr lang="en-US" i="1" dirty="0" smtClean="0"/>
+              <a:t>Le champ </a:t>
+            </a:r>
+            <a:r>
+              <a:rPr lang="en-US" i="1" dirty="0" err="1" smtClean="0"/>
+              <a:t>anonyme</a:t>
+            </a:r>
+            <a:r>
+              <a:rPr lang="en-US" i="1" dirty="0" smtClean="0"/>
+              <a:t> </a:t>
+            </a:r>
+            <a:r>
+              <a:rPr lang="en-US" i="1" dirty="0" err="1" smtClean="0"/>
+              <a:t>ressemble</a:t>
+            </a:r>
+            <a:r>
+              <a:rPr lang="en-US" i="1" dirty="0" smtClean="0"/>
+              <a:t> à un champ </a:t>
+            </a:r>
+            <a:r>
+              <a:rPr lang="en-US" i="1" dirty="0" err="1" smtClean="0"/>
+              <a:t>dont</a:t>
+            </a:r>
+            <a:r>
+              <a:rPr lang="en-US" i="1" dirty="0" smtClean="0"/>
+              <a:t> le nom </a:t>
+            </a:r>
+            <a:r>
+              <a:rPr lang="en-US" i="1" dirty="0" err="1" smtClean="0"/>
+              <a:t>est</a:t>
+            </a:r>
+            <a:r>
+              <a:rPr lang="en-US" i="1" dirty="0" smtClean="0"/>
+              <a:t> son type.  </a:t>
+            </a:r>
+            <a:endParaRPr lang="en-US" i="1" dirty="0" smtClean="0"/>
+          </a:p>
+          <a:p>
+            <a:pPr lvl="1">
+              <a:buNone/>
+            </a:pPr>
+            <a:r>
+              <a:rPr lang="fr-FR" dirty="0" smtClean="0">
+                <a:latin typeface="Courier New" pitchFamily="49" charset="0"/>
+                <a:cs typeface="Courier New" pitchFamily="49" charset="0"/>
+              </a:rPr>
+              <a:t>b := B{A{ 1, 2}, 3.0, 4.0}</a:t>
+            </a:r>
+          </a:p>
+          <a:p>
+            <a:pPr lvl="1">
+              <a:buNone/>
+            </a:pPr>
+            <a:r>
+              <a:rPr lang="fr-FR" dirty="0" err="1" smtClean="0">
+                <a:latin typeface="Courier New" pitchFamily="49" charset="0"/>
+                <a:cs typeface="Courier New" pitchFamily="49" charset="0"/>
+              </a:rPr>
+              <a:t>fmt.Println</a:t>
+            </a:r>
+            <a:r>
+              <a:rPr lang="fr-FR" dirty="0" smtClean="0">
+                <a:latin typeface="Courier New" pitchFamily="49" charset="0"/>
+                <a:cs typeface="Courier New" pitchFamily="49" charset="0"/>
+              </a:rPr>
+              <a:t>(</a:t>
+            </a:r>
+            <a:r>
+              <a:rPr lang="fr-FR" dirty="0" err="1" smtClean="0">
+                <a:latin typeface="Courier New" pitchFamily="49" charset="0"/>
+                <a:cs typeface="Courier New" pitchFamily="49" charset="0"/>
+              </a:rPr>
+              <a:t>b.A</a:t>
+            </a:r>
+            <a:r>
+              <a:rPr lang="fr-FR" dirty="0" smtClean="0">
+                <a:latin typeface="Courier New" pitchFamily="49" charset="0"/>
+                <a:cs typeface="Courier New" pitchFamily="49" charset="0"/>
+              </a:rPr>
+              <a:t>)</a:t>
+            </a:r>
+          </a:p>
+          <a:p>
+            <a:pPr>
+              <a:buNone/>
+            </a:pPr>
+            <a:r>
+              <a:rPr lang="en-US" i="1" dirty="0" err="1" smtClean="0"/>
+              <a:t>Affiche</a:t>
+            </a:r>
+            <a:r>
+              <a:rPr lang="en-US" i="1" dirty="0" smtClean="0"/>
+              <a:t> </a:t>
+            </a:r>
+            <a:r>
+              <a:rPr lang="en-US" i="1" dirty="0" smtClean="0">
+                <a:latin typeface="Courier New" pitchFamily="49" charset="0"/>
+                <a:cs typeface="Courier New" pitchFamily="49" charset="0"/>
+              </a:rPr>
+              <a:t>{1 </a:t>
+            </a:r>
+            <a:r>
+              <a:rPr lang="en-US" i="1" dirty="0" smtClean="0">
+                <a:latin typeface="Courier New" pitchFamily="49" charset="0"/>
+                <a:cs typeface="Courier New" pitchFamily="49" charset="0"/>
+              </a:rPr>
+              <a:t>2}</a:t>
+            </a:r>
+            <a:r>
+              <a:rPr lang="en-US" i="1" dirty="0" smtClean="0"/>
+              <a:t>. </a:t>
+            </a:r>
+            <a:endParaRPr lang="en-US" i="1" dirty="0" smtClean="0"/>
+          </a:p>
+          <a:p>
+            <a:pPr>
+              <a:buNone/>
+            </a:pPr>
+            <a:endParaRPr lang="en-US" i="1" dirty="0" smtClean="0"/>
+          </a:p>
+          <a:p>
+            <a:pPr>
+              <a:buNone/>
+            </a:pPr>
+            <a:r>
+              <a:rPr lang="en-US" i="1" dirty="0" smtClean="0"/>
+              <a:t>Si </a:t>
+            </a:r>
+            <a:r>
+              <a:rPr lang="en-US" i="1" dirty="0" smtClean="0">
+                <a:latin typeface="Courier New" pitchFamily="49" charset="0"/>
+                <a:cs typeface="Courier New" pitchFamily="49" charset="0"/>
+              </a:rPr>
+              <a:t>A</a:t>
+            </a:r>
+            <a:r>
+              <a:rPr lang="en-US" i="1" dirty="0" smtClean="0"/>
+              <a:t> </a:t>
+            </a:r>
+            <a:r>
+              <a:rPr lang="en-US" i="1" dirty="0" err="1" smtClean="0"/>
+              <a:t>venait</a:t>
+            </a:r>
+            <a:r>
+              <a:rPr lang="en-US" i="1" dirty="0" smtClean="0"/>
+              <a:t> d’un </a:t>
+            </a:r>
+            <a:r>
+              <a:rPr lang="en-US" i="1" dirty="0" err="1" smtClean="0"/>
+              <a:t>autre</a:t>
+            </a:r>
+            <a:r>
+              <a:rPr lang="en-US" i="1" dirty="0" smtClean="0"/>
+              <a:t> package, le champ </a:t>
+            </a:r>
+            <a:r>
+              <a:rPr lang="en-US" i="1" dirty="0" err="1" smtClean="0"/>
+              <a:t>s’appelerait</a:t>
+            </a:r>
+            <a:r>
+              <a:rPr lang="en-US" i="1" dirty="0" smtClean="0"/>
+              <a:t> </a:t>
+            </a:r>
+            <a:r>
+              <a:rPr lang="en-US" i="1" dirty="0" err="1" smtClean="0"/>
+              <a:t>également</a:t>
+            </a:r>
+            <a:r>
+              <a:rPr lang="en-US" i="1" dirty="0" smtClean="0"/>
+              <a:t> A:</a:t>
+            </a:r>
+            <a:endParaRPr lang="en-US" i="1" dirty="0" smtClean="0"/>
+          </a:p>
+          <a:p>
+            <a:pPr lvl="1">
+              <a:buNone/>
+            </a:pPr>
+            <a:r>
+              <a:rPr lang="fr-FR" dirty="0" smtClean="0">
+                <a:latin typeface="Courier New" pitchFamily="49" charset="0"/>
+                <a:cs typeface="Courier New" pitchFamily="49" charset="0"/>
+              </a:rPr>
+              <a:t>import "</a:t>
+            </a:r>
+            <a:r>
+              <a:rPr lang="fr-FR" dirty="0" err="1" smtClean="0">
+                <a:latin typeface="Courier New" pitchFamily="49" charset="0"/>
+                <a:cs typeface="Courier New" pitchFamily="49" charset="0"/>
+              </a:rPr>
+              <a:t>pkg</a:t>
+            </a:r>
+            <a:r>
+              <a:rPr lang="fr-FR" dirty="0" smtClean="0">
+                <a:latin typeface="Courier New" pitchFamily="49" charset="0"/>
+                <a:cs typeface="Courier New" pitchFamily="49" charset="0"/>
+              </a:rPr>
+              <a:t>"</a:t>
+            </a:r>
+          </a:p>
+          <a:p>
+            <a:pPr lvl="1">
+              <a:buNone/>
+            </a:pPr>
+            <a:r>
+              <a:rPr lang="fr-FR" dirty="0" smtClean="0">
+                <a:latin typeface="Courier New" pitchFamily="49" charset="0"/>
+                <a:cs typeface="Courier New" pitchFamily="49" charset="0"/>
+              </a:rPr>
+              <a:t>type C </a:t>
+            </a:r>
+            <a:r>
+              <a:rPr lang="fr-FR" dirty="0" err="1" smtClean="0">
+                <a:latin typeface="Courier New" pitchFamily="49" charset="0"/>
+                <a:cs typeface="Courier New" pitchFamily="49" charset="0"/>
+              </a:rPr>
+              <a:t>struct</a:t>
+            </a:r>
+            <a:r>
+              <a:rPr lang="fr-FR" dirty="0" smtClean="0">
+                <a:latin typeface="Courier New" pitchFamily="49" charset="0"/>
+                <a:cs typeface="Courier New" pitchFamily="49" charset="0"/>
+              </a:rPr>
+              <a:t> { </a:t>
+            </a:r>
+            <a:r>
+              <a:rPr lang="fr-FR" dirty="0" err="1" smtClean="0">
+                <a:latin typeface="Courier New" pitchFamily="49" charset="0"/>
+                <a:cs typeface="Courier New" pitchFamily="49" charset="0"/>
+              </a:rPr>
+              <a:t>pkg.A</a:t>
+            </a:r>
+            <a:r>
+              <a:rPr lang="fr-FR" dirty="0" smtClean="0">
+                <a:latin typeface="Courier New" pitchFamily="49" charset="0"/>
+                <a:cs typeface="Courier New" pitchFamily="49" charset="0"/>
+              </a:rPr>
+              <a:t> }</a:t>
+            </a:r>
+          </a:p>
+          <a:p>
+            <a:pPr lvl="1">
+              <a:buNone/>
+            </a:pPr>
+            <a:r>
+              <a:rPr lang="fr-FR" dirty="0" smtClean="0">
+                <a:latin typeface="Courier New" pitchFamily="49" charset="0"/>
+                <a:cs typeface="Courier New" pitchFamily="49" charset="0"/>
+              </a:rPr>
+              <a:t>...</a:t>
+            </a:r>
+          </a:p>
+          <a:p>
+            <a:pPr lvl="1">
+              <a:buNone/>
+            </a:pPr>
+            <a:r>
+              <a:rPr lang="fr-FR" dirty="0" smtClean="0">
+                <a:latin typeface="Courier New" pitchFamily="49" charset="0"/>
+                <a:cs typeface="Courier New" pitchFamily="49" charset="0"/>
+              </a:rPr>
+              <a:t>c := C {</a:t>
+            </a:r>
+            <a:r>
+              <a:rPr lang="fr-FR" dirty="0" err="1" smtClean="0">
+                <a:latin typeface="Courier New" pitchFamily="49" charset="0"/>
+                <a:cs typeface="Courier New" pitchFamily="49" charset="0"/>
+              </a:rPr>
+              <a:t>pkg.A</a:t>
+            </a:r>
+            <a:r>
+              <a:rPr lang="fr-FR" dirty="0" smtClean="0">
+                <a:latin typeface="Courier New" pitchFamily="49" charset="0"/>
+                <a:cs typeface="Courier New" pitchFamily="49" charset="0"/>
+              </a:rPr>
+              <a:t>{1, 2}}</a:t>
+            </a:r>
+          </a:p>
+          <a:p>
+            <a:pPr lvl="1">
+              <a:buNone/>
+            </a:pPr>
+            <a:r>
+              <a:rPr lang="fr-FR" dirty="0" err="1" smtClean="0">
+                <a:latin typeface="Courier New" pitchFamily="49" charset="0"/>
+                <a:cs typeface="Courier New" pitchFamily="49" charset="0"/>
+              </a:rPr>
+              <a:t>fmt.Println</a:t>
+            </a:r>
+            <a:r>
+              <a:rPr lang="fr-FR" dirty="0" smtClean="0">
+                <a:latin typeface="Courier New" pitchFamily="49" charset="0"/>
+                <a:cs typeface="Courier New" pitchFamily="49" charset="0"/>
+              </a:rPr>
+              <a:t>(</a:t>
+            </a:r>
+            <a:r>
+              <a:rPr lang="fr-FR" dirty="0" err="1" smtClean="0">
+                <a:latin typeface="Courier New" pitchFamily="49" charset="0"/>
+                <a:cs typeface="Courier New" pitchFamily="49" charset="0"/>
+              </a:rPr>
+              <a:t>c.A</a:t>
+            </a:r>
+            <a:r>
+              <a:rPr lang="fr-FR" dirty="0" smtClean="0">
+                <a:latin typeface="Courier New" pitchFamily="49" charset="0"/>
+                <a:cs typeface="Courier New" pitchFamily="49" charset="0"/>
+              </a:rPr>
+              <a:t>) // </a:t>
+            </a:r>
+            <a:r>
+              <a:rPr lang="fr-FR" dirty="0" smtClean="0">
+                <a:latin typeface="Courier New" pitchFamily="49" charset="0"/>
+                <a:cs typeface="Courier New" pitchFamily="49" charset="0"/>
+              </a:rPr>
+              <a:t>pas c.pkg.A</a:t>
+            </a:r>
+            <a:endParaRPr lang="fr-FR" dirty="0">
+              <a:latin typeface="Courier New" pitchFamily="49" charset="0"/>
+              <a:cs typeface="Courier New" pitchFamily="49" charset="0"/>
+            </a:endParaRPr>
+          </a:p>
+        </p:txBody>
+      </p:sp>
+    </p:spTree>
+  </p:cSld>
+  <p:clrMapOvr>
+    <a:masterClrMapping/>
+  </p:clrMapOvr>
+</p:sld>
+</file>
+
+<file path=ppt/slides/slide33.xml><?xml version="1.0" encoding="utf-8"?>
+<p:sld xmlns:a="http://schemas.openxmlformats.org/drawingml/2006/main" xmlns:r="http://schemas.openxmlformats.org/officeDocument/2006/relationships" xmlns:p="http://schemas.openxmlformats.org/presentationml/2006/main">
+  <p:cSld>
+    <p:spTree>
+      <p:nvGrpSpPr>
+        <p:cNvPr id="1" name=""/>
+        <p:cNvGrpSpPr/>
+        <p:nvPr/>
+      </p:nvGrpSpPr>
+      <p:grpSpPr>
+        <a:xfrm>
+          <a:off x="0" y="0"/>
+          <a:ext cx="0" cy="0"/>
+          <a:chOff x="0" y="0"/>
+          <a:chExt cx="0" cy="0"/>
+        </a:xfrm>
+      </p:grpSpPr>
+      <p:sp>
+        <p:nvSpPr>
+          <p:cNvPr id="2" name="Titre 1"/>
+          <p:cNvSpPr>
+            <a:spLocks noGrp="1"/>
+          </p:cNvSpPr>
+          <p:nvPr>
+            <p:ph type="title"/>
+          </p:nvPr>
+        </p:nvSpPr>
+        <p:spPr/>
+        <p:txBody>
+          <a:bodyPr>
+            <a:normAutofit/>
+          </a:bodyPr>
+          <a:lstStyle/>
+          <a:p>
+            <a:r>
+              <a:rPr lang="fr-FR" sz="3600" dirty="0" smtClean="0"/>
+              <a:t>Champs anonymes de n’importe quel type</a:t>
+            </a:r>
+            <a:endParaRPr lang="fr-FR" sz="3600" dirty="0"/>
+          </a:p>
+        </p:txBody>
+      </p:sp>
+      <p:sp>
+        <p:nvSpPr>
+          <p:cNvPr id="3" name="Espace réservé du contenu 2"/>
+          <p:cNvSpPr>
+            <a:spLocks noGrp="1"/>
+          </p:cNvSpPr>
+          <p:nvPr>
+            <p:ph idx="1"/>
+          </p:nvPr>
+        </p:nvSpPr>
+        <p:spPr/>
+        <p:txBody>
+          <a:bodyPr>
+            <a:normAutofit fontScale="70000" lnSpcReduction="20000"/>
+          </a:bodyPr>
+          <a:lstStyle/>
+          <a:p>
+            <a:pPr>
+              <a:buNone/>
+            </a:pPr>
+            <a:r>
+              <a:rPr lang="en-US" i="1" dirty="0" err="1" smtClean="0"/>
+              <a:t>N’importe</a:t>
+            </a:r>
+            <a:r>
+              <a:rPr lang="en-US" i="1" dirty="0" smtClean="0"/>
+              <a:t> </a:t>
+            </a:r>
+            <a:r>
+              <a:rPr lang="en-US" i="1" dirty="0" err="1" smtClean="0"/>
+              <a:t>quel</a:t>
+            </a:r>
+            <a:r>
+              <a:rPr lang="en-US" i="1" dirty="0" smtClean="0"/>
+              <a:t> type </a:t>
+            </a:r>
+            <a:r>
+              <a:rPr lang="en-US" i="1" dirty="0" err="1" smtClean="0"/>
+              <a:t>nommé</a:t>
+            </a:r>
+            <a:r>
+              <a:rPr lang="en-US" i="1" dirty="0" smtClean="0"/>
+              <a:t>, </a:t>
+            </a:r>
+            <a:r>
+              <a:rPr lang="en-US" i="1" dirty="0" err="1" smtClean="0"/>
+              <a:t>ou</a:t>
+            </a:r>
+            <a:r>
+              <a:rPr lang="en-US" i="1" dirty="0" smtClean="0"/>
+              <a:t> pointer </a:t>
+            </a:r>
+            <a:r>
+              <a:rPr lang="en-US" i="1" dirty="0" err="1" smtClean="0"/>
+              <a:t>sur</a:t>
+            </a:r>
+            <a:r>
+              <a:rPr lang="en-US" i="1" dirty="0" smtClean="0"/>
+              <a:t> </a:t>
+            </a:r>
+            <a:r>
+              <a:rPr lang="en-US" i="1" dirty="0" err="1" smtClean="0"/>
+              <a:t>celui-ci</a:t>
+            </a:r>
+            <a:r>
+              <a:rPr lang="en-US" i="1" dirty="0" smtClean="0"/>
+              <a:t>, </a:t>
+            </a:r>
+            <a:r>
+              <a:rPr lang="en-US" i="1" dirty="0" err="1" smtClean="0"/>
+              <a:t>peut</a:t>
+            </a:r>
+            <a:r>
+              <a:rPr lang="en-US" i="1" dirty="0" smtClean="0"/>
+              <a:t> </a:t>
+            </a:r>
+          </a:p>
+          <a:p>
+            <a:pPr>
+              <a:buNone/>
+            </a:pPr>
+            <a:r>
+              <a:rPr lang="en-US" i="1" dirty="0" err="1" smtClean="0"/>
+              <a:t>être</a:t>
+            </a:r>
+            <a:r>
+              <a:rPr lang="en-US" i="1" dirty="0" smtClean="0"/>
+              <a:t> </a:t>
+            </a:r>
+            <a:r>
+              <a:rPr lang="en-US" i="1" dirty="0" err="1" smtClean="0"/>
+              <a:t>utilisé</a:t>
+            </a:r>
+            <a:r>
+              <a:rPr lang="en-US" i="1" dirty="0" smtClean="0"/>
+              <a:t> </a:t>
+            </a:r>
+            <a:r>
+              <a:rPr lang="en-US" i="1" dirty="0" err="1" smtClean="0"/>
+              <a:t>dans</a:t>
+            </a:r>
+            <a:r>
+              <a:rPr lang="en-US" i="1" dirty="0" smtClean="0"/>
+              <a:t> un type </a:t>
+            </a:r>
+            <a:r>
+              <a:rPr lang="en-US" i="1" dirty="0" err="1" smtClean="0"/>
+              <a:t>anonyme</a:t>
+            </a:r>
+            <a:r>
+              <a:rPr lang="en-US" i="1" dirty="0" smtClean="0"/>
+              <a:t> et </a:t>
+            </a:r>
+            <a:r>
+              <a:rPr lang="en-US" i="1" dirty="0" err="1" smtClean="0"/>
+              <a:t>peut</a:t>
+            </a:r>
+            <a:r>
+              <a:rPr lang="en-US" i="1" dirty="0" smtClean="0"/>
+              <a:t> </a:t>
+            </a:r>
+            <a:r>
+              <a:rPr lang="en-US" i="1" dirty="0" err="1" smtClean="0"/>
+              <a:t>apparaître</a:t>
+            </a:r>
+            <a:r>
+              <a:rPr lang="en-US" i="1" dirty="0" smtClean="0"/>
+              <a:t> à </a:t>
+            </a:r>
+          </a:p>
+          <a:p>
+            <a:pPr>
+              <a:buNone/>
+            </a:pPr>
+            <a:r>
+              <a:rPr lang="en-US" i="1" dirty="0" err="1" smtClean="0"/>
+              <a:t>n’importe</a:t>
+            </a:r>
+            <a:r>
+              <a:rPr lang="en-US" i="1" dirty="0" smtClean="0"/>
+              <a:t> </a:t>
+            </a:r>
+            <a:r>
+              <a:rPr lang="en-US" i="1" dirty="0" err="1" smtClean="0"/>
+              <a:t>quel</a:t>
+            </a:r>
+            <a:r>
+              <a:rPr lang="en-US" i="1" dirty="0" smtClean="0"/>
+              <a:t> </a:t>
+            </a:r>
+            <a:r>
+              <a:rPr lang="en-US" i="1" dirty="0" err="1" smtClean="0"/>
+              <a:t>endroit</a:t>
+            </a:r>
+            <a:r>
+              <a:rPr lang="en-US" i="1" dirty="0" smtClean="0"/>
+              <a:t> de la structure.</a:t>
+            </a:r>
+          </a:p>
+          <a:p>
+            <a:pPr>
+              <a:buNone/>
+            </a:pPr>
+            <a:endParaRPr lang="en-US" i="1" dirty="0" smtClean="0"/>
+          </a:p>
+          <a:p>
+            <a:pPr lvl="1">
+              <a:buNone/>
+            </a:pPr>
+            <a:r>
+              <a:rPr lang="fr-FR" dirty="0" smtClean="0">
+                <a:latin typeface="Courier New" pitchFamily="49" charset="0"/>
+                <a:cs typeface="Courier New" pitchFamily="49" charset="0"/>
+              </a:rPr>
+              <a:t>type C </a:t>
+            </a:r>
+            <a:r>
+              <a:rPr lang="fr-FR" dirty="0" err="1" smtClean="0">
+                <a:latin typeface="Courier New" pitchFamily="49" charset="0"/>
+                <a:cs typeface="Courier New" pitchFamily="49" charset="0"/>
+              </a:rPr>
+              <a:t>struct</a:t>
+            </a:r>
+            <a:r>
+              <a:rPr lang="fr-FR" dirty="0" smtClean="0">
+                <a:latin typeface="Courier New" pitchFamily="49" charset="0"/>
+                <a:cs typeface="Courier New" pitchFamily="49" charset="0"/>
+              </a:rPr>
+              <a:t> {</a:t>
+            </a:r>
+          </a:p>
+          <a:p>
+            <a:pPr lvl="1">
+              <a:buNone/>
+            </a:pPr>
+            <a:r>
+              <a:rPr lang="fr-FR" dirty="0" smtClean="0">
+                <a:latin typeface="Courier New" pitchFamily="49" charset="0"/>
+                <a:cs typeface="Courier New" pitchFamily="49" charset="0"/>
+              </a:rPr>
+              <a:t>	x </a:t>
+            </a:r>
+            <a:r>
+              <a:rPr lang="fr-FR" dirty="0" smtClean="0">
+                <a:latin typeface="Courier New" pitchFamily="49" charset="0"/>
+                <a:cs typeface="Courier New" pitchFamily="49" charset="0"/>
+              </a:rPr>
+              <a:t>float64</a:t>
+            </a:r>
+          </a:p>
+          <a:p>
+            <a:pPr lvl="1">
+              <a:buNone/>
+            </a:pPr>
+            <a:r>
+              <a:rPr lang="fr-FR" dirty="0" smtClean="0">
+                <a:latin typeface="Courier New" pitchFamily="49" charset="0"/>
+                <a:cs typeface="Courier New" pitchFamily="49" charset="0"/>
+              </a:rPr>
+              <a:t>	</a:t>
+            </a:r>
+            <a:r>
+              <a:rPr lang="fr-FR" dirty="0" err="1" smtClean="0">
+                <a:latin typeface="Courier New" pitchFamily="49" charset="0"/>
+                <a:cs typeface="Courier New" pitchFamily="49" charset="0"/>
+              </a:rPr>
+              <a:t>int</a:t>
+            </a:r>
+            <a:endParaRPr lang="fr-FR" dirty="0" smtClean="0">
+              <a:latin typeface="Courier New" pitchFamily="49" charset="0"/>
+              <a:cs typeface="Courier New" pitchFamily="49" charset="0"/>
+            </a:endParaRPr>
+          </a:p>
+          <a:p>
+            <a:pPr lvl="1">
+              <a:buNone/>
+            </a:pPr>
+            <a:r>
+              <a:rPr lang="fr-FR" dirty="0" smtClean="0">
+                <a:latin typeface="Courier New" pitchFamily="49" charset="0"/>
+                <a:cs typeface="Courier New" pitchFamily="49" charset="0"/>
+              </a:rPr>
+              <a:t>	string</a:t>
+            </a:r>
+            <a:endParaRPr lang="fr-FR" dirty="0" smtClean="0">
+              <a:latin typeface="Courier New" pitchFamily="49" charset="0"/>
+              <a:cs typeface="Courier New" pitchFamily="49" charset="0"/>
+            </a:endParaRPr>
+          </a:p>
+          <a:p>
+            <a:pPr lvl="1">
+              <a:buNone/>
+            </a:pPr>
+            <a:r>
+              <a:rPr lang="fr-FR" dirty="0" smtClean="0">
+                <a:latin typeface="Courier New" pitchFamily="49" charset="0"/>
+                <a:cs typeface="Courier New" pitchFamily="49" charset="0"/>
+              </a:rPr>
+              <a:t>}</a:t>
+            </a:r>
+          </a:p>
+          <a:p>
+            <a:pPr lvl="1">
+              <a:buNone/>
+            </a:pPr>
+            <a:r>
+              <a:rPr lang="fr-FR" dirty="0" smtClean="0">
+                <a:latin typeface="Courier New" pitchFamily="49" charset="0"/>
+                <a:cs typeface="Courier New" pitchFamily="49" charset="0"/>
+              </a:rPr>
+              <a:t>c := C{3.5, 7, "</a:t>
+            </a:r>
+            <a:r>
+              <a:rPr lang="fr-FR" dirty="0" smtClean="0">
+                <a:latin typeface="Courier New" pitchFamily="49" charset="0"/>
+                <a:cs typeface="Courier New" pitchFamily="49" charset="0"/>
+              </a:rPr>
+              <a:t>bonjour"}</a:t>
+            </a:r>
+            <a:endParaRPr lang="fr-FR" dirty="0" smtClean="0">
+              <a:latin typeface="Courier New" pitchFamily="49" charset="0"/>
+              <a:cs typeface="Courier New" pitchFamily="49" charset="0"/>
+            </a:endParaRPr>
+          </a:p>
+          <a:p>
+            <a:pPr lvl="1">
+              <a:buNone/>
+            </a:pPr>
+            <a:r>
+              <a:rPr lang="fr-FR" dirty="0" err="1" smtClean="0">
+                <a:latin typeface="Courier New" pitchFamily="49" charset="0"/>
+                <a:cs typeface="Courier New" pitchFamily="49" charset="0"/>
+              </a:rPr>
+              <a:t>fmt.Println</a:t>
+            </a:r>
+            <a:r>
+              <a:rPr lang="fr-FR" dirty="0" smtClean="0">
+                <a:latin typeface="Courier New" pitchFamily="49" charset="0"/>
+                <a:cs typeface="Courier New" pitchFamily="49" charset="0"/>
+              </a:rPr>
+              <a:t>(</a:t>
+            </a:r>
+            <a:r>
+              <a:rPr lang="fr-FR" dirty="0" err="1" smtClean="0">
+                <a:latin typeface="Courier New" pitchFamily="49" charset="0"/>
+                <a:cs typeface="Courier New" pitchFamily="49" charset="0"/>
+              </a:rPr>
+              <a:t>c.x</a:t>
+            </a:r>
+            <a:r>
+              <a:rPr lang="fr-FR" dirty="0" smtClean="0">
+                <a:latin typeface="Courier New" pitchFamily="49" charset="0"/>
+                <a:cs typeface="Courier New" pitchFamily="49" charset="0"/>
+              </a:rPr>
+              <a:t>, c.int, </a:t>
+            </a:r>
+            <a:r>
+              <a:rPr lang="fr-FR" dirty="0" err="1" smtClean="0">
+                <a:latin typeface="Courier New" pitchFamily="49" charset="0"/>
+                <a:cs typeface="Courier New" pitchFamily="49" charset="0"/>
+              </a:rPr>
+              <a:t>c.string</a:t>
+            </a:r>
+            <a:r>
+              <a:rPr lang="fr-FR" dirty="0" smtClean="0">
+                <a:latin typeface="Courier New" pitchFamily="49" charset="0"/>
+                <a:cs typeface="Courier New" pitchFamily="49" charset="0"/>
+              </a:rPr>
+              <a:t>)</a:t>
+            </a:r>
+          </a:p>
+          <a:p>
+            <a:pPr lvl="1">
+              <a:buNone/>
+            </a:pPr>
+            <a:endParaRPr lang="fr-FR" dirty="0" smtClean="0">
+              <a:latin typeface="Courier New" pitchFamily="49" charset="0"/>
+              <a:cs typeface="Courier New" pitchFamily="49" charset="0"/>
+            </a:endParaRPr>
+          </a:p>
+          <a:p>
+            <a:pPr>
+              <a:buNone/>
+            </a:pPr>
+            <a:r>
+              <a:rPr lang="fr-FR" i="1" dirty="0" smtClean="0"/>
+              <a:t>Affiche 3.5 </a:t>
+            </a:r>
+            <a:r>
+              <a:rPr lang="fr-FR" i="1" dirty="0" smtClean="0"/>
+              <a:t>7 </a:t>
+            </a:r>
+            <a:r>
+              <a:rPr lang="fr-FR" i="1" dirty="0" smtClean="0"/>
+              <a:t>bonjour</a:t>
+            </a:r>
+            <a:endParaRPr lang="fr-FR" dirty="0"/>
+          </a:p>
+        </p:txBody>
+      </p:sp>
+    </p:spTree>
+  </p:cSld>
+  <p:clrMapOvr>
+    <a:masterClrMapping/>
+  </p:clrMapOvr>
+</p:sld>
+</file>
+
+<file path=ppt/slides/slide34.xml><?xml version="1.0" encoding="utf-8"?>
+<p:sld xmlns:a="http://schemas.openxmlformats.org/drawingml/2006/main" xmlns:r="http://schemas.openxmlformats.org/officeDocument/2006/relationships" xmlns:p="http://schemas.openxmlformats.org/presentationml/2006/main">
+  <p:cSld>
+    <p:spTree>
+      <p:nvGrpSpPr>
+        <p:cNvPr id="1" name=""/>
+        <p:cNvGrpSpPr/>
+        <p:nvPr/>
+      </p:nvGrpSpPr>
+      <p:grpSpPr>
+        <a:xfrm>
+          <a:off x="0" y="0"/>
+          <a:ext cx="0" cy="0"/>
+          <a:chOff x="0" y="0"/>
+          <a:chExt cx="0" cy="0"/>
+        </a:xfrm>
+      </p:grpSpPr>
+      <p:sp>
+        <p:nvSpPr>
+          <p:cNvPr id="2" name="Titre 1"/>
+          <p:cNvSpPr>
+            <a:spLocks noGrp="1"/>
+          </p:cNvSpPr>
+          <p:nvPr>
+            <p:ph type="title"/>
+          </p:nvPr>
+        </p:nvSpPr>
+        <p:spPr/>
+        <p:txBody>
+          <a:bodyPr/>
+          <a:lstStyle/>
+          <a:p>
+            <a:r>
+              <a:rPr lang="fr-FR" dirty="0" smtClean="0"/>
+              <a:t>Conflits et masquage</a:t>
+            </a:r>
+            <a:endParaRPr lang="fr-FR" dirty="0"/>
+          </a:p>
+        </p:txBody>
+      </p:sp>
+      <p:sp>
+        <p:nvSpPr>
+          <p:cNvPr id="3" name="Espace réservé du contenu 2"/>
+          <p:cNvSpPr>
+            <a:spLocks noGrp="1"/>
+          </p:cNvSpPr>
+          <p:nvPr>
+            <p:ph idx="1"/>
+          </p:nvPr>
+        </p:nvSpPr>
+        <p:spPr/>
+        <p:txBody>
+          <a:bodyPr>
+            <a:normAutofit fontScale="77500" lnSpcReduction="20000"/>
+          </a:bodyPr>
+          <a:lstStyle/>
+          <a:p>
+            <a:pPr>
+              <a:buNone/>
+            </a:pPr>
+            <a:r>
+              <a:rPr lang="en-US" i="1" dirty="0" err="1" smtClean="0"/>
+              <a:t>S’il</a:t>
+            </a:r>
+            <a:r>
+              <a:rPr lang="en-US" i="1" dirty="0" smtClean="0"/>
+              <a:t> </a:t>
+            </a:r>
+            <a:r>
+              <a:rPr lang="en-US" i="1" dirty="0" err="1" smtClean="0"/>
+              <a:t>existe</a:t>
+            </a:r>
+            <a:r>
+              <a:rPr lang="en-US" i="1" dirty="0" smtClean="0"/>
+              <a:t> </a:t>
+            </a:r>
+            <a:r>
+              <a:rPr lang="en-US" i="1" dirty="0" err="1" smtClean="0"/>
+              <a:t>deux</a:t>
+            </a:r>
+            <a:r>
+              <a:rPr lang="en-US" i="1" dirty="0" smtClean="0"/>
+              <a:t> champs avec les </a:t>
+            </a:r>
+            <a:r>
+              <a:rPr lang="en-US" i="1" dirty="0" err="1" smtClean="0"/>
+              <a:t>même</a:t>
+            </a:r>
+            <a:r>
+              <a:rPr lang="en-US" i="1" dirty="0" smtClean="0"/>
+              <a:t> </a:t>
+            </a:r>
+            <a:r>
+              <a:rPr lang="en-US" i="1" dirty="0" err="1" smtClean="0"/>
+              <a:t>noms</a:t>
+            </a:r>
+            <a:r>
+              <a:rPr lang="en-US" i="1" dirty="0" smtClean="0"/>
+              <a:t> (</a:t>
+            </a:r>
+            <a:r>
+              <a:rPr lang="en-US" i="1" dirty="0" err="1" smtClean="0"/>
+              <a:t>éventuellement</a:t>
+            </a:r>
+            <a:r>
+              <a:rPr lang="en-US" i="1" dirty="0" smtClean="0"/>
+              <a:t> </a:t>
+            </a:r>
+          </a:p>
+          <a:p>
+            <a:pPr>
+              <a:buNone/>
+            </a:pPr>
+            <a:r>
+              <a:rPr lang="en-US" i="1" dirty="0" smtClean="0"/>
+              <a:t>un nom de type </a:t>
+            </a:r>
+            <a:r>
+              <a:rPr lang="en-US" i="1" dirty="0" err="1" smtClean="0"/>
+              <a:t>dérivé</a:t>
+            </a:r>
+            <a:r>
+              <a:rPr lang="en-US" i="1" dirty="0" smtClean="0"/>
+              <a:t>), les </a:t>
+            </a:r>
+            <a:r>
+              <a:rPr lang="en-US" i="1" dirty="0" err="1" smtClean="0"/>
+              <a:t>règles</a:t>
+            </a:r>
+            <a:r>
+              <a:rPr lang="en-US" i="1" dirty="0" smtClean="0"/>
+              <a:t> </a:t>
+            </a:r>
+            <a:r>
+              <a:rPr lang="en-US" i="1" dirty="0" err="1" smtClean="0"/>
+              <a:t>suivantes</a:t>
+            </a:r>
+            <a:r>
+              <a:rPr lang="en-US" i="1" dirty="0" smtClean="0"/>
+              <a:t> </a:t>
+            </a:r>
+            <a:r>
+              <a:rPr lang="en-US" i="1" dirty="0" err="1" smtClean="0"/>
+              <a:t>s’appliquent</a:t>
+            </a:r>
+            <a:r>
+              <a:rPr lang="en-US" i="1" dirty="0" smtClean="0"/>
+              <a:t> : </a:t>
+            </a:r>
+          </a:p>
+          <a:p>
+            <a:pPr>
+              <a:buNone/>
+            </a:pPr>
+            <a:endParaRPr lang="en-US" i="1" dirty="0" smtClean="0"/>
+          </a:p>
+          <a:p>
+            <a:pPr marL="514350" indent="-514350">
+              <a:buAutoNum type="arabicParenR"/>
+            </a:pPr>
+            <a:r>
+              <a:rPr lang="fr-FR" i="1" dirty="0" smtClean="0"/>
+              <a:t>Un champ externe masque un champs interne. Ceci fournit une façon de surcharger un champs ou une méthode.</a:t>
+            </a:r>
+          </a:p>
+          <a:p>
+            <a:pPr marL="514350" indent="-514350">
+              <a:buAutoNum type="arabicParenR"/>
+            </a:pPr>
+            <a:endParaRPr lang="en-US" i="1" dirty="0" smtClean="0"/>
+          </a:p>
+          <a:p>
+            <a:pPr>
+              <a:buNone/>
+            </a:pPr>
+            <a:r>
+              <a:rPr lang="en-US" i="1" dirty="0" smtClean="0"/>
+              <a:t>2) </a:t>
+            </a:r>
+            <a:r>
+              <a:rPr lang="en-US" i="1" dirty="0" smtClean="0"/>
+              <a:t>	   Si le </a:t>
+            </a:r>
+            <a:r>
+              <a:rPr lang="en-US" i="1" dirty="0" err="1" smtClean="0"/>
+              <a:t>même</a:t>
+            </a:r>
+            <a:r>
+              <a:rPr lang="en-US" i="1" dirty="0" smtClean="0"/>
+              <a:t> nom </a:t>
+            </a:r>
+            <a:r>
+              <a:rPr lang="en-US" i="1" dirty="0" err="1" smtClean="0"/>
+              <a:t>apparait</a:t>
+            </a:r>
+            <a:r>
+              <a:rPr lang="en-US" i="1" dirty="0" smtClean="0"/>
+              <a:t> </a:t>
+            </a:r>
+            <a:r>
+              <a:rPr lang="en-US" i="1" dirty="0" err="1" smtClean="0"/>
+              <a:t>deux</a:t>
+            </a:r>
+            <a:r>
+              <a:rPr lang="en-US" i="1" dirty="0" smtClean="0"/>
+              <a:t> </a:t>
+            </a:r>
+            <a:r>
+              <a:rPr lang="en-US" i="1" dirty="0" err="1" smtClean="0"/>
+              <a:t>fois</a:t>
+            </a:r>
+            <a:r>
+              <a:rPr lang="en-US" i="1" dirty="0" smtClean="0"/>
+              <a:t> à un </a:t>
+            </a:r>
+            <a:r>
+              <a:rPr lang="en-US" i="1" dirty="0" err="1" smtClean="0"/>
+              <a:t>même</a:t>
+            </a:r>
+            <a:r>
+              <a:rPr lang="en-US" i="1" dirty="0" smtClean="0"/>
+              <a:t> </a:t>
+            </a:r>
+            <a:r>
+              <a:rPr lang="en-US" i="1" dirty="0" err="1" smtClean="0"/>
+              <a:t>niveau</a:t>
+            </a:r>
+            <a:r>
+              <a:rPr lang="en-US" i="1" dirty="0" smtClean="0"/>
+              <a:t>, </a:t>
+            </a:r>
+            <a:r>
+              <a:rPr lang="en-US" i="1" dirty="0" err="1" smtClean="0"/>
+              <a:t>c’est</a:t>
+            </a:r>
+            <a:r>
+              <a:rPr lang="en-US" i="1" dirty="0" smtClean="0"/>
+              <a:t> </a:t>
+            </a:r>
+            <a:r>
+              <a:rPr lang="en-US" i="1" dirty="0" err="1" smtClean="0"/>
+              <a:t>une</a:t>
+            </a:r>
+            <a:r>
+              <a:rPr lang="en-US" i="1" dirty="0" smtClean="0"/>
+              <a:t> </a:t>
+            </a:r>
+            <a:r>
+              <a:rPr lang="en-US" i="1" dirty="0" err="1" smtClean="0"/>
+              <a:t>erreur</a:t>
+            </a:r>
+            <a:r>
+              <a:rPr lang="en-US" i="1" dirty="0" smtClean="0"/>
+              <a:t> </a:t>
+            </a:r>
+            <a:r>
+              <a:rPr lang="en-US" i="1" dirty="0" err="1" smtClean="0"/>
+              <a:t>si</a:t>
+            </a:r>
+            <a:r>
+              <a:rPr lang="en-US" i="1" dirty="0" smtClean="0"/>
+              <a:t> le nom </a:t>
+            </a:r>
+            <a:r>
+              <a:rPr lang="en-US" i="1" dirty="0" err="1" smtClean="0"/>
+              <a:t>est</a:t>
+            </a:r>
+            <a:r>
+              <a:rPr lang="en-US" i="1" dirty="0" smtClean="0"/>
+              <a:t> </a:t>
+            </a:r>
+            <a:r>
+              <a:rPr lang="en-US" i="1" dirty="0" err="1" smtClean="0"/>
+              <a:t>utilisé</a:t>
+            </a:r>
+            <a:r>
+              <a:rPr lang="en-US" i="1" dirty="0" smtClean="0"/>
+              <a:t> par le </a:t>
+            </a:r>
+            <a:r>
+              <a:rPr lang="en-US" i="1" dirty="0" err="1" smtClean="0"/>
+              <a:t>programme</a:t>
+            </a:r>
+            <a:r>
+              <a:rPr lang="en-US" i="1" dirty="0" smtClean="0"/>
+              <a:t>. (</a:t>
+            </a:r>
+            <a:r>
+              <a:rPr lang="en-US" i="1" dirty="0" err="1" smtClean="0"/>
+              <a:t>si</a:t>
+            </a:r>
+            <a:r>
+              <a:rPr lang="en-US" i="1" dirty="0" smtClean="0"/>
+              <a:t> pas </a:t>
+            </a:r>
+            <a:r>
+              <a:rPr lang="en-US" i="1" dirty="0" err="1" smtClean="0"/>
+              <a:t>utilisé</a:t>
+            </a:r>
+            <a:r>
+              <a:rPr lang="en-US" i="1" dirty="0" smtClean="0"/>
+              <a:t>, pas de </a:t>
+            </a:r>
+            <a:r>
+              <a:rPr lang="en-US" i="1" dirty="0" err="1" smtClean="0"/>
+              <a:t>problème</a:t>
+            </a:r>
+            <a:r>
+              <a:rPr lang="en-US" i="1" dirty="0" smtClean="0"/>
+              <a:t>).</a:t>
+            </a:r>
+          </a:p>
+          <a:p>
+            <a:pPr>
+              <a:buNone/>
+            </a:pPr>
+            <a:endParaRPr lang="en-US" i="1" dirty="0" smtClean="0"/>
+          </a:p>
+          <a:p>
+            <a:pPr>
+              <a:buNone/>
+            </a:pPr>
+            <a:r>
+              <a:rPr lang="en-US" i="1" dirty="0" smtClean="0"/>
+              <a:t>Pas de </a:t>
+            </a:r>
+            <a:r>
+              <a:rPr lang="en-US" i="1" dirty="0" err="1" smtClean="0"/>
+              <a:t>règles</a:t>
+            </a:r>
+            <a:r>
+              <a:rPr lang="en-US" i="1" dirty="0" smtClean="0"/>
+              <a:t> pour </a:t>
+            </a:r>
+            <a:r>
+              <a:rPr lang="en-US" i="1" dirty="0" err="1" smtClean="0"/>
+              <a:t>résoudre</a:t>
+            </a:r>
+            <a:r>
+              <a:rPr lang="en-US" i="1" dirty="0" smtClean="0"/>
+              <a:t> les </a:t>
+            </a:r>
+            <a:r>
+              <a:rPr lang="en-US" i="1" dirty="0" err="1" smtClean="0"/>
+              <a:t>ambiguïtés</a:t>
+            </a:r>
+            <a:r>
+              <a:rPr lang="en-US" i="1" dirty="0" smtClean="0"/>
+              <a:t>; </a:t>
+            </a:r>
+            <a:r>
+              <a:rPr lang="en-US" i="1" dirty="0" err="1" smtClean="0"/>
+              <a:t>doit</a:t>
+            </a:r>
+            <a:r>
+              <a:rPr lang="en-US" i="1" dirty="0" smtClean="0"/>
+              <a:t> </a:t>
+            </a:r>
+            <a:r>
+              <a:rPr lang="en-US" i="1" dirty="0" err="1" smtClean="0"/>
+              <a:t>être</a:t>
+            </a:r>
+            <a:r>
+              <a:rPr lang="en-US" i="1" dirty="0" smtClean="0"/>
+              <a:t> </a:t>
+            </a:r>
+          </a:p>
+          <a:p>
+            <a:pPr>
+              <a:buNone/>
+            </a:pPr>
+            <a:r>
+              <a:rPr lang="en-US" i="1" dirty="0" err="1" smtClean="0"/>
+              <a:t>corrigé</a:t>
+            </a:r>
+            <a:r>
+              <a:rPr lang="en-US" i="1" dirty="0" smtClean="0"/>
+              <a:t> par le </a:t>
+            </a:r>
+            <a:r>
+              <a:rPr lang="en-US" i="1" dirty="0" err="1" smtClean="0"/>
+              <a:t>programmeur</a:t>
+            </a:r>
+            <a:r>
+              <a:rPr lang="en-US" i="1" dirty="0" smtClean="0"/>
+              <a:t>. </a:t>
+            </a:r>
+            <a:endParaRPr lang="en-US" i="1" dirty="0" smtClean="0"/>
+          </a:p>
+        </p:txBody>
+      </p:sp>
+    </p:spTree>
+  </p:cSld>
+  <p:clrMapOvr>
+    <a:masterClrMapping/>
+  </p:clrMapOvr>
+</p:sld>
+</file>
+
+<file path=ppt/slides/slide35.xml><?xml version="1.0" encoding="utf-8"?>
+<p:sld xmlns:a="http://schemas.openxmlformats.org/drawingml/2006/main" xmlns:r="http://schemas.openxmlformats.org/officeDocument/2006/relationships" xmlns:p="http://schemas.openxmlformats.org/presentationml/2006/main">
+  <p:cSld>
+    <p:spTree>
+      <p:nvGrpSpPr>
+        <p:cNvPr id="1" name=""/>
+        <p:cNvGrpSpPr/>
+        <p:nvPr/>
+      </p:nvGrpSpPr>
+      <p:grpSpPr>
+        <a:xfrm>
+          <a:off x="0" y="0"/>
+          <a:ext cx="0" cy="0"/>
+          <a:chOff x="0" y="0"/>
+          <a:chExt cx="0" cy="0"/>
+        </a:xfrm>
+      </p:grpSpPr>
+      <p:sp>
+        <p:nvSpPr>
+          <p:cNvPr id="2" name="Titre 1"/>
+          <p:cNvSpPr>
+            <a:spLocks noGrp="1"/>
+          </p:cNvSpPr>
+          <p:nvPr>
+            <p:ph type="title"/>
+          </p:nvPr>
+        </p:nvSpPr>
+        <p:spPr/>
+        <p:txBody>
+          <a:bodyPr/>
+          <a:lstStyle/>
+          <a:p>
+            <a:r>
+              <a:rPr lang="fr-FR" dirty="0" smtClean="0"/>
+              <a:t>Exemples de conflits</a:t>
+            </a:r>
+            <a:endParaRPr lang="fr-FR" dirty="0"/>
+          </a:p>
+        </p:txBody>
+      </p:sp>
+      <p:sp>
+        <p:nvSpPr>
+          <p:cNvPr id="3" name="Espace réservé du contenu 2"/>
+          <p:cNvSpPr>
+            <a:spLocks noGrp="1"/>
+          </p:cNvSpPr>
+          <p:nvPr>
+            <p:ph idx="1"/>
+          </p:nvPr>
+        </p:nvSpPr>
+        <p:spPr/>
+        <p:txBody>
+          <a:bodyPr>
+            <a:normAutofit fontScale="92500" lnSpcReduction="20000"/>
+          </a:bodyPr>
+          <a:lstStyle/>
+          <a:p>
+            <a:pPr lvl="1">
+              <a:buNone/>
+            </a:pPr>
+            <a:r>
+              <a:rPr lang="en-US" dirty="0" smtClean="0">
+                <a:latin typeface="Courier New" pitchFamily="49" charset="0"/>
+                <a:cs typeface="Courier New" pitchFamily="49" charset="0"/>
+              </a:rPr>
+              <a:t>type A </a:t>
+            </a:r>
+            <a:r>
+              <a:rPr lang="en-US" dirty="0" err="1" smtClean="0">
+                <a:latin typeface="Courier New" pitchFamily="49" charset="0"/>
+                <a:cs typeface="Courier New" pitchFamily="49" charset="0"/>
+              </a:rPr>
+              <a:t>struct</a:t>
+            </a:r>
+            <a:r>
+              <a:rPr lang="en-US" dirty="0" smtClean="0">
+                <a:latin typeface="Courier New" pitchFamily="49" charset="0"/>
+                <a:cs typeface="Courier New" pitchFamily="49" charset="0"/>
+              </a:rPr>
+              <a:t> { a </a:t>
+            </a:r>
+            <a:r>
+              <a:rPr lang="en-US" dirty="0" err="1" smtClean="0">
+                <a:latin typeface="Courier New" pitchFamily="49" charset="0"/>
+                <a:cs typeface="Courier New" pitchFamily="49" charset="0"/>
+              </a:rPr>
+              <a:t>int</a:t>
+            </a:r>
+            <a:r>
+              <a:rPr lang="en-US" dirty="0" smtClean="0">
+                <a:latin typeface="Courier New" pitchFamily="49" charset="0"/>
+                <a:cs typeface="Courier New" pitchFamily="49" charset="0"/>
+              </a:rPr>
+              <a:t> }</a:t>
+            </a:r>
+          </a:p>
+          <a:p>
+            <a:pPr lvl="1">
+              <a:buNone/>
+            </a:pPr>
+            <a:r>
+              <a:rPr lang="en-US" dirty="0" smtClean="0">
+                <a:latin typeface="Courier New" pitchFamily="49" charset="0"/>
+                <a:cs typeface="Courier New" pitchFamily="49" charset="0"/>
+              </a:rPr>
+              <a:t>type B </a:t>
+            </a:r>
+            <a:r>
+              <a:rPr lang="en-US" dirty="0" err="1" smtClean="0">
+                <a:latin typeface="Courier New" pitchFamily="49" charset="0"/>
+                <a:cs typeface="Courier New" pitchFamily="49" charset="0"/>
+              </a:rPr>
+              <a:t>struct</a:t>
+            </a:r>
+            <a:r>
+              <a:rPr lang="en-US" dirty="0" smtClean="0">
+                <a:latin typeface="Courier New" pitchFamily="49" charset="0"/>
+                <a:cs typeface="Courier New" pitchFamily="49" charset="0"/>
+              </a:rPr>
+              <a:t> { a, b </a:t>
+            </a:r>
+            <a:r>
+              <a:rPr lang="en-US" dirty="0" err="1" smtClean="0">
+                <a:latin typeface="Courier New" pitchFamily="49" charset="0"/>
+                <a:cs typeface="Courier New" pitchFamily="49" charset="0"/>
+              </a:rPr>
+              <a:t>int</a:t>
+            </a:r>
+            <a:r>
+              <a:rPr lang="en-US" dirty="0" smtClean="0">
+                <a:latin typeface="Courier New" pitchFamily="49" charset="0"/>
+                <a:cs typeface="Courier New" pitchFamily="49" charset="0"/>
+              </a:rPr>
+              <a:t> }</a:t>
+            </a:r>
+          </a:p>
+          <a:p>
+            <a:pPr lvl="1">
+              <a:buNone/>
+            </a:pPr>
+            <a:r>
+              <a:rPr lang="en-US" dirty="0" smtClean="0">
+                <a:latin typeface="Courier New" pitchFamily="49" charset="0"/>
+                <a:cs typeface="Courier New" pitchFamily="49" charset="0"/>
+              </a:rPr>
+              <a:t>type C </a:t>
+            </a:r>
+            <a:r>
+              <a:rPr lang="en-US" dirty="0" err="1" smtClean="0">
+                <a:latin typeface="Courier New" pitchFamily="49" charset="0"/>
+                <a:cs typeface="Courier New" pitchFamily="49" charset="0"/>
+              </a:rPr>
+              <a:t>struct</a:t>
+            </a:r>
+            <a:r>
+              <a:rPr lang="en-US" dirty="0" smtClean="0">
+                <a:latin typeface="Courier New" pitchFamily="49" charset="0"/>
+                <a:cs typeface="Courier New" pitchFamily="49" charset="0"/>
+              </a:rPr>
+              <a:t> { A; B }</a:t>
+            </a:r>
+          </a:p>
+          <a:p>
+            <a:pPr lvl="1">
+              <a:buNone/>
+            </a:pPr>
+            <a:r>
+              <a:rPr lang="fr-FR" dirty="0" smtClean="0">
+                <a:latin typeface="Courier New" pitchFamily="49" charset="0"/>
+                <a:cs typeface="Courier New" pitchFamily="49" charset="0"/>
+              </a:rPr>
+              <a:t>var c C</a:t>
+            </a:r>
+          </a:p>
+          <a:p>
+            <a:pPr>
+              <a:buNone/>
+            </a:pPr>
+            <a:r>
+              <a:rPr lang="en-US" i="1" dirty="0" err="1" smtClean="0"/>
+              <a:t>Utiliser</a:t>
+            </a:r>
+            <a:r>
+              <a:rPr lang="en-US" i="1" dirty="0" smtClean="0"/>
+              <a:t> </a:t>
+            </a:r>
+            <a:r>
+              <a:rPr lang="en-US" i="1" dirty="0" err="1" smtClean="0">
+                <a:latin typeface="Courier New" pitchFamily="49" charset="0"/>
+                <a:cs typeface="Courier New" pitchFamily="49" charset="0"/>
+              </a:rPr>
+              <a:t>c.a</a:t>
+            </a:r>
+            <a:r>
+              <a:rPr lang="en-US" i="1" dirty="0" smtClean="0"/>
+              <a:t> </a:t>
+            </a:r>
+            <a:r>
+              <a:rPr lang="en-US" i="1" dirty="0" err="1" smtClean="0"/>
+              <a:t>est</a:t>
+            </a:r>
+            <a:r>
+              <a:rPr lang="en-US" i="1" dirty="0" smtClean="0"/>
+              <a:t> </a:t>
+            </a:r>
+            <a:r>
+              <a:rPr lang="en-US" i="1" dirty="0" err="1" smtClean="0"/>
+              <a:t>une</a:t>
+            </a:r>
+            <a:r>
+              <a:rPr lang="en-US" i="1" dirty="0" smtClean="0"/>
+              <a:t> </a:t>
+            </a:r>
+            <a:r>
+              <a:rPr lang="en-US" i="1" dirty="0" err="1" smtClean="0"/>
+              <a:t>erreur</a:t>
+            </a:r>
+            <a:r>
+              <a:rPr lang="en-US" i="1" dirty="0" smtClean="0"/>
+              <a:t>: </a:t>
+            </a:r>
+            <a:r>
+              <a:rPr lang="en-US" i="1" dirty="0" err="1" smtClean="0"/>
+              <a:t>est-ce</a:t>
+            </a:r>
+            <a:r>
+              <a:rPr lang="en-US" i="1" dirty="0" smtClean="0"/>
+              <a:t> </a:t>
+            </a:r>
+            <a:r>
+              <a:rPr lang="en-US" i="1" dirty="0" err="1" smtClean="0">
+                <a:latin typeface="Courier New" pitchFamily="49" charset="0"/>
+                <a:cs typeface="Courier New" pitchFamily="49" charset="0"/>
+              </a:rPr>
+              <a:t>c.A.a</a:t>
+            </a:r>
+            <a:r>
+              <a:rPr lang="en-US" i="1" dirty="0" smtClean="0"/>
+              <a:t> </a:t>
+            </a:r>
+            <a:r>
+              <a:rPr lang="en-US" i="1" dirty="0" err="1" smtClean="0"/>
+              <a:t>ou</a:t>
+            </a:r>
+            <a:r>
+              <a:rPr lang="en-US" i="1" dirty="0" smtClean="0"/>
+              <a:t> </a:t>
+            </a:r>
+            <a:r>
+              <a:rPr lang="en-US" i="1" dirty="0" err="1" smtClean="0">
+                <a:latin typeface="Courier New" pitchFamily="49" charset="0"/>
+                <a:cs typeface="Courier New" pitchFamily="49" charset="0"/>
+              </a:rPr>
+              <a:t>c.B.a</a:t>
+            </a:r>
+            <a:r>
+              <a:rPr lang="en-US" i="1" dirty="0" smtClean="0"/>
+              <a:t>?</a:t>
+            </a:r>
+          </a:p>
+          <a:p>
+            <a:pPr lvl="1">
+              <a:buNone/>
+            </a:pPr>
+            <a:r>
+              <a:rPr lang="en-US" dirty="0" smtClean="0">
+                <a:latin typeface="Courier New" pitchFamily="49" charset="0"/>
+                <a:cs typeface="Courier New" pitchFamily="49" charset="0"/>
+              </a:rPr>
+              <a:t>type D </a:t>
+            </a:r>
+            <a:r>
+              <a:rPr lang="en-US" dirty="0" err="1" smtClean="0">
+                <a:latin typeface="Courier New" pitchFamily="49" charset="0"/>
+                <a:cs typeface="Courier New" pitchFamily="49" charset="0"/>
+              </a:rPr>
+              <a:t>struct</a:t>
+            </a:r>
+            <a:r>
+              <a:rPr lang="en-US" dirty="0" smtClean="0">
+                <a:latin typeface="Courier New" pitchFamily="49" charset="0"/>
+                <a:cs typeface="Courier New" pitchFamily="49" charset="0"/>
+              </a:rPr>
+              <a:t> { B; b float64 }</a:t>
+            </a:r>
+          </a:p>
+          <a:p>
+            <a:pPr lvl="1">
+              <a:buNone/>
+            </a:pPr>
+            <a:r>
+              <a:rPr lang="fr-FR" dirty="0" smtClean="0">
+                <a:latin typeface="Courier New" pitchFamily="49" charset="0"/>
+                <a:cs typeface="Courier New" pitchFamily="49" charset="0"/>
+              </a:rPr>
+              <a:t>var d D</a:t>
+            </a:r>
+          </a:p>
+          <a:p>
+            <a:pPr>
+              <a:buNone/>
+            </a:pPr>
+            <a:r>
+              <a:rPr lang="en-US" i="1" dirty="0" err="1" smtClean="0"/>
+              <a:t>Utiliser</a:t>
+            </a:r>
+            <a:r>
+              <a:rPr lang="en-US" i="1" dirty="0" smtClean="0"/>
+              <a:t>   </a:t>
+            </a:r>
+            <a:r>
+              <a:rPr lang="en-US" i="1" dirty="0" err="1" smtClean="0">
+                <a:latin typeface="Courier New" pitchFamily="49" charset="0"/>
+                <a:cs typeface="Courier New" pitchFamily="49" charset="0"/>
+              </a:rPr>
+              <a:t>d.b</a:t>
+            </a:r>
+            <a:r>
+              <a:rPr lang="en-US" i="1" dirty="0" smtClean="0"/>
+              <a:t> </a:t>
+            </a:r>
+            <a:r>
+              <a:rPr lang="en-US" i="1" dirty="0" err="1" smtClean="0"/>
+              <a:t>est</a:t>
+            </a:r>
+            <a:r>
+              <a:rPr lang="en-US" i="1" dirty="0" smtClean="0"/>
+              <a:t> OK</a:t>
+            </a:r>
+            <a:r>
+              <a:rPr lang="en-US" i="1" dirty="0" smtClean="0"/>
+              <a:t>: </a:t>
+            </a:r>
+            <a:r>
+              <a:rPr lang="en-US" i="1" dirty="0" err="1" smtClean="0"/>
+              <a:t>il</a:t>
+            </a:r>
+            <a:r>
+              <a:rPr lang="en-US" i="1" dirty="0" smtClean="0"/>
+              <a:t> </a:t>
+            </a:r>
+            <a:r>
+              <a:rPr lang="en-US" i="1" dirty="0" err="1" smtClean="0"/>
+              <a:t>s’agit</a:t>
+            </a:r>
+            <a:r>
+              <a:rPr lang="en-US" i="1" dirty="0" smtClean="0"/>
+              <a:t> de </a:t>
+            </a:r>
+            <a:r>
+              <a:rPr lang="en-US" i="1" dirty="0" smtClean="0">
+                <a:latin typeface="Courier New" pitchFamily="49" charset="0"/>
+                <a:cs typeface="Courier New" pitchFamily="49" charset="0"/>
+              </a:rPr>
+              <a:t>float64</a:t>
+            </a:r>
+            <a:r>
+              <a:rPr lang="en-US" i="1" dirty="0" smtClean="0"/>
+              <a:t>, </a:t>
+            </a:r>
+            <a:r>
+              <a:rPr lang="en-US" i="1" dirty="0" smtClean="0"/>
+              <a:t>et non de </a:t>
+            </a:r>
+            <a:r>
+              <a:rPr lang="en-US" i="1" dirty="0" err="1" smtClean="0">
+                <a:latin typeface="Courier New" pitchFamily="49" charset="0"/>
+                <a:cs typeface="Courier New" pitchFamily="49" charset="0"/>
+              </a:rPr>
+              <a:t>d.B.b</a:t>
+            </a:r>
+            <a:endParaRPr lang="en-US" i="1" dirty="0" smtClean="0">
+              <a:latin typeface="Courier New" pitchFamily="49" charset="0"/>
+              <a:cs typeface="Courier New" pitchFamily="49" charset="0"/>
+            </a:endParaRPr>
+          </a:p>
+          <a:p>
+            <a:pPr>
+              <a:buNone/>
+            </a:pPr>
+            <a:r>
+              <a:rPr lang="en-US" i="1" dirty="0" smtClean="0"/>
+              <a:t>On </a:t>
+            </a:r>
+            <a:r>
+              <a:rPr lang="en-US" i="1" dirty="0" err="1" smtClean="0"/>
+              <a:t>peut</a:t>
+            </a:r>
+            <a:r>
+              <a:rPr lang="en-US" i="1" dirty="0" smtClean="0"/>
+              <a:t> </a:t>
+            </a:r>
+            <a:r>
+              <a:rPr lang="en-US" i="1" dirty="0" err="1" smtClean="0"/>
+              <a:t>accéder</a:t>
+            </a:r>
+            <a:r>
+              <a:rPr lang="en-US" i="1" dirty="0" smtClean="0"/>
+              <a:t> à </a:t>
+            </a:r>
+            <a:r>
+              <a:rPr lang="en-US" i="1" dirty="0" smtClean="0">
+                <a:latin typeface="Courier New" pitchFamily="49" charset="0"/>
+                <a:cs typeface="Courier New" pitchFamily="49" charset="0"/>
+              </a:rPr>
+              <a:t>b</a:t>
+            </a:r>
+            <a:r>
+              <a:rPr lang="en-US" i="1" dirty="0" smtClean="0"/>
+              <a:t> via   </a:t>
+            </a:r>
+            <a:r>
+              <a:rPr lang="en-US" i="1" dirty="0" err="1" smtClean="0">
+                <a:latin typeface="Courier New" pitchFamily="49" charset="0"/>
+                <a:cs typeface="Courier New" pitchFamily="49" charset="0"/>
+              </a:rPr>
+              <a:t>D</a:t>
+            </a:r>
+            <a:r>
+              <a:rPr lang="en-US" i="1" dirty="0" err="1" smtClean="0">
+                <a:latin typeface="Courier New" pitchFamily="49" charset="0"/>
+                <a:cs typeface="Courier New" pitchFamily="49" charset="0"/>
+              </a:rPr>
+              <a:t>.B.b</a:t>
+            </a:r>
+            <a:r>
+              <a:rPr lang="en-US" i="1" dirty="0" smtClean="0"/>
+              <a:t>.</a:t>
+            </a:r>
+            <a:endParaRPr lang="fr-FR" dirty="0"/>
+          </a:p>
+        </p:txBody>
+      </p:sp>
+    </p:spTree>
+  </p:cSld>
+  <p:clrMapOvr>
+    <a:masterClrMapping/>
+  </p:clrMapOvr>
+</p:sld>
+</file>
+
+<file path=ppt/slides/slide36.xml><?xml version="1.0" encoding="utf-8"?>
+<p:sld xmlns:a="http://schemas.openxmlformats.org/drawingml/2006/main" xmlns:r="http://schemas.openxmlformats.org/officeDocument/2006/relationships" xmlns:p="http://schemas.openxmlformats.org/presentationml/2006/main">
+  <p:cSld>
+    <p:spTree>
+      <p:nvGrpSpPr>
+        <p:cNvPr id="1" name=""/>
+        <p:cNvGrpSpPr/>
+        <p:nvPr/>
+      </p:nvGrpSpPr>
+      <p:grpSpPr>
+        <a:xfrm>
+          <a:off x="0" y="0"/>
+          <a:ext cx="0" cy="0"/>
+          <a:chOff x="0" y="0"/>
+          <a:chExt cx="0" cy="0"/>
+        </a:xfrm>
+      </p:grpSpPr>
+      <p:sp>
+        <p:nvSpPr>
+          <p:cNvPr id="2" name="Titre 1"/>
+          <p:cNvSpPr>
+            <a:spLocks noGrp="1"/>
+          </p:cNvSpPr>
+          <p:nvPr>
+            <p:ph type="title"/>
+          </p:nvPr>
+        </p:nvSpPr>
+        <p:spPr/>
+        <p:txBody>
+          <a:bodyPr/>
+          <a:lstStyle/>
+          <a:p>
+            <a:r>
+              <a:rPr lang="fr-FR" dirty="0" smtClean="0"/>
+              <a:t>Méthodes</a:t>
+            </a:r>
+            <a:endParaRPr lang="fr-FR" dirty="0"/>
+          </a:p>
+        </p:txBody>
+      </p:sp>
+      <p:pic>
+        <p:nvPicPr>
+          <p:cNvPr id="4" name="Picture 3"/>
+          <p:cNvPicPr>
+            <a:picLocks noChangeAspect="1" noChangeArrowheads="1"/>
+          </p:cNvPicPr>
+          <p:nvPr/>
+        </p:nvPicPr>
+        <p:blipFill>
+          <a:blip r:embed="rId2" cstate="print"/>
+          <a:srcRect/>
+          <a:stretch>
+            <a:fillRect/>
+          </a:stretch>
+        </p:blipFill>
+        <p:spPr bwMode="auto">
+          <a:xfrm>
+            <a:off x="683568" y="1772816"/>
+            <a:ext cx="7667625" cy="4371975"/>
+          </a:xfrm>
+          <a:prstGeom prst="rect">
+            <a:avLst/>
+          </a:prstGeom>
+          <a:noFill/>
+          <a:ln w="9525">
+            <a:noFill/>
+            <a:miter lim="800000"/>
+            <a:headEnd/>
+            <a:tailEnd/>
+          </a:ln>
+        </p:spPr>
+      </p:pic>
+    </p:spTree>
+  </p:cSld>
+  <p:clrMapOvr>
+    <a:masterClrMapping/>
+  </p:clrMapOvr>
+</p:sld>
+</file>
+
+<file path=ppt/slides/slide37.xml><?xml version="1.0" encoding="utf-8"?>
+<p:sld xmlns:a="http://schemas.openxmlformats.org/drawingml/2006/main" xmlns:r="http://schemas.openxmlformats.org/officeDocument/2006/relationships" xmlns:p="http://schemas.openxmlformats.org/presentationml/2006/main">
+  <p:cSld>
+    <p:spTree>
+      <p:nvGrpSpPr>
+        <p:cNvPr id="1" name=""/>
+        <p:cNvGrpSpPr/>
+        <p:nvPr/>
+      </p:nvGrpSpPr>
+      <p:grpSpPr>
+        <a:xfrm>
+          <a:off x="0" y="0"/>
+          <a:ext cx="0" cy="0"/>
+          <a:chOff x="0" y="0"/>
+          <a:chExt cx="0" cy="0"/>
+        </a:xfrm>
+      </p:grpSpPr>
+      <p:sp>
+        <p:nvSpPr>
+          <p:cNvPr id="2" name="Titre 1"/>
+          <p:cNvSpPr>
+            <a:spLocks noGrp="1"/>
+          </p:cNvSpPr>
+          <p:nvPr>
+            <p:ph type="title"/>
+          </p:nvPr>
+        </p:nvSpPr>
+        <p:spPr/>
+        <p:txBody>
+          <a:bodyPr/>
+          <a:lstStyle/>
+          <a:p>
+            <a:r>
+              <a:rPr lang="fr-FR" dirty="0" smtClean="0"/>
+              <a:t>Méthodes sur les structures</a:t>
+            </a:r>
+            <a:endParaRPr lang="fr-FR" dirty="0"/>
+          </a:p>
+        </p:txBody>
+      </p:sp>
+      <p:sp>
+        <p:nvSpPr>
+          <p:cNvPr id="3" name="Espace réservé du contenu 2"/>
+          <p:cNvSpPr>
+            <a:spLocks noGrp="1"/>
+          </p:cNvSpPr>
+          <p:nvPr>
+            <p:ph idx="1"/>
+          </p:nvPr>
+        </p:nvSpPr>
+        <p:spPr/>
+        <p:txBody>
+          <a:bodyPr>
+            <a:normAutofit fontScale="70000" lnSpcReduction="20000"/>
+          </a:bodyPr>
+          <a:lstStyle/>
+          <a:p>
+            <a:pPr>
+              <a:buNone/>
+            </a:pPr>
+            <a:r>
+              <a:rPr lang="en-US" b="1" i="1" dirty="0" smtClean="0"/>
+              <a:t>Go</a:t>
+            </a:r>
+            <a:r>
+              <a:rPr lang="en-US" i="1" dirty="0" smtClean="0"/>
+              <a:t> </a:t>
+            </a:r>
+            <a:r>
+              <a:rPr lang="en-US" i="1" dirty="0" smtClean="0"/>
+              <a:t>ne </a:t>
+            </a:r>
+            <a:r>
+              <a:rPr lang="en-US" i="1" dirty="0" err="1" smtClean="0"/>
+              <a:t>possède</a:t>
+            </a:r>
+            <a:r>
+              <a:rPr lang="en-US" i="1" dirty="0" smtClean="0"/>
+              <a:t> pas de classes, </a:t>
+            </a:r>
+            <a:r>
+              <a:rPr lang="en-US" i="1" dirty="0" err="1" smtClean="0"/>
+              <a:t>mais</a:t>
+            </a:r>
+            <a:r>
+              <a:rPr lang="en-US" i="1" dirty="0" smtClean="0"/>
+              <a:t> </a:t>
+            </a:r>
+            <a:r>
+              <a:rPr lang="en-US" i="1" dirty="0" err="1" smtClean="0"/>
+              <a:t>vous</a:t>
+            </a:r>
+            <a:r>
+              <a:rPr lang="en-US" i="1" dirty="0" smtClean="0"/>
+              <a:t> </a:t>
+            </a:r>
+            <a:r>
+              <a:rPr lang="en-US" i="1" dirty="0" err="1" smtClean="0"/>
+              <a:t>pouvez</a:t>
+            </a:r>
+            <a:r>
+              <a:rPr lang="en-US" i="1" dirty="0" smtClean="0"/>
+              <a:t> </a:t>
+            </a:r>
+            <a:r>
+              <a:rPr lang="en-US" i="1" dirty="0" err="1" smtClean="0"/>
+              <a:t>attacher</a:t>
+            </a:r>
+            <a:r>
+              <a:rPr lang="en-US" i="1" dirty="0" smtClean="0"/>
+              <a:t> </a:t>
+            </a:r>
+          </a:p>
+          <a:p>
+            <a:pPr>
+              <a:buNone/>
+            </a:pPr>
+            <a:r>
+              <a:rPr lang="en-US" i="1" dirty="0" smtClean="0"/>
+              <a:t>des </a:t>
+            </a:r>
+            <a:r>
+              <a:rPr lang="en-US" i="1" dirty="0" err="1" smtClean="0"/>
+              <a:t>méthodes</a:t>
+            </a:r>
+            <a:r>
+              <a:rPr lang="en-US" i="1" dirty="0" smtClean="0"/>
+              <a:t> à </a:t>
+            </a:r>
+            <a:r>
+              <a:rPr lang="en-US" i="1" dirty="0" err="1" smtClean="0"/>
+              <a:t>n’importe</a:t>
+            </a:r>
+            <a:r>
+              <a:rPr lang="en-US" i="1" dirty="0" smtClean="0"/>
+              <a:t> </a:t>
+            </a:r>
+            <a:r>
+              <a:rPr lang="en-US" i="1" dirty="0" err="1" smtClean="0"/>
+              <a:t>quel</a:t>
+            </a:r>
+            <a:r>
+              <a:rPr lang="en-US" i="1" dirty="0" smtClean="0"/>
+              <a:t> type. Les </a:t>
+            </a:r>
+            <a:r>
+              <a:rPr lang="en-US" i="1" dirty="0" err="1" smtClean="0"/>
+              <a:t>méthodes</a:t>
+            </a:r>
+            <a:r>
+              <a:rPr lang="en-US" i="1" dirty="0" smtClean="0"/>
+              <a:t> </a:t>
+            </a:r>
+            <a:r>
+              <a:rPr lang="en-US" i="1" dirty="0" err="1" smtClean="0"/>
+              <a:t>sont</a:t>
+            </a:r>
+            <a:r>
+              <a:rPr lang="en-US" i="1" dirty="0" smtClean="0"/>
+              <a:t> </a:t>
+            </a:r>
+          </a:p>
+          <a:p>
+            <a:pPr>
+              <a:buNone/>
+            </a:pPr>
+            <a:r>
+              <a:rPr lang="en-US" i="1" dirty="0" err="1" smtClean="0"/>
+              <a:t>déclarées</a:t>
+            </a:r>
+            <a:r>
+              <a:rPr lang="en-US" i="1" dirty="0" smtClean="0"/>
+              <a:t> de </a:t>
+            </a:r>
+            <a:r>
+              <a:rPr lang="en-US" i="1" dirty="0" err="1" smtClean="0"/>
+              <a:t>manière</a:t>
+            </a:r>
+            <a:r>
+              <a:rPr lang="en-US" i="1" dirty="0" smtClean="0"/>
+              <a:t> </a:t>
+            </a:r>
+            <a:r>
+              <a:rPr lang="en-US" i="1" dirty="0" err="1" smtClean="0"/>
+              <a:t>séparée</a:t>
+            </a:r>
+            <a:r>
+              <a:rPr lang="en-US" i="1" dirty="0" smtClean="0"/>
+              <a:t> des types, </a:t>
+            </a:r>
+            <a:r>
+              <a:rPr lang="en-US" i="1" dirty="0" err="1" smtClean="0"/>
+              <a:t>comme</a:t>
+            </a:r>
+            <a:r>
+              <a:rPr lang="en-US" i="1" dirty="0" smtClean="0"/>
+              <a:t> des </a:t>
+            </a:r>
+            <a:r>
+              <a:rPr lang="en-US" i="1" dirty="0" err="1" smtClean="0"/>
+              <a:t>fonctions</a:t>
+            </a:r>
+            <a:r>
+              <a:rPr lang="en-US" i="1" dirty="0" smtClean="0"/>
+              <a:t> </a:t>
+            </a:r>
+          </a:p>
+          <a:p>
+            <a:pPr>
+              <a:buNone/>
+            </a:pPr>
+            <a:r>
+              <a:rPr lang="en-US" i="1" dirty="0" smtClean="0"/>
+              <a:t>avec un </a:t>
+            </a:r>
+            <a:r>
+              <a:rPr lang="en-US" i="1" dirty="0" err="1" smtClean="0"/>
+              <a:t>récepteur</a:t>
+            </a:r>
+            <a:r>
+              <a:rPr lang="en-US" i="1" dirty="0" smtClean="0"/>
+              <a:t> </a:t>
+            </a:r>
+            <a:r>
+              <a:rPr lang="en-US" i="1" dirty="0" err="1" smtClean="0"/>
+              <a:t>explicite</a:t>
+            </a:r>
+            <a:r>
+              <a:rPr lang="en-US" i="1" dirty="0" smtClean="0"/>
+              <a:t>. </a:t>
+            </a:r>
+            <a:r>
+              <a:rPr lang="fr-FR" i="1" dirty="0" smtClean="0"/>
+              <a:t> </a:t>
+            </a:r>
+          </a:p>
+          <a:p>
+            <a:pPr>
+              <a:buNone/>
+            </a:pPr>
+            <a:endParaRPr lang="fr-FR" i="1" dirty="0" smtClean="0"/>
+          </a:p>
+          <a:p>
+            <a:pPr lvl="1">
+              <a:buNone/>
+            </a:pPr>
+            <a:r>
+              <a:rPr lang="fr-FR" dirty="0" smtClean="0">
+                <a:latin typeface="Courier New" pitchFamily="49" charset="0"/>
+                <a:cs typeface="Courier New" pitchFamily="49" charset="0"/>
+              </a:rPr>
+              <a:t>type Point </a:t>
+            </a:r>
+            <a:r>
+              <a:rPr lang="fr-FR" dirty="0" err="1" smtClean="0">
+                <a:latin typeface="Courier New" pitchFamily="49" charset="0"/>
+                <a:cs typeface="Courier New" pitchFamily="49" charset="0"/>
+              </a:rPr>
+              <a:t>struct</a:t>
+            </a:r>
+            <a:r>
+              <a:rPr lang="fr-FR" dirty="0" smtClean="0">
+                <a:latin typeface="Courier New" pitchFamily="49" charset="0"/>
+                <a:cs typeface="Courier New" pitchFamily="49" charset="0"/>
+              </a:rPr>
+              <a:t> { x, y float64 }</a:t>
+            </a:r>
+          </a:p>
+          <a:p>
+            <a:pPr lvl="1">
+              <a:buNone/>
+            </a:pPr>
+            <a:r>
+              <a:rPr lang="fr-FR" dirty="0" smtClean="0">
+                <a:latin typeface="Courier New" pitchFamily="49" charset="0"/>
+                <a:cs typeface="Courier New" pitchFamily="49" charset="0"/>
+              </a:rPr>
+              <a:t>// </a:t>
+            </a:r>
+            <a:r>
+              <a:rPr lang="fr-FR" dirty="0" smtClean="0">
+                <a:latin typeface="Courier New" pitchFamily="49" charset="0"/>
+                <a:cs typeface="Courier New" pitchFamily="49" charset="0"/>
+              </a:rPr>
+              <a:t>une méthode sur *Point</a:t>
+            </a:r>
+            <a:endParaRPr lang="fr-FR" dirty="0" smtClean="0">
+              <a:latin typeface="Courier New" pitchFamily="49" charset="0"/>
+              <a:cs typeface="Courier New" pitchFamily="49" charset="0"/>
+            </a:endParaRPr>
+          </a:p>
+          <a:p>
+            <a:pPr lvl="1">
+              <a:buNone/>
+            </a:pPr>
+            <a:r>
+              <a:rPr lang="fr-FR" dirty="0" err="1" smtClean="0">
+                <a:latin typeface="Courier New" pitchFamily="49" charset="0"/>
+                <a:cs typeface="Courier New" pitchFamily="49" charset="0"/>
+              </a:rPr>
+              <a:t>func</a:t>
+            </a:r>
+            <a:r>
+              <a:rPr lang="fr-FR" dirty="0" smtClean="0">
+                <a:latin typeface="Courier New" pitchFamily="49" charset="0"/>
+                <a:cs typeface="Courier New" pitchFamily="49" charset="0"/>
+              </a:rPr>
+              <a:t> (p *Point) Abs() float64 {</a:t>
+            </a:r>
+          </a:p>
+          <a:p>
+            <a:pPr lvl="1">
+              <a:buNone/>
+            </a:pPr>
+            <a:r>
+              <a:rPr lang="fr-FR" dirty="0" smtClean="0">
+                <a:latin typeface="Courier New" pitchFamily="49" charset="0"/>
+                <a:cs typeface="Courier New" pitchFamily="49" charset="0"/>
+              </a:rPr>
+              <a:t>	return </a:t>
+            </a:r>
+            <a:r>
+              <a:rPr lang="fr-FR" dirty="0" err="1" smtClean="0">
+                <a:latin typeface="Courier New" pitchFamily="49" charset="0"/>
+                <a:cs typeface="Courier New" pitchFamily="49" charset="0"/>
+              </a:rPr>
+              <a:t>math.Sqrt</a:t>
+            </a:r>
+            <a:r>
+              <a:rPr lang="fr-FR" dirty="0" smtClean="0">
+                <a:latin typeface="Courier New" pitchFamily="49" charset="0"/>
+                <a:cs typeface="Courier New" pitchFamily="49" charset="0"/>
+              </a:rPr>
+              <a:t>(</a:t>
+            </a:r>
+            <a:r>
+              <a:rPr lang="fr-FR" dirty="0" err="1" smtClean="0">
+                <a:latin typeface="Courier New" pitchFamily="49" charset="0"/>
+                <a:cs typeface="Courier New" pitchFamily="49" charset="0"/>
+              </a:rPr>
+              <a:t>p.x</a:t>
+            </a:r>
+            <a:r>
+              <a:rPr lang="fr-FR" dirty="0" smtClean="0">
+                <a:latin typeface="Courier New" pitchFamily="49" charset="0"/>
+                <a:cs typeface="Courier New" pitchFamily="49" charset="0"/>
+              </a:rPr>
+              <a:t>*</a:t>
+            </a:r>
+            <a:r>
+              <a:rPr lang="fr-FR" dirty="0" err="1" smtClean="0">
+                <a:latin typeface="Courier New" pitchFamily="49" charset="0"/>
+                <a:cs typeface="Courier New" pitchFamily="49" charset="0"/>
+              </a:rPr>
+              <a:t>p.x</a:t>
+            </a:r>
+            <a:r>
+              <a:rPr lang="fr-FR" dirty="0" smtClean="0">
+                <a:latin typeface="Courier New" pitchFamily="49" charset="0"/>
+                <a:cs typeface="Courier New" pitchFamily="49" charset="0"/>
+              </a:rPr>
+              <a:t> + </a:t>
+            </a:r>
+            <a:r>
+              <a:rPr lang="fr-FR" dirty="0" err="1" smtClean="0">
+                <a:latin typeface="Courier New" pitchFamily="49" charset="0"/>
+                <a:cs typeface="Courier New" pitchFamily="49" charset="0"/>
+              </a:rPr>
+              <a:t>p.y</a:t>
+            </a:r>
+            <a:r>
+              <a:rPr lang="fr-FR" dirty="0" smtClean="0">
+                <a:latin typeface="Courier New" pitchFamily="49" charset="0"/>
+                <a:cs typeface="Courier New" pitchFamily="49" charset="0"/>
+              </a:rPr>
+              <a:t>*</a:t>
+            </a:r>
+            <a:r>
+              <a:rPr lang="fr-FR" dirty="0" err="1" smtClean="0">
+                <a:latin typeface="Courier New" pitchFamily="49" charset="0"/>
+                <a:cs typeface="Courier New" pitchFamily="49" charset="0"/>
+              </a:rPr>
+              <a:t>p.y</a:t>
+            </a:r>
+            <a:r>
+              <a:rPr lang="fr-FR" dirty="0" smtClean="0">
+                <a:latin typeface="Courier New" pitchFamily="49" charset="0"/>
+                <a:cs typeface="Courier New" pitchFamily="49" charset="0"/>
+              </a:rPr>
+              <a:t>)</a:t>
+            </a:r>
+          </a:p>
+          <a:p>
+            <a:pPr lvl="1">
+              <a:buNone/>
+            </a:pPr>
+            <a:r>
+              <a:rPr lang="fr-FR" dirty="0" smtClean="0">
+                <a:latin typeface="Courier New" pitchFamily="49" charset="0"/>
+                <a:cs typeface="Courier New" pitchFamily="49" charset="0"/>
+              </a:rPr>
+              <a:t>}</a:t>
+            </a:r>
+          </a:p>
+          <a:p>
+            <a:pPr lvl="1">
+              <a:buNone/>
+            </a:pPr>
+            <a:endParaRPr lang="fr-FR" dirty="0" smtClean="0">
+              <a:latin typeface="Courier New" pitchFamily="49" charset="0"/>
+              <a:cs typeface="Courier New" pitchFamily="49" charset="0"/>
+            </a:endParaRPr>
+          </a:p>
+          <a:p>
+            <a:pPr>
+              <a:buNone/>
+            </a:pPr>
+            <a:r>
+              <a:rPr lang="en-US" i="1" dirty="0" smtClean="0"/>
+              <a:t>Note: </a:t>
+            </a:r>
+            <a:endParaRPr lang="en-US" i="1" dirty="0" smtClean="0"/>
+          </a:p>
+          <a:p>
+            <a:pPr>
+              <a:buNone/>
+            </a:pPr>
+            <a:r>
+              <a:rPr lang="en-US" i="1" dirty="0" smtClean="0"/>
+              <a:t>	</a:t>
+            </a:r>
+            <a:r>
+              <a:rPr lang="en-US" i="1" dirty="0" err="1" smtClean="0"/>
+              <a:t>récepteur</a:t>
+            </a:r>
+            <a:r>
+              <a:rPr lang="en-US" i="1" dirty="0" smtClean="0"/>
+              <a:t> </a:t>
+            </a:r>
+            <a:r>
+              <a:rPr lang="en-US" i="1" dirty="0" err="1" smtClean="0"/>
+              <a:t>explicite</a:t>
+            </a:r>
+            <a:r>
+              <a:rPr lang="en-US" i="1" dirty="0" smtClean="0"/>
+              <a:t> (pas de </a:t>
+            </a:r>
+            <a:r>
+              <a:rPr lang="en-US" i="1" dirty="0" smtClean="0">
+                <a:latin typeface="Courier New" pitchFamily="49" charset="0"/>
+                <a:cs typeface="Courier New" pitchFamily="49" charset="0"/>
+              </a:rPr>
+              <a:t>this</a:t>
+            </a:r>
+            <a:r>
+              <a:rPr lang="en-US" i="1" dirty="0" smtClean="0"/>
+              <a:t> </a:t>
+            </a:r>
+            <a:r>
+              <a:rPr lang="en-US" i="1" dirty="0" err="1" smtClean="0"/>
+              <a:t>automatique</a:t>
+            </a:r>
+            <a:r>
+              <a:rPr lang="en-US" i="1" dirty="0" smtClean="0"/>
+              <a:t>), </a:t>
+            </a:r>
+            <a:r>
+              <a:rPr lang="en-US" i="1" dirty="0" err="1" smtClean="0"/>
+              <a:t>dans</a:t>
+            </a:r>
+            <a:r>
+              <a:rPr lang="en-US" i="1" dirty="0" smtClean="0"/>
+              <a:t> le </a:t>
+            </a:r>
+            <a:r>
+              <a:rPr lang="en-US" i="1" dirty="0" err="1" smtClean="0"/>
+              <a:t>cas</a:t>
+            </a:r>
+            <a:r>
+              <a:rPr lang="en-US" i="1" dirty="0" smtClean="0"/>
+              <a:t> du type  </a:t>
+            </a:r>
+            <a:r>
+              <a:rPr lang="en-US" i="1" dirty="0" smtClean="0">
+                <a:latin typeface="Courier New" pitchFamily="49" charset="0"/>
+                <a:cs typeface="Courier New" pitchFamily="49" charset="0"/>
+              </a:rPr>
+              <a:t>*Point</a:t>
+            </a:r>
+            <a:r>
+              <a:rPr lang="en-US" i="1" dirty="0" smtClean="0"/>
+              <a:t> </a:t>
+            </a:r>
+            <a:r>
+              <a:rPr lang="en-US" i="1" dirty="0" err="1" smtClean="0"/>
+              <a:t>utilisé</a:t>
+            </a:r>
+            <a:r>
+              <a:rPr lang="en-US" i="1" dirty="0" smtClean="0"/>
+              <a:t> </a:t>
+            </a:r>
+            <a:r>
+              <a:rPr lang="en-US" i="1" dirty="0" err="1" smtClean="0"/>
+              <a:t>dans</a:t>
+            </a:r>
+            <a:r>
+              <a:rPr lang="en-US" i="1" dirty="0" smtClean="0"/>
+              <a:t> la </a:t>
+            </a:r>
+            <a:r>
+              <a:rPr lang="en-US" i="1" dirty="0" err="1" smtClean="0"/>
+              <a:t>méthode</a:t>
+            </a:r>
+            <a:r>
+              <a:rPr lang="en-US" i="1" dirty="0" smtClean="0"/>
+              <a:t>.</a:t>
+            </a:r>
+            <a:endParaRPr lang="fr-FR" dirty="0"/>
+          </a:p>
+        </p:txBody>
+      </p:sp>
+    </p:spTree>
+  </p:cSld>
+  <p:clrMapOvr>
+    <a:masterClrMapping/>
+  </p:clrMapOvr>
+</p:sld>
+</file>
+
+<file path=ppt/slides/slide38.xml><?xml version="1.0" encoding="utf-8"?>
+<p:sld xmlns:a="http://schemas.openxmlformats.org/drawingml/2006/main" xmlns:r="http://schemas.openxmlformats.org/officeDocument/2006/relationships" xmlns:p="http://schemas.openxmlformats.org/presentationml/2006/main">
+  <p:cSld>
+    <p:spTree>
+      <p:nvGrpSpPr>
+        <p:cNvPr id="1" name=""/>
+        <p:cNvGrpSpPr/>
+        <p:nvPr/>
+      </p:nvGrpSpPr>
+      <p:grpSpPr>
+        <a:xfrm>
+          <a:off x="0" y="0"/>
+          <a:ext cx="0" cy="0"/>
+          <a:chOff x="0" y="0"/>
+          <a:chExt cx="0" cy="0"/>
+        </a:xfrm>
+      </p:grpSpPr>
+      <p:sp>
+        <p:nvSpPr>
+          <p:cNvPr id="2" name="Titre 1"/>
+          <p:cNvSpPr>
+            <a:spLocks noGrp="1"/>
+          </p:cNvSpPr>
+          <p:nvPr>
+            <p:ph type="title"/>
+          </p:nvPr>
+        </p:nvSpPr>
+        <p:spPr/>
+        <p:txBody>
+          <a:bodyPr/>
+          <a:lstStyle/>
+          <a:p>
+            <a:r>
+              <a:rPr lang="fr-FR" dirty="0" smtClean="0"/>
+              <a:t>Méthodes sur des valeurs </a:t>
+            </a:r>
+            <a:r>
+              <a:rPr lang="fr-FR" dirty="0" err="1" smtClean="0"/>
+              <a:t>struct</a:t>
+            </a:r>
+            <a:endParaRPr lang="fr-FR" dirty="0"/>
+          </a:p>
+        </p:txBody>
+      </p:sp>
+      <p:sp>
+        <p:nvSpPr>
+          <p:cNvPr id="3" name="Espace réservé du contenu 2"/>
+          <p:cNvSpPr>
+            <a:spLocks noGrp="1"/>
+          </p:cNvSpPr>
+          <p:nvPr>
+            <p:ph idx="1"/>
+          </p:nvPr>
+        </p:nvSpPr>
+        <p:spPr/>
+        <p:txBody>
+          <a:bodyPr>
+            <a:normAutofit fontScale="70000" lnSpcReduction="20000"/>
+          </a:bodyPr>
+          <a:lstStyle/>
+          <a:p>
+            <a:pPr>
+              <a:buNone/>
+            </a:pPr>
+            <a:r>
+              <a:rPr lang="en-US" i="1" dirty="0" err="1" smtClean="0"/>
+              <a:t>Une</a:t>
+            </a:r>
+            <a:r>
+              <a:rPr lang="en-US" i="1" dirty="0" smtClean="0"/>
+              <a:t> </a:t>
+            </a:r>
+            <a:r>
+              <a:rPr lang="en-US" i="1" dirty="0" err="1" smtClean="0"/>
+              <a:t>méthode</a:t>
+            </a:r>
+            <a:r>
+              <a:rPr lang="en-US" i="1" dirty="0" smtClean="0"/>
+              <a:t> ne </a:t>
+            </a:r>
+            <a:r>
+              <a:rPr lang="en-US" i="1" dirty="0" err="1" smtClean="0"/>
+              <a:t>requière</a:t>
+            </a:r>
+            <a:r>
+              <a:rPr lang="en-US" i="1" dirty="0" smtClean="0"/>
+              <a:t> pas un </a:t>
+            </a:r>
+            <a:r>
+              <a:rPr lang="en-US" i="1" dirty="0" err="1" smtClean="0"/>
+              <a:t>pointeur</a:t>
+            </a:r>
+            <a:r>
+              <a:rPr lang="en-US" i="1" dirty="0" smtClean="0"/>
+              <a:t> </a:t>
+            </a:r>
+            <a:r>
+              <a:rPr lang="en-US" i="1" dirty="0" err="1" smtClean="0"/>
+              <a:t>comme</a:t>
+            </a:r>
+            <a:r>
+              <a:rPr lang="en-US" i="1" dirty="0" smtClean="0"/>
+              <a:t> </a:t>
+            </a:r>
+          </a:p>
+          <a:p>
+            <a:pPr>
+              <a:buNone/>
+            </a:pPr>
+            <a:r>
+              <a:rPr lang="en-US" i="1" dirty="0" err="1" smtClean="0"/>
+              <a:t>récepteur</a:t>
+            </a:r>
+            <a:r>
+              <a:rPr lang="en-US" i="1" dirty="0" smtClean="0"/>
+              <a:t>.</a:t>
+            </a:r>
+          </a:p>
+          <a:p>
+            <a:pPr>
+              <a:buNone/>
+            </a:pPr>
+            <a:endParaRPr lang="en-US" i="1" dirty="0" smtClean="0">
+              <a:latin typeface="Courier New" pitchFamily="49" charset="0"/>
+              <a:cs typeface="Courier New" pitchFamily="49" charset="0"/>
+            </a:endParaRPr>
+          </a:p>
+          <a:p>
+            <a:pPr lvl="1">
+              <a:buNone/>
+            </a:pPr>
+            <a:r>
+              <a:rPr lang="fr-FR" dirty="0" smtClean="0">
+                <a:latin typeface="Courier New" pitchFamily="49" charset="0"/>
+                <a:cs typeface="Courier New" pitchFamily="49" charset="0"/>
+              </a:rPr>
+              <a:t>type Point3 </a:t>
+            </a:r>
+            <a:r>
+              <a:rPr lang="fr-FR" dirty="0" err="1" smtClean="0">
+                <a:latin typeface="Courier New" pitchFamily="49" charset="0"/>
+                <a:cs typeface="Courier New" pitchFamily="49" charset="0"/>
+              </a:rPr>
+              <a:t>struct</a:t>
+            </a:r>
+            <a:r>
+              <a:rPr lang="fr-FR" dirty="0" smtClean="0">
+                <a:latin typeface="Courier New" pitchFamily="49" charset="0"/>
+                <a:cs typeface="Courier New" pitchFamily="49" charset="0"/>
+              </a:rPr>
+              <a:t> { x, y, z float64 }</a:t>
+            </a:r>
+          </a:p>
+          <a:p>
+            <a:pPr lvl="1">
+              <a:buNone/>
+            </a:pPr>
+            <a:r>
+              <a:rPr lang="fr-FR" dirty="0" smtClean="0">
+                <a:latin typeface="Courier New" pitchFamily="49" charset="0"/>
+                <a:cs typeface="Courier New" pitchFamily="49" charset="0"/>
+              </a:rPr>
+              <a:t>// </a:t>
+            </a:r>
+            <a:r>
+              <a:rPr lang="fr-FR" dirty="0" smtClean="0">
+                <a:latin typeface="Courier New" pitchFamily="49" charset="0"/>
+                <a:cs typeface="Courier New" pitchFamily="49" charset="0"/>
+              </a:rPr>
+              <a:t>une méthode sur Point3</a:t>
+            </a:r>
+            <a:endParaRPr lang="fr-FR" dirty="0" smtClean="0">
+              <a:latin typeface="Courier New" pitchFamily="49" charset="0"/>
+              <a:cs typeface="Courier New" pitchFamily="49" charset="0"/>
+            </a:endParaRPr>
+          </a:p>
+          <a:p>
+            <a:pPr lvl="1">
+              <a:buNone/>
+            </a:pPr>
+            <a:r>
+              <a:rPr lang="fr-FR" dirty="0" err="1" smtClean="0">
+                <a:latin typeface="Courier New" pitchFamily="49" charset="0"/>
+                <a:cs typeface="Courier New" pitchFamily="49" charset="0"/>
+              </a:rPr>
+              <a:t>func</a:t>
+            </a:r>
+            <a:r>
+              <a:rPr lang="fr-FR" dirty="0" smtClean="0">
+                <a:latin typeface="Courier New" pitchFamily="49" charset="0"/>
+                <a:cs typeface="Courier New" pitchFamily="49" charset="0"/>
+              </a:rPr>
+              <a:t> (p Point3) Abs() float64 {</a:t>
+            </a:r>
+          </a:p>
+          <a:p>
+            <a:pPr lvl="1">
+              <a:buNone/>
+            </a:pPr>
+            <a:r>
+              <a:rPr lang="fr-FR" dirty="0" smtClean="0">
+                <a:latin typeface="Courier New" pitchFamily="49" charset="0"/>
+                <a:cs typeface="Courier New" pitchFamily="49" charset="0"/>
+              </a:rPr>
+              <a:t>	return </a:t>
+            </a:r>
+            <a:r>
+              <a:rPr lang="fr-FR" dirty="0" err="1" smtClean="0">
+                <a:latin typeface="Courier New" pitchFamily="49" charset="0"/>
+                <a:cs typeface="Courier New" pitchFamily="49" charset="0"/>
+              </a:rPr>
+              <a:t>math.Sqrt</a:t>
+            </a:r>
+            <a:r>
+              <a:rPr lang="fr-FR" dirty="0" smtClean="0">
+                <a:latin typeface="Courier New" pitchFamily="49" charset="0"/>
+                <a:cs typeface="Courier New" pitchFamily="49" charset="0"/>
+              </a:rPr>
+              <a:t>(</a:t>
+            </a:r>
+            <a:r>
+              <a:rPr lang="fr-FR" dirty="0" err="1" smtClean="0">
+                <a:latin typeface="Courier New" pitchFamily="49" charset="0"/>
+                <a:cs typeface="Courier New" pitchFamily="49" charset="0"/>
+              </a:rPr>
+              <a:t>p.x</a:t>
+            </a:r>
+            <a:r>
+              <a:rPr lang="fr-FR" dirty="0" smtClean="0">
+                <a:latin typeface="Courier New" pitchFamily="49" charset="0"/>
+                <a:cs typeface="Courier New" pitchFamily="49" charset="0"/>
+              </a:rPr>
+              <a:t>*</a:t>
+            </a:r>
+            <a:r>
+              <a:rPr lang="fr-FR" dirty="0" err="1" smtClean="0">
+                <a:latin typeface="Courier New" pitchFamily="49" charset="0"/>
+                <a:cs typeface="Courier New" pitchFamily="49" charset="0"/>
+              </a:rPr>
+              <a:t>p.x</a:t>
+            </a:r>
+            <a:r>
+              <a:rPr lang="fr-FR" dirty="0" smtClean="0">
+                <a:latin typeface="Courier New" pitchFamily="49" charset="0"/>
+                <a:cs typeface="Courier New" pitchFamily="49" charset="0"/>
+              </a:rPr>
+              <a:t> + </a:t>
+            </a:r>
+            <a:r>
+              <a:rPr lang="fr-FR" dirty="0" err="1" smtClean="0">
+                <a:latin typeface="Courier New" pitchFamily="49" charset="0"/>
+                <a:cs typeface="Courier New" pitchFamily="49" charset="0"/>
+              </a:rPr>
+              <a:t>p.y</a:t>
+            </a:r>
+            <a:r>
+              <a:rPr lang="fr-FR" dirty="0" smtClean="0">
+                <a:latin typeface="Courier New" pitchFamily="49" charset="0"/>
+                <a:cs typeface="Courier New" pitchFamily="49" charset="0"/>
+              </a:rPr>
+              <a:t>*</a:t>
+            </a:r>
+            <a:r>
+              <a:rPr lang="fr-FR" dirty="0" err="1" smtClean="0">
+                <a:latin typeface="Courier New" pitchFamily="49" charset="0"/>
+                <a:cs typeface="Courier New" pitchFamily="49" charset="0"/>
+              </a:rPr>
+              <a:t>p.y</a:t>
+            </a:r>
+            <a:r>
+              <a:rPr lang="fr-FR" dirty="0" smtClean="0">
+                <a:latin typeface="Courier New" pitchFamily="49" charset="0"/>
+                <a:cs typeface="Courier New" pitchFamily="49" charset="0"/>
+              </a:rPr>
+              <a:t> + </a:t>
+            </a:r>
+            <a:r>
+              <a:rPr lang="fr-FR" dirty="0" err="1" smtClean="0">
+                <a:latin typeface="Courier New" pitchFamily="49" charset="0"/>
+                <a:cs typeface="Courier New" pitchFamily="49" charset="0"/>
+              </a:rPr>
+              <a:t>p.z</a:t>
+            </a:r>
+            <a:r>
+              <a:rPr lang="fr-FR" dirty="0" smtClean="0">
+                <a:latin typeface="Courier New" pitchFamily="49" charset="0"/>
+                <a:cs typeface="Courier New" pitchFamily="49" charset="0"/>
+              </a:rPr>
+              <a:t>*</a:t>
+            </a:r>
+            <a:r>
+              <a:rPr lang="fr-FR" dirty="0" err="1" smtClean="0">
+                <a:latin typeface="Courier New" pitchFamily="49" charset="0"/>
+                <a:cs typeface="Courier New" pitchFamily="49" charset="0"/>
+              </a:rPr>
+              <a:t>p.z</a:t>
+            </a:r>
+            <a:r>
+              <a:rPr lang="fr-FR" dirty="0" smtClean="0">
+                <a:latin typeface="Courier New" pitchFamily="49" charset="0"/>
+                <a:cs typeface="Courier New" pitchFamily="49" charset="0"/>
+              </a:rPr>
+              <a:t>)</a:t>
+            </a:r>
+          </a:p>
+          <a:p>
+            <a:pPr lvl="1">
+              <a:buNone/>
+            </a:pPr>
+            <a:r>
+              <a:rPr lang="fr-FR" dirty="0" smtClean="0">
+                <a:latin typeface="Courier New" pitchFamily="49" charset="0"/>
+                <a:cs typeface="Courier New" pitchFamily="49" charset="0"/>
+              </a:rPr>
+              <a:t>}</a:t>
+            </a:r>
+          </a:p>
+          <a:p>
+            <a:pPr lvl="1">
+              <a:buNone/>
+            </a:pPr>
+            <a:endParaRPr lang="fr-FR" dirty="0" smtClean="0">
+              <a:latin typeface="Courier New" pitchFamily="49" charset="0"/>
+              <a:cs typeface="Courier New" pitchFamily="49" charset="0"/>
+            </a:endParaRPr>
+          </a:p>
+          <a:p>
+            <a:pPr>
+              <a:buNone/>
+            </a:pPr>
+            <a:r>
+              <a:rPr lang="en-US" i="1" dirty="0" err="1" smtClean="0"/>
+              <a:t>Ceci</a:t>
+            </a:r>
+            <a:r>
+              <a:rPr lang="en-US" i="1" dirty="0" smtClean="0"/>
+              <a:t> </a:t>
+            </a:r>
+            <a:r>
+              <a:rPr lang="en-US" i="1" dirty="0" err="1" smtClean="0"/>
+              <a:t>est</a:t>
+            </a:r>
+            <a:r>
+              <a:rPr lang="en-US" i="1" dirty="0" smtClean="0"/>
+              <a:t> </a:t>
+            </a:r>
+            <a:r>
+              <a:rPr lang="en-US" i="1" dirty="0" err="1" smtClean="0"/>
+              <a:t>une</a:t>
+            </a:r>
+            <a:r>
+              <a:rPr lang="en-US" i="1" dirty="0" smtClean="0"/>
+              <a:t> </a:t>
+            </a:r>
+            <a:r>
+              <a:rPr lang="en-US" i="1" dirty="0" err="1" smtClean="0"/>
+              <a:t>peu</a:t>
+            </a:r>
+            <a:r>
+              <a:rPr lang="en-US" i="1" dirty="0" smtClean="0"/>
+              <a:t> </a:t>
+            </a:r>
+            <a:r>
+              <a:rPr lang="en-US" i="1" dirty="0" err="1" smtClean="0"/>
+              <a:t>cher</a:t>
+            </a:r>
+            <a:r>
+              <a:rPr lang="en-US" i="1" dirty="0" smtClean="0"/>
+              <a:t> </a:t>
+            </a:r>
+            <a:r>
+              <a:rPr lang="en-US" i="1" dirty="0" err="1" smtClean="0"/>
+              <a:t>payé</a:t>
+            </a:r>
+            <a:r>
+              <a:rPr lang="en-US" i="1" dirty="0" smtClean="0"/>
+              <a:t>, </a:t>
+            </a:r>
+            <a:r>
+              <a:rPr lang="en-US" i="1" dirty="0" err="1" smtClean="0"/>
+              <a:t>parce</a:t>
+            </a:r>
+            <a:r>
+              <a:rPr lang="en-US" i="1" dirty="0" smtClean="0"/>
+              <a:t> </a:t>
+            </a:r>
+            <a:r>
+              <a:rPr lang="en-US" i="1" dirty="0" err="1" smtClean="0"/>
+              <a:t>que</a:t>
+            </a:r>
+            <a:r>
+              <a:rPr lang="en-US" i="1" dirty="0" smtClean="0"/>
+              <a:t> Point3 sera </a:t>
+            </a:r>
+            <a:r>
+              <a:rPr lang="en-US" i="1" dirty="0" err="1" smtClean="0"/>
+              <a:t>toujours</a:t>
+            </a:r>
+            <a:endParaRPr lang="en-US" i="1" dirty="0" smtClean="0"/>
+          </a:p>
+          <a:p>
+            <a:pPr>
+              <a:buNone/>
+            </a:pPr>
+            <a:r>
+              <a:rPr lang="en-US" i="1" dirty="0" smtClean="0"/>
+              <a:t> passé </a:t>
+            </a:r>
+            <a:r>
+              <a:rPr lang="en-US" i="1" dirty="0" smtClean="0"/>
+              <a:t>par </a:t>
+            </a:r>
+            <a:r>
+              <a:rPr lang="en-US" i="1" dirty="0" err="1" smtClean="0"/>
+              <a:t>valeur</a:t>
+            </a:r>
+            <a:r>
+              <a:rPr lang="en-US" i="1" dirty="0" smtClean="0"/>
+              <a:t> </a:t>
+            </a:r>
+            <a:r>
+              <a:rPr lang="en-US" i="1" dirty="0" smtClean="0"/>
+              <a:t>à la </a:t>
+            </a:r>
+            <a:r>
+              <a:rPr lang="en-US" i="1" dirty="0" err="1" smtClean="0"/>
+              <a:t>méthode</a:t>
+            </a:r>
+            <a:r>
+              <a:rPr lang="en-US" i="1" dirty="0" smtClean="0"/>
+              <a:t> et non par </a:t>
+            </a:r>
+            <a:r>
+              <a:rPr lang="en-US" i="1" dirty="0" err="1" smtClean="0"/>
+              <a:t>pointeur</a:t>
+            </a:r>
+            <a:r>
+              <a:rPr lang="en-US" i="1" dirty="0" smtClean="0"/>
+              <a:t>, </a:t>
+            </a:r>
+            <a:r>
+              <a:rPr lang="en-US" i="1" dirty="0" err="1" smtClean="0"/>
+              <a:t>mais</a:t>
+            </a:r>
+            <a:r>
+              <a:rPr lang="en-US" i="1" dirty="0" smtClean="0"/>
+              <a:t> </a:t>
+            </a:r>
+          </a:p>
+          <a:p>
+            <a:pPr>
+              <a:buNone/>
+            </a:pPr>
+            <a:r>
+              <a:rPr lang="en-US" i="1" dirty="0" err="1" smtClean="0"/>
+              <a:t>c’est</a:t>
+            </a:r>
+            <a:r>
+              <a:rPr lang="en-US" i="1" dirty="0" smtClean="0"/>
+              <a:t> </a:t>
+            </a:r>
+            <a:r>
+              <a:rPr lang="en-US" i="1" dirty="0" err="1" smtClean="0"/>
+              <a:t>valide</a:t>
+            </a:r>
+            <a:r>
+              <a:rPr lang="en-US" i="1" dirty="0" smtClean="0"/>
+              <a:t> en Go.</a:t>
+            </a:r>
+            <a:endParaRPr lang="en-US" i="1" dirty="0" smtClean="0"/>
+          </a:p>
+        </p:txBody>
+      </p:sp>
+    </p:spTree>
+  </p:cSld>
+  <p:clrMapOvr>
+    <a:masterClrMapping/>
+  </p:clrMapOvr>
+</p:sld>
+</file>
+
+<file path=ppt/slides/slide39.xml><?xml version="1.0" encoding="utf-8"?>
+<p:sld xmlns:a="http://schemas.openxmlformats.org/drawingml/2006/main" xmlns:r="http://schemas.openxmlformats.org/officeDocument/2006/relationships" xmlns:p="http://schemas.openxmlformats.org/presentationml/2006/main">
+  <p:cSld>
+    <p:spTree>
+      <p:nvGrpSpPr>
+        <p:cNvPr id="1" name=""/>
+        <p:cNvGrpSpPr/>
+        <p:nvPr/>
+      </p:nvGrpSpPr>
+      <p:grpSpPr>
+        <a:xfrm>
+          <a:off x="0" y="0"/>
+          <a:ext cx="0" cy="0"/>
+          <a:chOff x="0" y="0"/>
+          <a:chExt cx="0" cy="0"/>
+        </a:xfrm>
+      </p:grpSpPr>
+      <p:sp>
+        <p:nvSpPr>
+          <p:cNvPr id="2" name="Titre 1"/>
+          <p:cNvSpPr>
+            <a:spLocks noGrp="1"/>
+          </p:cNvSpPr>
+          <p:nvPr>
+            <p:ph type="title"/>
+          </p:nvPr>
+        </p:nvSpPr>
+        <p:spPr/>
+        <p:txBody>
+          <a:bodyPr/>
+          <a:lstStyle/>
+          <a:p>
+            <a:r>
+              <a:rPr lang="fr-FR" dirty="0" smtClean="0"/>
+              <a:t>Invocation d’une méthode</a:t>
+            </a:r>
+            <a:endParaRPr lang="fr-FR" dirty="0"/>
+          </a:p>
+        </p:txBody>
+      </p:sp>
+      <p:sp>
+        <p:nvSpPr>
+          <p:cNvPr id="3" name="Espace réservé du contenu 2"/>
+          <p:cNvSpPr>
+            <a:spLocks noGrp="1"/>
+          </p:cNvSpPr>
+          <p:nvPr>
+            <p:ph idx="1"/>
+          </p:nvPr>
+        </p:nvSpPr>
+        <p:spPr/>
+        <p:txBody>
+          <a:bodyPr>
+            <a:normAutofit fontScale="62500" lnSpcReduction="20000"/>
+          </a:bodyPr>
+          <a:lstStyle/>
+          <a:p>
+            <a:pPr>
+              <a:buNone/>
+            </a:pPr>
+            <a:r>
+              <a:rPr lang="fr-FR" i="1" dirty="0" smtClean="0"/>
+              <a:t>Juste comme vous y attendez.</a:t>
+            </a:r>
+            <a:endParaRPr lang="fr-FR" i="1" dirty="0" smtClean="0"/>
+          </a:p>
+          <a:p>
+            <a:pPr lvl="1">
+              <a:buNone/>
+            </a:pPr>
+            <a:r>
+              <a:rPr lang="fr-FR" dirty="0" smtClean="0">
+                <a:latin typeface="Courier New" pitchFamily="49" charset="0"/>
+                <a:cs typeface="Courier New" pitchFamily="49" charset="0"/>
+              </a:rPr>
+              <a:t>p := &amp;Point{ 3, 4 }</a:t>
+            </a:r>
+          </a:p>
+          <a:p>
+            <a:pPr lvl="1">
+              <a:buNone/>
+            </a:pPr>
+            <a:r>
+              <a:rPr lang="fr-FR" dirty="0" err="1" smtClean="0">
+                <a:latin typeface="Courier New" pitchFamily="49" charset="0"/>
+                <a:cs typeface="Courier New" pitchFamily="49" charset="0"/>
+              </a:rPr>
+              <a:t>fmt.Print</a:t>
+            </a:r>
+            <a:r>
+              <a:rPr lang="fr-FR" dirty="0" smtClean="0">
+                <a:latin typeface="Courier New" pitchFamily="49" charset="0"/>
+                <a:cs typeface="Courier New" pitchFamily="49" charset="0"/>
+              </a:rPr>
+              <a:t>(</a:t>
+            </a:r>
+            <a:r>
+              <a:rPr lang="fr-FR" dirty="0" err="1" smtClean="0">
+                <a:latin typeface="Courier New" pitchFamily="49" charset="0"/>
+                <a:cs typeface="Courier New" pitchFamily="49" charset="0"/>
+              </a:rPr>
+              <a:t>p.Abs</a:t>
+            </a:r>
+            <a:r>
+              <a:rPr lang="fr-FR" dirty="0" smtClean="0">
+                <a:latin typeface="Courier New" pitchFamily="49" charset="0"/>
+                <a:cs typeface="Courier New" pitchFamily="49" charset="0"/>
+              </a:rPr>
+              <a:t>()) // </a:t>
+            </a:r>
+            <a:r>
+              <a:rPr lang="fr-FR" dirty="0" smtClean="0">
+                <a:latin typeface="Courier New" pitchFamily="49" charset="0"/>
+                <a:cs typeface="Courier New" pitchFamily="49" charset="0"/>
+              </a:rPr>
+              <a:t>affichera 5</a:t>
+            </a:r>
+          </a:p>
+          <a:p>
+            <a:pPr lvl="1">
+              <a:buNone/>
+            </a:pPr>
+            <a:endParaRPr lang="fr-FR" dirty="0" smtClean="0">
+              <a:latin typeface="Courier New" pitchFamily="49" charset="0"/>
+              <a:cs typeface="Courier New" pitchFamily="49" charset="0"/>
+            </a:endParaRPr>
+          </a:p>
+          <a:p>
+            <a:pPr>
+              <a:buNone/>
+            </a:pPr>
+            <a:r>
+              <a:rPr lang="fr-FR" i="1" dirty="0" smtClean="0"/>
+              <a:t>Un exemple sans structure:</a:t>
+            </a:r>
+            <a:endParaRPr lang="fr-FR" i="1" dirty="0" smtClean="0"/>
+          </a:p>
+          <a:p>
+            <a:pPr lvl="1">
+              <a:buNone/>
+            </a:pPr>
+            <a:r>
+              <a:rPr lang="fr-FR" dirty="0" smtClean="0">
+                <a:latin typeface="Courier New" pitchFamily="49" charset="0"/>
+                <a:cs typeface="Courier New" pitchFamily="49" charset="0"/>
+              </a:rPr>
+              <a:t>type </a:t>
+            </a:r>
+            <a:r>
+              <a:rPr lang="fr-FR" dirty="0" err="1" smtClean="0">
+                <a:latin typeface="Courier New" pitchFamily="49" charset="0"/>
+                <a:cs typeface="Courier New" pitchFamily="49" charset="0"/>
+              </a:rPr>
+              <a:t>IntVector</a:t>
+            </a:r>
+            <a:r>
+              <a:rPr lang="fr-FR" dirty="0" smtClean="0">
+                <a:latin typeface="Courier New" pitchFamily="49" charset="0"/>
+                <a:cs typeface="Courier New" pitchFamily="49" charset="0"/>
+              </a:rPr>
+              <a:t> []</a:t>
+            </a:r>
+            <a:r>
+              <a:rPr lang="fr-FR" dirty="0" err="1" smtClean="0">
+                <a:latin typeface="Courier New" pitchFamily="49" charset="0"/>
+                <a:cs typeface="Courier New" pitchFamily="49" charset="0"/>
+              </a:rPr>
+              <a:t>int</a:t>
+            </a:r>
+            <a:endParaRPr lang="fr-FR" dirty="0" smtClean="0">
+              <a:latin typeface="Courier New" pitchFamily="49" charset="0"/>
+              <a:cs typeface="Courier New" pitchFamily="49" charset="0"/>
+            </a:endParaRPr>
+          </a:p>
+          <a:p>
+            <a:pPr lvl="1">
+              <a:buNone/>
+            </a:pPr>
+            <a:r>
+              <a:rPr lang="fr-FR" dirty="0" err="1" smtClean="0">
+                <a:latin typeface="Courier New" pitchFamily="49" charset="0"/>
+                <a:cs typeface="Courier New" pitchFamily="49" charset="0"/>
+              </a:rPr>
+              <a:t>func</a:t>
+            </a:r>
+            <a:r>
+              <a:rPr lang="fr-FR" dirty="0" smtClean="0">
+                <a:latin typeface="Courier New" pitchFamily="49" charset="0"/>
+                <a:cs typeface="Courier New" pitchFamily="49" charset="0"/>
+              </a:rPr>
+              <a:t> (v </a:t>
+            </a:r>
+            <a:r>
+              <a:rPr lang="fr-FR" dirty="0" err="1" smtClean="0">
+                <a:latin typeface="Courier New" pitchFamily="49" charset="0"/>
+                <a:cs typeface="Courier New" pitchFamily="49" charset="0"/>
+              </a:rPr>
+              <a:t>IntVector</a:t>
+            </a:r>
+            <a:r>
+              <a:rPr lang="fr-FR" dirty="0" smtClean="0">
+                <a:latin typeface="Courier New" pitchFamily="49" charset="0"/>
+                <a:cs typeface="Courier New" pitchFamily="49" charset="0"/>
+              </a:rPr>
+              <a:t>) </a:t>
+            </a:r>
+            <a:r>
+              <a:rPr lang="fr-FR" dirty="0" err="1" smtClean="0">
+                <a:latin typeface="Courier New" pitchFamily="49" charset="0"/>
+                <a:cs typeface="Courier New" pitchFamily="49" charset="0"/>
+              </a:rPr>
+              <a:t>Sum</a:t>
+            </a:r>
+            <a:r>
+              <a:rPr lang="fr-FR" dirty="0" smtClean="0">
+                <a:latin typeface="Courier New" pitchFamily="49" charset="0"/>
+                <a:cs typeface="Courier New" pitchFamily="49" charset="0"/>
+              </a:rPr>
+              <a:t>() (s </a:t>
+            </a:r>
+            <a:r>
+              <a:rPr lang="fr-FR" dirty="0" err="1" smtClean="0">
+                <a:latin typeface="Courier New" pitchFamily="49" charset="0"/>
+                <a:cs typeface="Courier New" pitchFamily="49" charset="0"/>
+              </a:rPr>
+              <a:t>int</a:t>
+            </a:r>
+            <a:r>
+              <a:rPr lang="fr-FR" dirty="0" smtClean="0">
+                <a:latin typeface="Courier New" pitchFamily="49" charset="0"/>
+                <a:cs typeface="Courier New" pitchFamily="49" charset="0"/>
+              </a:rPr>
+              <a:t>) {</a:t>
+            </a:r>
+          </a:p>
+          <a:p>
+            <a:pPr lvl="1">
+              <a:buNone/>
+            </a:pPr>
+            <a:r>
+              <a:rPr lang="fr-FR" dirty="0" smtClean="0">
+                <a:latin typeface="Courier New" pitchFamily="49" charset="0"/>
+                <a:cs typeface="Courier New" pitchFamily="49" charset="0"/>
+              </a:rPr>
+              <a:t>	for </a:t>
+            </a:r>
+            <a:r>
+              <a:rPr lang="fr-FR" dirty="0" smtClean="0">
+                <a:latin typeface="Courier New" pitchFamily="49" charset="0"/>
+                <a:cs typeface="Courier New" pitchFamily="49" charset="0"/>
+              </a:rPr>
+              <a:t>_, x := range v { // </a:t>
+            </a:r>
+            <a:r>
+              <a:rPr lang="fr-FR" dirty="0" smtClean="0">
+                <a:latin typeface="Courier New" pitchFamily="49" charset="0"/>
+                <a:cs typeface="Courier New" pitchFamily="49" charset="0"/>
+              </a:rPr>
+              <a:t> identificateur </a:t>
+            </a:r>
+            <a:r>
+              <a:rPr lang="fr-FR" dirty="0" err="1" smtClean="0">
+                <a:latin typeface="Courier New" pitchFamily="49" charset="0"/>
+                <a:cs typeface="Courier New" pitchFamily="49" charset="0"/>
+              </a:rPr>
+              <a:t>blank</a:t>
+            </a:r>
+            <a:r>
+              <a:rPr lang="fr-FR" dirty="0" smtClean="0">
+                <a:latin typeface="Courier New" pitchFamily="49" charset="0"/>
+                <a:cs typeface="Courier New" pitchFamily="49" charset="0"/>
+              </a:rPr>
+              <a:t>!</a:t>
+            </a:r>
+            <a:endParaRPr lang="fr-FR" dirty="0" smtClean="0">
+              <a:latin typeface="Courier New" pitchFamily="49" charset="0"/>
+              <a:cs typeface="Courier New" pitchFamily="49" charset="0"/>
+            </a:endParaRPr>
+          </a:p>
+          <a:p>
+            <a:pPr lvl="1">
+              <a:buNone/>
+            </a:pPr>
+            <a:r>
+              <a:rPr lang="fr-FR" dirty="0" smtClean="0">
+                <a:latin typeface="Courier New" pitchFamily="49" charset="0"/>
+                <a:cs typeface="Courier New" pitchFamily="49" charset="0"/>
+              </a:rPr>
+              <a:t>		s </a:t>
+            </a:r>
+            <a:r>
+              <a:rPr lang="fr-FR" dirty="0" smtClean="0">
+                <a:latin typeface="Courier New" pitchFamily="49" charset="0"/>
+                <a:cs typeface="Courier New" pitchFamily="49" charset="0"/>
+              </a:rPr>
+              <a:t>+= x</a:t>
+            </a:r>
+          </a:p>
+          <a:p>
+            <a:pPr lvl="1">
+              <a:buNone/>
+            </a:pPr>
+            <a:r>
+              <a:rPr lang="fr-FR" dirty="0" smtClean="0">
+                <a:latin typeface="Courier New" pitchFamily="49" charset="0"/>
+                <a:cs typeface="Courier New" pitchFamily="49" charset="0"/>
+              </a:rPr>
+              <a:t>	}</a:t>
+            </a:r>
+            <a:endParaRPr lang="fr-FR" dirty="0" smtClean="0">
+              <a:latin typeface="Courier New" pitchFamily="49" charset="0"/>
+              <a:cs typeface="Courier New" pitchFamily="49" charset="0"/>
+            </a:endParaRPr>
+          </a:p>
+          <a:p>
+            <a:pPr lvl="1">
+              <a:buNone/>
+            </a:pPr>
+            <a:r>
+              <a:rPr lang="fr-FR" dirty="0" smtClean="0">
+                <a:latin typeface="Courier New" pitchFamily="49" charset="0"/>
+                <a:cs typeface="Courier New" pitchFamily="49" charset="0"/>
+              </a:rPr>
+              <a:t>	return</a:t>
+            </a:r>
+            <a:endParaRPr lang="fr-FR" dirty="0" smtClean="0">
+              <a:latin typeface="Courier New" pitchFamily="49" charset="0"/>
+              <a:cs typeface="Courier New" pitchFamily="49" charset="0"/>
+            </a:endParaRPr>
+          </a:p>
+          <a:p>
+            <a:pPr lvl="1">
+              <a:buNone/>
+            </a:pPr>
+            <a:r>
+              <a:rPr lang="fr-FR" dirty="0" smtClean="0">
+                <a:latin typeface="Courier New" pitchFamily="49" charset="0"/>
+                <a:cs typeface="Courier New" pitchFamily="49" charset="0"/>
+              </a:rPr>
+              <a:t>}</a:t>
+            </a:r>
+          </a:p>
+          <a:p>
+            <a:pPr lvl="1">
+              <a:buNone/>
+            </a:pPr>
+            <a:endParaRPr lang="fr-FR" dirty="0" smtClean="0">
+              <a:latin typeface="Courier New" pitchFamily="49" charset="0"/>
+              <a:cs typeface="Courier New" pitchFamily="49" charset="0"/>
+            </a:endParaRPr>
+          </a:p>
+          <a:p>
+            <a:pPr lvl="1">
+              <a:buNone/>
+            </a:pPr>
+            <a:r>
+              <a:rPr lang="fr-FR" dirty="0" err="1" smtClean="0">
+                <a:latin typeface="Courier New" pitchFamily="49" charset="0"/>
+                <a:cs typeface="Courier New" pitchFamily="49" charset="0"/>
+              </a:rPr>
+              <a:t>fmt.Println</a:t>
+            </a:r>
+            <a:r>
+              <a:rPr lang="fr-FR" dirty="0" smtClean="0">
+                <a:latin typeface="Courier New" pitchFamily="49" charset="0"/>
+                <a:cs typeface="Courier New" pitchFamily="49" charset="0"/>
+              </a:rPr>
+              <a:t>(</a:t>
+            </a:r>
+            <a:r>
+              <a:rPr lang="fr-FR" dirty="0" err="1" smtClean="0">
+                <a:latin typeface="Courier New" pitchFamily="49" charset="0"/>
+                <a:cs typeface="Courier New" pitchFamily="49" charset="0"/>
+              </a:rPr>
+              <a:t>IntVector</a:t>
+            </a:r>
+            <a:r>
+              <a:rPr lang="fr-FR" dirty="0" smtClean="0">
+                <a:latin typeface="Courier New" pitchFamily="49" charset="0"/>
+                <a:cs typeface="Courier New" pitchFamily="49" charset="0"/>
+              </a:rPr>
+              <a:t>{1, 2, 3}.</a:t>
+            </a:r>
+            <a:r>
+              <a:rPr lang="fr-FR" dirty="0" err="1" smtClean="0">
+                <a:latin typeface="Courier New" pitchFamily="49" charset="0"/>
+                <a:cs typeface="Courier New" pitchFamily="49" charset="0"/>
+              </a:rPr>
+              <a:t>Sum</a:t>
+            </a:r>
+            <a:r>
+              <a:rPr lang="fr-FR" dirty="0" smtClean="0">
+                <a:latin typeface="Courier New" pitchFamily="49" charset="0"/>
+                <a:cs typeface="Courier New" pitchFamily="49" charset="0"/>
+              </a:rPr>
+              <a:t>()</a:t>
+            </a:r>
+          </a:p>
+          <a:p>
+            <a:pPr lvl="1">
+              <a:buNone/>
+            </a:pPr>
+            <a:endParaRPr lang="fr-FR" dirty="0" smtClean="0">
+              <a:latin typeface="Courier New" pitchFamily="49" charset="0"/>
+              <a:cs typeface="Courier New" pitchFamily="49" charset="0"/>
+            </a:endParaRPr>
+          </a:p>
+          <a:p>
+            <a:pPr>
+              <a:buNone/>
+            </a:pPr>
+            <a:r>
+              <a:rPr lang="fr-FR" dirty="0" smtClean="0">
+                <a:cs typeface="Courier New" pitchFamily="49" charset="0"/>
+              </a:rPr>
+              <a:t> </a:t>
+            </a:r>
+            <a:endParaRPr lang="fr-FR" dirty="0" smtClean="0">
+              <a:cs typeface="Courier New" pitchFamily="49" charset="0"/>
+            </a:endParaRPr>
+          </a:p>
+        </p:txBody>
+      </p:sp>
+    </p:spTree>
+  </p:cSld>
+  <p:clrMapOvr>
+    <a:masterClrMapping/>
+  </p:clrMapOvr>
+</p:sld>
+</file>
+
 <file path=ppt/slides/slide4.xml><?xml version="1.0" encoding="utf-8"?>
 <p:sld xmlns:a="http://schemas.openxmlformats.org/drawingml/2006/main" xmlns:r="http://schemas.openxmlformats.org/officeDocument/2006/relationships" xmlns:p="http://schemas.openxmlformats.org/presentationml/2006/main">
   <p:cSld>
@@ -10942,6 +16983,2166 @@
           </a:ln>
         </p:spPr>
       </p:pic>
+    </p:spTree>
+  </p:cSld>
+  <p:clrMapOvr>
+    <a:masterClrMapping/>
+  </p:clrMapOvr>
+</p:sld>
+</file>
+
+<file path=ppt/slides/slide40.xml><?xml version="1.0" encoding="utf-8"?>
+<p:sld xmlns:a="http://schemas.openxmlformats.org/drawingml/2006/main" xmlns:r="http://schemas.openxmlformats.org/officeDocument/2006/relationships" xmlns:p="http://schemas.openxmlformats.org/presentationml/2006/main">
+  <p:cSld>
+    <p:spTree>
+      <p:nvGrpSpPr>
+        <p:cNvPr id="1" name=""/>
+        <p:cNvGrpSpPr/>
+        <p:nvPr/>
+      </p:nvGrpSpPr>
+      <p:grpSpPr>
+        <a:xfrm>
+          <a:off x="0" y="0"/>
+          <a:ext cx="0" cy="0"/>
+          <a:chOff x="0" y="0"/>
+          <a:chExt cx="0" cy="0"/>
+        </a:xfrm>
+      </p:grpSpPr>
+      <p:sp>
+        <p:nvSpPr>
+          <p:cNvPr id="2" name="Titre 1"/>
+          <p:cNvSpPr>
+            <a:spLocks noGrp="1"/>
+          </p:cNvSpPr>
+          <p:nvPr>
+            <p:ph type="title"/>
+          </p:nvPr>
+        </p:nvSpPr>
+        <p:spPr/>
+        <p:txBody>
+          <a:bodyPr/>
+          <a:lstStyle/>
+          <a:p>
+            <a:r>
+              <a:rPr lang="fr-FR" dirty="0" smtClean="0"/>
+              <a:t>Les règles de base des méthodes  </a:t>
+            </a:r>
+            <a:endParaRPr lang="fr-FR" dirty="0"/>
+          </a:p>
+        </p:txBody>
+      </p:sp>
+      <p:sp>
+        <p:nvSpPr>
+          <p:cNvPr id="3" name="Espace réservé du contenu 2"/>
+          <p:cNvSpPr>
+            <a:spLocks noGrp="1"/>
+          </p:cNvSpPr>
+          <p:nvPr>
+            <p:ph idx="1"/>
+          </p:nvPr>
+        </p:nvSpPr>
+        <p:spPr/>
+        <p:txBody>
+          <a:bodyPr>
+            <a:normAutofit fontScale="85000" lnSpcReduction="20000"/>
+          </a:bodyPr>
+          <a:lstStyle/>
+          <a:p>
+            <a:pPr>
+              <a:buNone/>
+            </a:pPr>
+            <a:r>
+              <a:rPr lang="en-US" i="1" dirty="0" smtClean="0"/>
+              <a:t>Les </a:t>
+            </a:r>
+            <a:r>
+              <a:rPr lang="en-US" i="1" dirty="0" err="1" smtClean="0"/>
+              <a:t>méthodes</a:t>
+            </a:r>
+            <a:r>
+              <a:rPr lang="en-US" i="1" dirty="0" smtClean="0"/>
+              <a:t> </a:t>
+            </a:r>
+            <a:r>
+              <a:rPr lang="en-US" i="1" dirty="0" err="1" smtClean="0"/>
+              <a:t>sont</a:t>
+            </a:r>
+            <a:r>
+              <a:rPr lang="en-US" i="1" dirty="0" smtClean="0"/>
+              <a:t> </a:t>
+            </a:r>
+            <a:r>
+              <a:rPr lang="en-US" i="1" dirty="0" err="1" smtClean="0"/>
+              <a:t>attachées</a:t>
+            </a:r>
+            <a:r>
+              <a:rPr lang="en-US" i="1" dirty="0" smtClean="0"/>
+              <a:t> à un type </a:t>
+            </a:r>
+            <a:r>
+              <a:rPr lang="en-US" i="1" dirty="0" err="1" smtClean="0"/>
+              <a:t>nommé</a:t>
+            </a:r>
+            <a:r>
+              <a:rPr lang="en-US" i="1" dirty="0" smtClean="0"/>
+              <a:t>, </a:t>
+            </a:r>
+            <a:r>
+              <a:rPr lang="en-US" i="1" dirty="0" err="1" smtClean="0"/>
+              <a:t>disons</a:t>
+            </a:r>
+            <a:r>
+              <a:rPr lang="en-US" i="1" dirty="0" smtClean="0"/>
+              <a:t> </a:t>
+            </a:r>
+          </a:p>
+          <a:p>
+            <a:pPr>
+              <a:buNone/>
+            </a:pPr>
+            <a:r>
+              <a:rPr lang="en-US" i="1" dirty="0" err="1" smtClean="0"/>
+              <a:t>Foo</a:t>
+            </a:r>
+            <a:r>
+              <a:rPr lang="en-US" i="1" dirty="0" smtClean="0"/>
+              <a:t> et y </a:t>
+            </a:r>
+            <a:r>
+              <a:rPr lang="en-US" i="1" dirty="0" err="1" smtClean="0"/>
+              <a:t>sont</a:t>
+            </a:r>
+            <a:r>
+              <a:rPr lang="en-US" i="1" dirty="0" smtClean="0"/>
+              <a:t> </a:t>
+            </a:r>
+            <a:r>
+              <a:rPr lang="en-US" i="1" dirty="0" err="1" smtClean="0"/>
+              <a:t>liées</a:t>
+            </a:r>
+            <a:r>
+              <a:rPr lang="en-US" i="1" dirty="0" smtClean="0"/>
+              <a:t> </a:t>
+            </a:r>
+            <a:r>
+              <a:rPr lang="en-US" i="1" dirty="0" err="1" smtClean="0"/>
+              <a:t>statiquement</a:t>
+            </a:r>
+            <a:r>
+              <a:rPr lang="fr-FR" i="1" dirty="0" smtClean="0"/>
+              <a:t>.</a:t>
+            </a:r>
+          </a:p>
+          <a:p>
+            <a:pPr>
+              <a:buNone/>
+            </a:pPr>
+            <a:endParaRPr lang="fr-FR" i="1" dirty="0" smtClean="0"/>
+          </a:p>
+          <a:p>
+            <a:pPr>
+              <a:buNone/>
+            </a:pPr>
+            <a:r>
+              <a:rPr lang="en-US" i="1" dirty="0" smtClean="0"/>
+              <a:t>Le type d’un </a:t>
+            </a:r>
+            <a:r>
+              <a:rPr lang="en-US" i="1" dirty="0" err="1" smtClean="0"/>
+              <a:t>récepteur</a:t>
+            </a:r>
+            <a:r>
+              <a:rPr lang="en-US" i="1" dirty="0" smtClean="0"/>
+              <a:t> </a:t>
+            </a:r>
+            <a:r>
+              <a:rPr lang="en-US" i="1" dirty="0" err="1" smtClean="0"/>
+              <a:t>dans</a:t>
+            </a:r>
+            <a:r>
+              <a:rPr lang="en-US" i="1" dirty="0" smtClean="0"/>
+              <a:t> </a:t>
+            </a:r>
+            <a:r>
+              <a:rPr lang="en-US" i="1" dirty="0" err="1" smtClean="0"/>
+              <a:t>une</a:t>
+            </a:r>
+            <a:r>
+              <a:rPr lang="en-US" i="1" dirty="0" smtClean="0"/>
+              <a:t> </a:t>
+            </a:r>
+            <a:r>
+              <a:rPr lang="en-US" i="1" dirty="0" err="1" smtClean="0"/>
+              <a:t>méthode</a:t>
+            </a:r>
+            <a:r>
+              <a:rPr lang="en-US" i="1" dirty="0" smtClean="0"/>
+              <a:t> </a:t>
+            </a:r>
+            <a:r>
+              <a:rPr lang="en-US" i="1" dirty="0" err="1" smtClean="0"/>
+              <a:t>peut</a:t>
+            </a:r>
+            <a:r>
+              <a:rPr lang="en-US" i="1" dirty="0" smtClean="0"/>
+              <a:t> </a:t>
+            </a:r>
+            <a:r>
+              <a:rPr lang="en-US" i="1" dirty="0" err="1" smtClean="0"/>
+              <a:t>être</a:t>
+            </a:r>
+            <a:r>
+              <a:rPr lang="en-US" i="1" dirty="0" smtClean="0"/>
+              <a:t> </a:t>
+            </a:r>
+            <a:r>
+              <a:rPr lang="en-US" i="1" dirty="0" err="1" smtClean="0"/>
+              <a:t>soit</a:t>
+            </a:r>
+            <a:r>
+              <a:rPr lang="en-US" i="1" dirty="0" smtClean="0"/>
+              <a:t> </a:t>
+            </a:r>
+          </a:p>
+          <a:p>
+            <a:pPr>
+              <a:buNone/>
+            </a:pPr>
+            <a:r>
+              <a:rPr lang="en-US" i="1" dirty="0" smtClean="0"/>
+              <a:t>*</a:t>
+            </a:r>
+            <a:r>
+              <a:rPr lang="en-US" i="1" dirty="0" err="1" smtClean="0"/>
+              <a:t>Foo</a:t>
+            </a:r>
+            <a:r>
+              <a:rPr lang="en-US" i="1" dirty="0" smtClean="0"/>
+              <a:t> </a:t>
+            </a:r>
+            <a:r>
+              <a:rPr lang="en-US" i="1" dirty="0" err="1" smtClean="0"/>
+              <a:t>ou</a:t>
+            </a:r>
+            <a:r>
+              <a:rPr lang="en-US" i="1" dirty="0" smtClean="0"/>
+              <a:t> </a:t>
+            </a:r>
+            <a:r>
+              <a:rPr lang="en-US" i="1" dirty="0" err="1" smtClean="0"/>
+              <a:t>Foo</a:t>
+            </a:r>
+            <a:r>
+              <a:rPr lang="en-US" i="1" dirty="0" smtClean="0"/>
+              <a:t>. </a:t>
+            </a:r>
+            <a:r>
+              <a:rPr lang="en-US" i="1" dirty="0" err="1" smtClean="0"/>
+              <a:t>Vous</a:t>
+            </a:r>
+            <a:r>
+              <a:rPr lang="en-US" i="1" dirty="0" smtClean="0"/>
+              <a:t> </a:t>
+            </a:r>
+            <a:r>
+              <a:rPr lang="en-US" i="1" dirty="0" err="1" smtClean="0"/>
+              <a:t>pouvez</a:t>
+            </a:r>
+            <a:r>
+              <a:rPr lang="en-US" i="1" dirty="0" smtClean="0"/>
+              <a:t> </a:t>
+            </a:r>
+            <a:r>
+              <a:rPr lang="en-US" i="1" dirty="0" err="1" smtClean="0"/>
+              <a:t>avoir</a:t>
+            </a:r>
+            <a:r>
+              <a:rPr lang="en-US" i="1" dirty="0" smtClean="0"/>
+              <a:t> des </a:t>
+            </a:r>
+            <a:r>
+              <a:rPr lang="en-US" i="1" dirty="0" err="1" smtClean="0"/>
+              <a:t>méthodes</a:t>
+            </a:r>
+            <a:r>
+              <a:rPr lang="en-US" i="1" dirty="0" smtClean="0"/>
+              <a:t> </a:t>
+            </a:r>
+            <a:r>
+              <a:rPr lang="en-US" i="1" dirty="0" err="1" smtClean="0"/>
+              <a:t>Foo</a:t>
+            </a:r>
+            <a:r>
+              <a:rPr lang="en-US" i="1" dirty="0" smtClean="0"/>
+              <a:t> et des</a:t>
+            </a:r>
+          </a:p>
+          <a:p>
+            <a:pPr>
+              <a:buNone/>
+            </a:pPr>
+            <a:r>
+              <a:rPr lang="en-US" i="1" dirty="0" smtClean="0"/>
+              <a:t> </a:t>
+            </a:r>
+            <a:r>
+              <a:rPr lang="en-US" i="1" dirty="0" err="1" smtClean="0"/>
+              <a:t>méthodes</a:t>
+            </a:r>
+            <a:r>
+              <a:rPr lang="en-US" i="1" dirty="0" smtClean="0"/>
+              <a:t> *</a:t>
+            </a:r>
+            <a:r>
+              <a:rPr lang="en-US" i="1" dirty="0" err="1" smtClean="0"/>
+              <a:t>Foo</a:t>
+            </a:r>
+            <a:r>
+              <a:rPr lang="en-US" i="1" dirty="0" smtClean="0"/>
+              <a:t>. </a:t>
+            </a:r>
+            <a:r>
+              <a:rPr lang="en-US" i="1" dirty="0" err="1" smtClean="0"/>
+              <a:t>Foo</a:t>
+            </a:r>
+            <a:r>
+              <a:rPr lang="en-US" i="1" dirty="0" smtClean="0"/>
+              <a:t> </a:t>
+            </a:r>
+            <a:r>
+              <a:rPr lang="en-US" i="1" dirty="0" err="1" smtClean="0"/>
+              <a:t>lui-même</a:t>
+            </a:r>
+            <a:r>
+              <a:rPr lang="en-US" i="1" dirty="0" smtClean="0"/>
+              <a:t> ne </a:t>
+            </a:r>
+            <a:r>
+              <a:rPr lang="en-US" i="1" dirty="0" err="1" smtClean="0"/>
+              <a:t>peut</a:t>
+            </a:r>
+            <a:r>
+              <a:rPr lang="en-US" i="1" dirty="0" smtClean="0"/>
+              <a:t> pas </a:t>
+            </a:r>
+            <a:r>
+              <a:rPr lang="en-US" i="1" dirty="0" err="1" smtClean="0"/>
+              <a:t>être</a:t>
+            </a:r>
+            <a:r>
+              <a:rPr lang="en-US" i="1" dirty="0" smtClean="0"/>
+              <a:t> un type </a:t>
+            </a:r>
+          </a:p>
+          <a:p>
+            <a:pPr>
+              <a:buNone/>
+            </a:pPr>
+            <a:r>
+              <a:rPr lang="fr-FR" i="1" dirty="0" smtClean="0"/>
+              <a:t> pointeur bien que les méthodes puissent avoir un</a:t>
+            </a:r>
+          </a:p>
+          <a:p>
+            <a:pPr>
+              <a:buNone/>
+            </a:pPr>
+            <a:r>
+              <a:rPr lang="fr-FR" i="1" dirty="0" smtClean="0"/>
+              <a:t> récepteur de type </a:t>
+            </a:r>
+            <a:r>
+              <a:rPr lang="en-US" i="1" dirty="0" smtClean="0"/>
+              <a:t>*</a:t>
+            </a:r>
+            <a:r>
+              <a:rPr lang="en-US" i="1" dirty="0" err="1" smtClean="0"/>
+              <a:t>Foo</a:t>
+            </a:r>
+            <a:r>
+              <a:rPr lang="en-US" i="1" dirty="0" smtClean="0"/>
+              <a:t>.</a:t>
+            </a:r>
+          </a:p>
+          <a:p>
+            <a:pPr>
+              <a:buNone/>
+            </a:pPr>
+            <a:endParaRPr lang="en-US" i="1" dirty="0" smtClean="0"/>
+          </a:p>
+          <a:p>
+            <a:pPr>
+              <a:buNone/>
+            </a:pPr>
+            <a:r>
+              <a:rPr lang="en-US" i="1" dirty="0" smtClean="0"/>
+              <a:t>Le type  </a:t>
+            </a:r>
+            <a:r>
+              <a:rPr lang="en-US" i="1" dirty="0" err="1" smtClean="0"/>
+              <a:t>Foo</a:t>
+            </a:r>
+            <a:r>
+              <a:rPr lang="en-US" i="1" dirty="0" smtClean="0"/>
+              <a:t> </a:t>
+            </a:r>
+            <a:r>
+              <a:rPr lang="en-US" i="1" dirty="0" err="1" smtClean="0"/>
+              <a:t>doit</a:t>
+            </a:r>
+            <a:r>
+              <a:rPr lang="en-US" i="1" dirty="0" smtClean="0"/>
+              <a:t> </a:t>
+            </a:r>
+            <a:r>
+              <a:rPr lang="en-US" i="1" dirty="0" err="1" smtClean="0"/>
+              <a:t>être</a:t>
+            </a:r>
+            <a:r>
+              <a:rPr lang="en-US" i="1" dirty="0" smtClean="0"/>
+              <a:t> </a:t>
+            </a:r>
+            <a:r>
+              <a:rPr lang="en-US" i="1" dirty="0" err="1" smtClean="0"/>
+              <a:t>défini</a:t>
+            </a:r>
+            <a:r>
+              <a:rPr lang="en-US" i="1" dirty="0" smtClean="0"/>
+              <a:t> </a:t>
+            </a:r>
+            <a:r>
+              <a:rPr lang="en-US" i="1" dirty="0" err="1" smtClean="0"/>
+              <a:t>dans</a:t>
+            </a:r>
+            <a:r>
+              <a:rPr lang="en-US" i="1" dirty="0" smtClean="0"/>
+              <a:t> le </a:t>
+            </a:r>
+            <a:r>
+              <a:rPr lang="en-US" i="1" dirty="0" err="1" smtClean="0"/>
+              <a:t>même</a:t>
+            </a:r>
+            <a:r>
+              <a:rPr lang="en-US" i="1" dirty="0" smtClean="0"/>
+              <a:t> package </a:t>
+            </a:r>
+            <a:r>
+              <a:rPr lang="en-US" i="1" dirty="0" err="1" smtClean="0"/>
+              <a:t>que</a:t>
+            </a:r>
+            <a:r>
+              <a:rPr lang="en-US" i="1" dirty="0" smtClean="0"/>
+              <a:t> </a:t>
+            </a:r>
+            <a:r>
+              <a:rPr lang="en-US" i="1" dirty="0" err="1" smtClean="0"/>
+              <a:t>celui</a:t>
+            </a:r>
+            <a:r>
+              <a:rPr lang="en-US" i="1" dirty="0" smtClean="0"/>
+              <a:t> de </a:t>
+            </a:r>
+            <a:r>
+              <a:rPr lang="en-US" i="1" dirty="0" err="1" smtClean="0"/>
+              <a:t>ses</a:t>
+            </a:r>
+            <a:r>
+              <a:rPr lang="en-US" i="1" dirty="0" smtClean="0"/>
+              <a:t> </a:t>
+            </a:r>
+            <a:r>
+              <a:rPr lang="en-US" i="1" dirty="0" err="1" smtClean="0"/>
+              <a:t>méthodes</a:t>
+            </a:r>
+            <a:r>
+              <a:rPr lang="fr-FR" i="1" dirty="0" smtClean="0"/>
+              <a:t>.</a:t>
+            </a:r>
+            <a:endParaRPr lang="fr-FR" dirty="0"/>
+          </a:p>
+        </p:txBody>
+      </p:sp>
+    </p:spTree>
+  </p:cSld>
+  <p:clrMapOvr>
+    <a:masterClrMapping/>
+  </p:clrMapOvr>
+</p:sld>
+</file>
+
+<file path=ppt/slides/slide41.xml><?xml version="1.0" encoding="utf-8"?>
+<p:sld xmlns:a="http://schemas.openxmlformats.org/drawingml/2006/main" xmlns:r="http://schemas.openxmlformats.org/officeDocument/2006/relationships" xmlns:p="http://schemas.openxmlformats.org/presentationml/2006/main">
+  <p:cSld>
+    <p:spTree>
+      <p:nvGrpSpPr>
+        <p:cNvPr id="1" name=""/>
+        <p:cNvGrpSpPr/>
+        <p:nvPr/>
+      </p:nvGrpSpPr>
+      <p:grpSpPr>
+        <a:xfrm>
+          <a:off x="0" y="0"/>
+          <a:ext cx="0" cy="0"/>
+          <a:chOff x="0" y="0"/>
+          <a:chExt cx="0" cy="0"/>
+        </a:xfrm>
+      </p:grpSpPr>
+      <p:sp>
+        <p:nvSpPr>
+          <p:cNvPr id="2" name="Titre 1"/>
+          <p:cNvSpPr>
+            <a:spLocks noGrp="1"/>
+          </p:cNvSpPr>
+          <p:nvPr>
+            <p:ph type="title"/>
+          </p:nvPr>
+        </p:nvSpPr>
+        <p:spPr/>
+        <p:txBody>
+          <a:bodyPr/>
+          <a:lstStyle/>
+          <a:p>
+            <a:r>
+              <a:rPr lang="fr-FR" dirty="0" smtClean="0"/>
+              <a:t>Pointeurs et valeurs</a:t>
+            </a:r>
+            <a:endParaRPr lang="fr-FR" dirty="0"/>
+          </a:p>
+        </p:txBody>
+      </p:sp>
+      <p:sp>
+        <p:nvSpPr>
+          <p:cNvPr id="3" name="Espace réservé du contenu 2"/>
+          <p:cNvSpPr>
+            <a:spLocks noGrp="1"/>
+          </p:cNvSpPr>
+          <p:nvPr>
+            <p:ph idx="1"/>
+          </p:nvPr>
+        </p:nvSpPr>
+        <p:spPr>
+          <a:xfrm>
+            <a:off x="457200" y="1412776"/>
+            <a:ext cx="8229600" cy="4713387"/>
+          </a:xfrm>
+        </p:spPr>
+        <p:txBody>
+          <a:bodyPr>
+            <a:noAutofit/>
+          </a:bodyPr>
+          <a:lstStyle/>
+          <a:p>
+            <a:pPr>
+              <a:buNone/>
+            </a:pPr>
+            <a:r>
+              <a:rPr lang="en-US" sz="2400" i="1" dirty="0" smtClean="0"/>
+              <a:t>Go </a:t>
+            </a:r>
+            <a:r>
+              <a:rPr lang="en-US" sz="2400" i="1" dirty="0" err="1" smtClean="0"/>
+              <a:t>déréférence</a:t>
+            </a:r>
+            <a:r>
+              <a:rPr lang="en-US" sz="2400" i="1" dirty="0" smtClean="0"/>
+              <a:t> </a:t>
+            </a:r>
+            <a:r>
+              <a:rPr lang="en-US" sz="2400" i="1" dirty="0" err="1" smtClean="0"/>
+              <a:t>automatiquement</a:t>
+            </a:r>
+            <a:r>
+              <a:rPr lang="en-US" sz="2400" i="1" dirty="0" smtClean="0"/>
+              <a:t> les </a:t>
+            </a:r>
+            <a:r>
+              <a:rPr lang="en-US" sz="2400" i="1" dirty="0" err="1" smtClean="0"/>
+              <a:t>valeurs</a:t>
+            </a:r>
+            <a:r>
+              <a:rPr lang="en-US" sz="2400" i="1" dirty="0" smtClean="0"/>
+              <a:t> pour </a:t>
+            </a:r>
+            <a:r>
+              <a:rPr lang="en-US" sz="2400" i="1" dirty="0" err="1" smtClean="0"/>
+              <a:t>vous</a:t>
+            </a:r>
+            <a:r>
+              <a:rPr lang="en-US" sz="2400" i="1" dirty="0" smtClean="0"/>
+              <a:t> à </a:t>
+            </a:r>
+          </a:p>
+          <a:p>
+            <a:pPr>
+              <a:buNone/>
+            </a:pPr>
+            <a:r>
+              <a:rPr lang="en-US" sz="2400" i="1" dirty="0" err="1" smtClean="0"/>
+              <a:t>l’invocation</a:t>
+            </a:r>
+            <a:r>
+              <a:rPr lang="en-US" sz="2400" i="1" dirty="0" smtClean="0"/>
+              <a:t> des </a:t>
+            </a:r>
+            <a:r>
+              <a:rPr lang="en-US" sz="2400" i="1" dirty="0" err="1" smtClean="0"/>
+              <a:t>méthodes</a:t>
+            </a:r>
+            <a:r>
+              <a:rPr lang="fr-FR" sz="2400" i="1" dirty="0" smtClean="0"/>
+              <a:t>.</a:t>
+            </a:r>
+            <a:endParaRPr lang="fr-FR" sz="2400" i="1" dirty="0" smtClean="0"/>
+          </a:p>
+          <a:p>
+            <a:pPr>
+              <a:buNone/>
+            </a:pPr>
+            <a:r>
+              <a:rPr lang="en-US" sz="2400" i="1" dirty="0" smtClean="0"/>
+              <a:t>Par </a:t>
+            </a:r>
+            <a:r>
+              <a:rPr lang="en-US" sz="2400" i="1" dirty="0" err="1" smtClean="0"/>
+              <a:t>exemple</a:t>
+            </a:r>
+            <a:r>
+              <a:rPr lang="en-US" sz="2400" i="1" dirty="0" smtClean="0"/>
+              <a:t>, </a:t>
+            </a:r>
+            <a:r>
+              <a:rPr lang="en-US" sz="2400" i="1" dirty="0" err="1" smtClean="0"/>
+              <a:t>même</a:t>
+            </a:r>
+            <a:r>
+              <a:rPr lang="en-US" sz="2400" i="1" dirty="0" smtClean="0"/>
+              <a:t> </a:t>
+            </a:r>
+            <a:r>
+              <a:rPr lang="en-US" sz="2400" i="1" dirty="0" err="1" smtClean="0"/>
+              <a:t>si</a:t>
+            </a:r>
+            <a:r>
+              <a:rPr lang="en-US" sz="2400" i="1" dirty="0" smtClean="0"/>
+              <a:t> </a:t>
+            </a:r>
+            <a:r>
+              <a:rPr lang="en-US" sz="2400" i="1" dirty="0" err="1" smtClean="0"/>
+              <a:t>une</a:t>
+            </a:r>
+            <a:r>
+              <a:rPr lang="en-US" sz="2400" i="1" dirty="0" smtClean="0"/>
+              <a:t> </a:t>
+            </a:r>
+            <a:r>
+              <a:rPr lang="en-US" sz="2400" i="1" dirty="0" err="1" smtClean="0"/>
+              <a:t>méthode</a:t>
+            </a:r>
+            <a:r>
+              <a:rPr lang="en-US" sz="2400" i="1" dirty="0" smtClean="0"/>
+              <a:t> </a:t>
+            </a:r>
+            <a:r>
+              <a:rPr lang="en-US" sz="2400" i="1" dirty="0" err="1" smtClean="0"/>
+              <a:t>possède</a:t>
+            </a:r>
+            <a:r>
+              <a:rPr lang="en-US" sz="2400" i="1" dirty="0" smtClean="0"/>
+              <a:t> un type </a:t>
+            </a:r>
+            <a:r>
+              <a:rPr lang="en-US" sz="2400" i="1" dirty="0" err="1" smtClean="0"/>
+              <a:t>récepteur</a:t>
+            </a:r>
+            <a:r>
+              <a:rPr lang="en-US" sz="2400" i="1" dirty="0" smtClean="0"/>
+              <a:t>  </a:t>
+            </a:r>
+          </a:p>
+          <a:p>
+            <a:pPr>
+              <a:buNone/>
+            </a:pPr>
+            <a:r>
+              <a:rPr lang="en-US" sz="2400" i="1" dirty="0" smtClean="0"/>
+              <a:t>*Point, </a:t>
+            </a:r>
+            <a:r>
+              <a:rPr lang="en-US" sz="2400" i="1" dirty="0" err="1" smtClean="0"/>
+              <a:t>vous</a:t>
+            </a:r>
+            <a:r>
+              <a:rPr lang="en-US" sz="2400" i="1" dirty="0" smtClean="0"/>
+              <a:t> </a:t>
+            </a:r>
+            <a:r>
+              <a:rPr lang="en-US" sz="2400" i="1" dirty="0" err="1" smtClean="0"/>
+              <a:t>pouvez</a:t>
+            </a:r>
+            <a:r>
+              <a:rPr lang="en-US" sz="2400" i="1" dirty="0" smtClean="0"/>
+              <a:t> </a:t>
+            </a:r>
+            <a:r>
+              <a:rPr lang="en-US" sz="2400" i="1" dirty="0" err="1" smtClean="0"/>
+              <a:t>l’invoquer</a:t>
+            </a:r>
+            <a:r>
+              <a:rPr lang="en-US" sz="2400" i="1" dirty="0" smtClean="0"/>
+              <a:t> </a:t>
+            </a:r>
+            <a:r>
+              <a:rPr lang="en-US" sz="2400" i="1" dirty="0" err="1" smtClean="0"/>
+              <a:t>sur</a:t>
+            </a:r>
+            <a:r>
+              <a:rPr lang="en-US" sz="2400" i="1" dirty="0" smtClean="0"/>
+              <a:t> </a:t>
+            </a:r>
+            <a:r>
+              <a:rPr lang="en-US" sz="2400" i="1" dirty="0" err="1" smtClean="0"/>
+              <a:t>une</a:t>
+            </a:r>
+            <a:r>
+              <a:rPr lang="en-US" sz="2400" i="1" dirty="0" smtClean="0"/>
+              <a:t> </a:t>
+            </a:r>
+            <a:r>
+              <a:rPr lang="en-US" sz="2400" i="1" dirty="0" err="1" smtClean="0"/>
+              <a:t>valeur</a:t>
+            </a:r>
+            <a:r>
+              <a:rPr lang="en-US" sz="2400" i="1" dirty="0" smtClean="0"/>
+              <a:t>  de type </a:t>
+            </a:r>
+          </a:p>
+          <a:p>
+            <a:pPr>
+              <a:buNone/>
+            </a:pPr>
+            <a:r>
+              <a:rPr lang="en-US" sz="2400" i="1" dirty="0" smtClean="0"/>
+              <a:t>Point.</a:t>
+            </a:r>
+            <a:endParaRPr lang="fr-FR" sz="2400" i="1" dirty="0" smtClean="0"/>
+          </a:p>
+          <a:p>
+            <a:pPr lvl="1">
+              <a:buNone/>
+            </a:pPr>
+            <a:r>
+              <a:rPr lang="fr-FR" sz="1800" dirty="0" smtClean="0">
+                <a:latin typeface="Courier New" pitchFamily="49" charset="0"/>
+                <a:cs typeface="Courier New" pitchFamily="49" charset="0"/>
+              </a:rPr>
+              <a:t>p1 := Point{ 3, 4 }</a:t>
+            </a:r>
+          </a:p>
+          <a:p>
+            <a:pPr lvl="1">
+              <a:buNone/>
+            </a:pPr>
+            <a:r>
+              <a:rPr lang="fr-FR" sz="1800" dirty="0" err="1" smtClean="0">
+                <a:latin typeface="Courier New" pitchFamily="49" charset="0"/>
+                <a:cs typeface="Courier New" pitchFamily="49" charset="0"/>
+              </a:rPr>
+              <a:t>fmt.Print</a:t>
+            </a:r>
+            <a:r>
+              <a:rPr lang="fr-FR" sz="1800" dirty="0" smtClean="0">
+                <a:latin typeface="Courier New" pitchFamily="49" charset="0"/>
+                <a:cs typeface="Courier New" pitchFamily="49" charset="0"/>
+              </a:rPr>
+              <a:t>(p1.Abs()) </a:t>
+            </a:r>
+            <a:r>
+              <a:rPr lang="fr-FR" sz="1800" dirty="0" smtClean="0">
+                <a:latin typeface="Courier New" pitchFamily="49" charset="0"/>
+                <a:cs typeface="Courier New" pitchFamily="49" charset="0"/>
+              </a:rPr>
+              <a:t>	// sucre syntaxique pour 					//(&amp;</a:t>
+            </a:r>
+            <a:r>
+              <a:rPr lang="fr-FR" sz="1800" dirty="0" smtClean="0">
+                <a:latin typeface="Courier New" pitchFamily="49" charset="0"/>
+                <a:cs typeface="Courier New" pitchFamily="49" charset="0"/>
+              </a:rPr>
+              <a:t>p1).Abs()</a:t>
+            </a:r>
+          </a:p>
+          <a:p>
+            <a:pPr>
+              <a:buNone/>
+            </a:pPr>
+            <a:r>
+              <a:rPr lang="en-US" sz="2400" i="1" dirty="0" smtClean="0"/>
+              <a:t>De </a:t>
+            </a:r>
+            <a:r>
+              <a:rPr lang="en-US" sz="2400" i="1" dirty="0" err="1" smtClean="0"/>
+              <a:t>manière</a:t>
+            </a:r>
+            <a:r>
+              <a:rPr lang="en-US" sz="2400" i="1" dirty="0" smtClean="0"/>
+              <a:t> </a:t>
+            </a:r>
+            <a:r>
+              <a:rPr lang="en-US" sz="2400" i="1" dirty="0" err="1" smtClean="0"/>
+              <a:t>similaire</a:t>
+            </a:r>
+            <a:r>
+              <a:rPr lang="en-US" sz="2400" i="1" dirty="0" smtClean="0"/>
+              <a:t>, </a:t>
+            </a:r>
+            <a:r>
+              <a:rPr lang="en-US" sz="2400" i="1" dirty="0" err="1" smtClean="0"/>
+              <a:t>si</a:t>
+            </a:r>
+            <a:r>
+              <a:rPr lang="en-US" sz="2400" i="1" dirty="0" smtClean="0"/>
+              <a:t> des </a:t>
+            </a:r>
+            <a:r>
+              <a:rPr lang="en-US" sz="2400" i="1" dirty="0" err="1" smtClean="0"/>
+              <a:t>méthodes</a:t>
+            </a:r>
+            <a:r>
+              <a:rPr lang="en-US" sz="2400" i="1" dirty="0" smtClean="0"/>
+              <a:t> </a:t>
+            </a:r>
+            <a:r>
+              <a:rPr lang="en-US" sz="2400" i="1" dirty="0" err="1" smtClean="0"/>
+              <a:t>sont</a:t>
+            </a:r>
+            <a:r>
+              <a:rPr lang="en-US" sz="2400" i="1" dirty="0" smtClean="0"/>
+              <a:t> </a:t>
+            </a:r>
+            <a:r>
+              <a:rPr lang="en-US" sz="2400" i="1" dirty="0" err="1" smtClean="0"/>
+              <a:t>sur</a:t>
+            </a:r>
+            <a:r>
+              <a:rPr lang="en-US" sz="2400" i="1" dirty="0" smtClean="0"/>
+              <a:t> Point3 </a:t>
+            </a:r>
+            <a:r>
+              <a:rPr lang="en-US" sz="2400" i="1" dirty="0" err="1" smtClean="0"/>
+              <a:t>vous</a:t>
+            </a:r>
+            <a:r>
+              <a:rPr lang="en-US" sz="2400" i="1" dirty="0" smtClean="0"/>
+              <a:t> </a:t>
+            </a:r>
+          </a:p>
+          <a:p>
+            <a:pPr>
+              <a:buNone/>
+            </a:pPr>
+            <a:r>
+              <a:rPr lang="en-US" sz="2400" i="1" dirty="0" err="1" smtClean="0"/>
+              <a:t>pouvez</a:t>
+            </a:r>
+            <a:r>
+              <a:rPr lang="en-US" sz="2400" i="1" dirty="0" smtClean="0"/>
+              <a:t> </a:t>
+            </a:r>
+            <a:r>
+              <a:rPr lang="en-US" sz="2400" i="1" dirty="0" err="1" smtClean="0"/>
+              <a:t>utiliser</a:t>
+            </a:r>
+            <a:r>
+              <a:rPr lang="en-US" sz="2400" i="1" dirty="0" smtClean="0"/>
+              <a:t> </a:t>
+            </a:r>
+            <a:r>
+              <a:rPr lang="en-US" sz="2400" i="1" dirty="0" err="1" smtClean="0"/>
+              <a:t>une</a:t>
+            </a:r>
+            <a:r>
+              <a:rPr lang="en-US" sz="2400" i="1" dirty="0" smtClean="0"/>
+              <a:t> </a:t>
+            </a:r>
+            <a:r>
+              <a:rPr lang="en-US" sz="2400" i="1" dirty="0" err="1" smtClean="0"/>
+              <a:t>valeur</a:t>
+            </a:r>
+            <a:r>
+              <a:rPr lang="en-US" sz="2400" i="1" dirty="0" smtClean="0"/>
+              <a:t> de type </a:t>
+            </a:r>
+            <a:r>
+              <a:rPr lang="fr-FR" sz="2400" i="1" dirty="0" smtClean="0"/>
+              <a:t>*</a:t>
+            </a:r>
+            <a:r>
+              <a:rPr lang="fr-FR" sz="2400" i="1" dirty="0" smtClean="0"/>
+              <a:t>Point3:</a:t>
+            </a:r>
+          </a:p>
+          <a:p>
+            <a:pPr lvl="1">
+              <a:buNone/>
+            </a:pPr>
+            <a:r>
+              <a:rPr lang="fr-FR" sz="1800" dirty="0" smtClean="0">
+                <a:latin typeface="Courier New" pitchFamily="49" charset="0"/>
+                <a:cs typeface="Courier New" pitchFamily="49" charset="0"/>
+              </a:rPr>
+              <a:t>p3 := &amp;Point3{ 3, 4, 5 }</a:t>
+            </a:r>
+          </a:p>
+          <a:p>
+            <a:pPr lvl="1">
+              <a:buNone/>
+            </a:pPr>
+            <a:r>
+              <a:rPr lang="fr-FR" sz="1800" dirty="0" err="1" smtClean="0">
+                <a:latin typeface="Courier New" pitchFamily="49" charset="0"/>
+                <a:cs typeface="Courier New" pitchFamily="49" charset="0"/>
+              </a:rPr>
+              <a:t>fmt.Print</a:t>
+            </a:r>
+            <a:r>
+              <a:rPr lang="fr-FR" sz="1800" dirty="0" smtClean="0">
+                <a:latin typeface="Courier New" pitchFamily="49" charset="0"/>
+                <a:cs typeface="Courier New" pitchFamily="49" charset="0"/>
+              </a:rPr>
+              <a:t>(p3.Abs()) </a:t>
+            </a:r>
+            <a:r>
+              <a:rPr lang="fr-FR" sz="1800" dirty="0" smtClean="0">
+                <a:latin typeface="Courier New" pitchFamily="49" charset="0"/>
+                <a:cs typeface="Courier New" pitchFamily="49" charset="0"/>
+              </a:rPr>
+              <a:t>	// </a:t>
+            </a:r>
+            <a:r>
+              <a:rPr lang="fr-FR" sz="1800" dirty="0" smtClean="0">
+                <a:latin typeface="Courier New" pitchFamily="49" charset="0"/>
+                <a:cs typeface="Courier New" pitchFamily="49" charset="0"/>
+              </a:rPr>
+              <a:t>sucre syntaxique pour </a:t>
+            </a:r>
+            <a:endParaRPr lang="fr-FR" sz="1800" dirty="0" smtClean="0">
+              <a:latin typeface="Courier New" pitchFamily="49" charset="0"/>
+              <a:cs typeface="Courier New" pitchFamily="49" charset="0"/>
+            </a:endParaRPr>
+          </a:p>
+          <a:p>
+            <a:pPr lvl="1">
+              <a:buNone/>
+            </a:pPr>
+            <a:r>
+              <a:rPr lang="fr-FR" sz="1800" dirty="0" smtClean="0">
+                <a:latin typeface="Courier New" pitchFamily="49" charset="0"/>
+                <a:cs typeface="Courier New" pitchFamily="49" charset="0"/>
+              </a:rPr>
+              <a:t>	</a:t>
+            </a:r>
+            <a:r>
+              <a:rPr lang="fr-FR" sz="1800" dirty="0" smtClean="0">
+                <a:latin typeface="Courier New" pitchFamily="49" charset="0"/>
+                <a:cs typeface="Courier New" pitchFamily="49" charset="0"/>
+              </a:rPr>
+              <a:t>				//(*</a:t>
+            </a:r>
+            <a:r>
+              <a:rPr lang="fr-FR" sz="1800" dirty="0" smtClean="0">
+                <a:latin typeface="Courier New" pitchFamily="49" charset="0"/>
+                <a:cs typeface="Courier New" pitchFamily="49" charset="0"/>
+              </a:rPr>
+              <a:t>p3).Abs</a:t>
+            </a:r>
+            <a:r>
+              <a:rPr lang="fr-FR" sz="1800" dirty="0" smtClean="0">
+                <a:latin typeface="Courier New" pitchFamily="49" charset="0"/>
+                <a:cs typeface="Courier New" pitchFamily="49" charset="0"/>
+              </a:rPr>
+              <a:t>()</a:t>
+            </a:r>
+            <a:endParaRPr lang="fr-FR" sz="1800" dirty="0" smtClean="0">
+              <a:latin typeface="Courier New" pitchFamily="49" charset="0"/>
+              <a:cs typeface="Courier New" pitchFamily="49" charset="0"/>
+            </a:endParaRPr>
+          </a:p>
+        </p:txBody>
+      </p:sp>
+    </p:spTree>
+  </p:cSld>
+  <p:clrMapOvr>
+    <a:masterClrMapping/>
+  </p:clrMapOvr>
+</p:sld>
+</file>
+
+<file path=ppt/slides/slide42.xml><?xml version="1.0" encoding="utf-8"?>
+<p:sld xmlns:a="http://schemas.openxmlformats.org/drawingml/2006/main" xmlns:r="http://schemas.openxmlformats.org/officeDocument/2006/relationships" xmlns:p="http://schemas.openxmlformats.org/presentationml/2006/main">
+  <p:cSld>
+    <p:spTree>
+      <p:nvGrpSpPr>
+        <p:cNvPr id="1" name=""/>
+        <p:cNvGrpSpPr/>
+        <p:nvPr/>
+      </p:nvGrpSpPr>
+      <p:grpSpPr>
+        <a:xfrm>
+          <a:off x="0" y="0"/>
+          <a:ext cx="0" cy="0"/>
+          <a:chOff x="0" y="0"/>
+          <a:chExt cx="0" cy="0"/>
+        </a:xfrm>
+      </p:grpSpPr>
+      <p:sp>
+        <p:nvSpPr>
+          <p:cNvPr id="2" name="Titre 1"/>
+          <p:cNvSpPr>
+            <a:spLocks noGrp="1"/>
+          </p:cNvSpPr>
+          <p:nvPr>
+            <p:ph type="title"/>
+          </p:nvPr>
+        </p:nvSpPr>
+        <p:spPr/>
+        <p:txBody>
+          <a:bodyPr>
+            <a:normAutofit fontScale="90000"/>
+          </a:bodyPr>
+          <a:lstStyle/>
+          <a:p>
+            <a:r>
+              <a:rPr lang="fr-FR" dirty="0" smtClean="0"/>
+              <a:t>Méthodes sur des champs anonymes</a:t>
+            </a:r>
+            <a:endParaRPr lang="fr-FR" dirty="0"/>
+          </a:p>
+        </p:txBody>
+      </p:sp>
+      <p:sp>
+        <p:nvSpPr>
+          <p:cNvPr id="3" name="Espace réservé du contenu 2"/>
+          <p:cNvSpPr>
+            <a:spLocks noGrp="1"/>
+          </p:cNvSpPr>
+          <p:nvPr>
+            <p:ph idx="1"/>
+          </p:nvPr>
+        </p:nvSpPr>
+        <p:spPr/>
+        <p:txBody>
+          <a:bodyPr>
+            <a:normAutofit/>
+          </a:bodyPr>
+          <a:lstStyle/>
+          <a:p>
+            <a:pPr>
+              <a:buNone/>
+            </a:pPr>
+            <a:r>
+              <a:rPr lang="en-US" i="1" dirty="0" err="1" smtClean="0"/>
+              <a:t>Naturellement</a:t>
+            </a:r>
+            <a:r>
+              <a:rPr lang="en-US" i="1" dirty="0" smtClean="0"/>
+              <a:t>, </a:t>
+            </a:r>
+            <a:r>
+              <a:rPr lang="en-US" i="1" dirty="0" err="1" smtClean="0"/>
+              <a:t>quand</a:t>
+            </a:r>
+            <a:r>
+              <a:rPr lang="en-US" i="1" dirty="0" smtClean="0"/>
+              <a:t> un champ </a:t>
+            </a:r>
+            <a:r>
+              <a:rPr lang="en-US" i="1" dirty="0" err="1" smtClean="0"/>
+              <a:t>anonyme</a:t>
+            </a:r>
+            <a:r>
+              <a:rPr lang="en-US" i="1" dirty="0" smtClean="0"/>
+              <a:t> </a:t>
+            </a:r>
+            <a:r>
+              <a:rPr lang="en-US" i="1" dirty="0" err="1" smtClean="0"/>
+              <a:t>est</a:t>
+            </a:r>
+            <a:endParaRPr lang="en-US" i="1" dirty="0" smtClean="0"/>
+          </a:p>
+          <a:p>
+            <a:pPr>
+              <a:buNone/>
+            </a:pPr>
+            <a:r>
+              <a:rPr lang="en-US" i="1" dirty="0" smtClean="0"/>
+              <a:t> </a:t>
+            </a:r>
+            <a:r>
+              <a:rPr lang="en-US" i="1" dirty="0" err="1" smtClean="0"/>
+              <a:t>embarqué</a:t>
+            </a:r>
+            <a:r>
+              <a:rPr lang="en-US" i="1" dirty="0" smtClean="0"/>
+              <a:t> </a:t>
+            </a:r>
+            <a:r>
+              <a:rPr lang="en-US" i="1" dirty="0" err="1" smtClean="0"/>
+              <a:t>dans</a:t>
+            </a:r>
+            <a:r>
+              <a:rPr lang="en-US" i="1" dirty="0" smtClean="0"/>
+              <a:t> </a:t>
+            </a:r>
+            <a:r>
+              <a:rPr lang="en-US" i="1" dirty="0" err="1" smtClean="0"/>
+              <a:t>une</a:t>
+            </a:r>
+            <a:r>
+              <a:rPr lang="en-US" i="1" dirty="0" smtClean="0"/>
+              <a:t> structure, les </a:t>
+            </a:r>
+            <a:r>
+              <a:rPr lang="en-US" i="1" dirty="0" err="1" smtClean="0"/>
+              <a:t>méthodes</a:t>
+            </a:r>
+            <a:r>
+              <a:rPr lang="en-US" i="1" dirty="0" smtClean="0"/>
+              <a:t> de </a:t>
+            </a:r>
+          </a:p>
+          <a:p>
+            <a:pPr>
+              <a:buNone/>
+            </a:pPr>
+            <a:r>
+              <a:rPr lang="en-US" i="1" dirty="0" err="1" smtClean="0"/>
+              <a:t>ce</a:t>
+            </a:r>
+            <a:r>
+              <a:rPr lang="en-US" i="1" dirty="0" smtClean="0"/>
+              <a:t> type </a:t>
+            </a:r>
+            <a:r>
+              <a:rPr lang="en-US" i="1" dirty="0" err="1" smtClean="0"/>
+              <a:t>sont</a:t>
+            </a:r>
+            <a:r>
+              <a:rPr lang="en-US" i="1" dirty="0" smtClean="0"/>
+              <a:t> </a:t>
+            </a:r>
+            <a:r>
+              <a:rPr lang="en-US" i="1" dirty="0" err="1" smtClean="0"/>
+              <a:t>embarquées</a:t>
+            </a:r>
+            <a:r>
+              <a:rPr lang="en-US" i="1" dirty="0" smtClean="0"/>
+              <a:t> de la </a:t>
+            </a:r>
+            <a:r>
+              <a:rPr lang="en-US" i="1" dirty="0" err="1" smtClean="0"/>
+              <a:t>même</a:t>
+            </a:r>
+            <a:r>
+              <a:rPr lang="en-US" i="1" dirty="0" smtClean="0"/>
+              <a:t> </a:t>
+            </a:r>
+            <a:r>
+              <a:rPr lang="en-US" i="1" dirty="0" err="1" smtClean="0"/>
+              <a:t>façon</a:t>
+            </a:r>
+            <a:r>
+              <a:rPr lang="en-US" i="1" dirty="0" smtClean="0"/>
+              <a:t> – en </a:t>
+            </a:r>
+          </a:p>
+          <a:p>
+            <a:pPr>
+              <a:buNone/>
+            </a:pPr>
+            <a:r>
+              <a:rPr lang="en-US" i="1" dirty="0" err="1" smtClean="0"/>
+              <a:t>effet</a:t>
+            </a:r>
+            <a:r>
+              <a:rPr lang="en-US" i="1" dirty="0" smtClean="0"/>
+              <a:t>, </a:t>
+            </a:r>
+            <a:r>
+              <a:rPr lang="en-US" i="1" dirty="0" err="1" smtClean="0"/>
+              <a:t>il</a:t>
+            </a:r>
+            <a:r>
+              <a:rPr lang="en-US" i="1" dirty="0" smtClean="0"/>
+              <a:t> </a:t>
+            </a:r>
+            <a:r>
+              <a:rPr lang="en-US" i="1" dirty="0" err="1" smtClean="0"/>
+              <a:t>herite</a:t>
+            </a:r>
+            <a:r>
+              <a:rPr lang="en-US" i="1" dirty="0" smtClean="0"/>
+              <a:t> des </a:t>
+            </a:r>
+            <a:r>
+              <a:rPr lang="en-US" i="1" dirty="0" err="1" smtClean="0"/>
+              <a:t>méthodes</a:t>
+            </a:r>
+            <a:r>
+              <a:rPr lang="en-US" i="1" dirty="0" smtClean="0"/>
+              <a:t>.</a:t>
+            </a:r>
+          </a:p>
+          <a:p>
+            <a:pPr>
+              <a:buNone/>
+            </a:pPr>
+            <a:endParaRPr lang="en-US" i="1" dirty="0" smtClean="0"/>
+          </a:p>
+          <a:p>
+            <a:pPr>
+              <a:buNone/>
+            </a:pPr>
+            <a:r>
+              <a:rPr lang="en-US" i="1" dirty="0" err="1" smtClean="0"/>
+              <a:t>Ce</a:t>
+            </a:r>
+            <a:r>
+              <a:rPr lang="en-US" i="1" dirty="0" smtClean="0"/>
+              <a:t> </a:t>
+            </a:r>
+            <a:r>
+              <a:rPr lang="en-US" i="1" dirty="0" err="1" smtClean="0"/>
+              <a:t>mécanisme</a:t>
+            </a:r>
+            <a:r>
+              <a:rPr lang="en-US" i="1" dirty="0" smtClean="0"/>
+              <a:t> </a:t>
+            </a:r>
+            <a:r>
+              <a:rPr lang="en-US" i="1" dirty="0" err="1" smtClean="0"/>
+              <a:t>offre</a:t>
+            </a:r>
+            <a:r>
+              <a:rPr lang="en-US" i="1" dirty="0" smtClean="0"/>
+              <a:t> </a:t>
+            </a:r>
+            <a:r>
+              <a:rPr lang="en-US" i="1" dirty="0" err="1" smtClean="0"/>
+              <a:t>une</a:t>
+            </a:r>
+            <a:r>
+              <a:rPr lang="en-US" i="1" dirty="0" smtClean="0"/>
+              <a:t> </a:t>
+            </a:r>
+            <a:r>
+              <a:rPr lang="en-US" i="1" dirty="0" err="1" smtClean="0"/>
+              <a:t>façon</a:t>
+            </a:r>
+            <a:r>
+              <a:rPr lang="en-US" i="1" dirty="0" smtClean="0"/>
+              <a:t> simple </a:t>
+            </a:r>
+            <a:r>
+              <a:rPr lang="en-US" i="1" dirty="0" err="1" smtClean="0"/>
+              <a:t>d’émuler</a:t>
+            </a:r>
+            <a:r>
+              <a:rPr lang="en-US" i="1" dirty="0" smtClean="0"/>
+              <a:t> </a:t>
+            </a:r>
+          </a:p>
+          <a:p>
+            <a:pPr>
+              <a:buNone/>
+            </a:pPr>
+            <a:r>
+              <a:rPr lang="en-US" i="1" dirty="0" err="1" smtClean="0"/>
+              <a:t>certains</a:t>
+            </a:r>
+            <a:r>
+              <a:rPr lang="en-US" i="1" dirty="0" smtClean="0"/>
+              <a:t> </a:t>
+            </a:r>
+            <a:r>
+              <a:rPr lang="en-US" i="1" dirty="0" err="1" smtClean="0"/>
+              <a:t>effets</a:t>
+            </a:r>
+            <a:r>
+              <a:rPr lang="en-US" i="1" dirty="0" smtClean="0"/>
+              <a:t> du </a:t>
+            </a:r>
+            <a:r>
+              <a:rPr lang="en-US" i="1" dirty="0" err="1" smtClean="0"/>
+              <a:t>sous-classage</a:t>
+            </a:r>
+            <a:r>
+              <a:rPr lang="en-US" i="1" dirty="0" smtClean="0"/>
+              <a:t> et de </a:t>
+            </a:r>
+            <a:r>
+              <a:rPr lang="en-US" i="1" dirty="0" err="1" smtClean="0"/>
+              <a:t>l’héritage</a:t>
+            </a:r>
+            <a:r>
+              <a:rPr lang="en-US" i="1" dirty="0" smtClean="0"/>
+              <a:t>. </a:t>
+            </a:r>
+            <a:endParaRPr lang="fr-FR" dirty="0"/>
+          </a:p>
+        </p:txBody>
+      </p:sp>
+    </p:spTree>
+  </p:cSld>
+  <p:clrMapOvr>
+    <a:masterClrMapping/>
+  </p:clrMapOvr>
+</p:sld>
+</file>
+
+<file path=ppt/slides/slide43.xml><?xml version="1.0" encoding="utf-8"?>
+<p:sld xmlns:a="http://schemas.openxmlformats.org/drawingml/2006/main" xmlns:r="http://schemas.openxmlformats.org/officeDocument/2006/relationships" xmlns:p="http://schemas.openxmlformats.org/presentationml/2006/main">
+  <p:cSld>
+    <p:spTree>
+      <p:nvGrpSpPr>
+        <p:cNvPr id="1" name=""/>
+        <p:cNvGrpSpPr/>
+        <p:nvPr/>
+      </p:nvGrpSpPr>
+      <p:grpSpPr>
+        <a:xfrm>
+          <a:off x="0" y="0"/>
+          <a:ext cx="0" cy="0"/>
+          <a:chOff x="0" y="0"/>
+          <a:chExt cx="0" cy="0"/>
+        </a:xfrm>
+      </p:grpSpPr>
+      <p:sp>
+        <p:nvSpPr>
+          <p:cNvPr id="2" name="Titre 1"/>
+          <p:cNvSpPr>
+            <a:spLocks noGrp="1"/>
+          </p:cNvSpPr>
+          <p:nvPr>
+            <p:ph type="title"/>
+          </p:nvPr>
+        </p:nvSpPr>
+        <p:spPr/>
+        <p:txBody>
+          <a:bodyPr/>
+          <a:lstStyle/>
+          <a:p>
+            <a:r>
+              <a:rPr lang="fr-FR" dirty="0" smtClean="0"/>
+              <a:t>Exemple de champ anonyme</a:t>
+            </a:r>
+            <a:endParaRPr lang="fr-FR" dirty="0"/>
+          </a:p>
+        </p:txBody>
+      </p:sp>
+      <p:sp>
+        <p:nvSpPr>
+          <p:cNvPr id="3" name="Espace réservé du contenu 2"/>
+          <p:cNvSpPr>
+            <a:spLocks noGrp="1"/>
+          </p:cNvSpPr>
+          <p:nvPr>
+            <p:ph idx="1"/>
+          </p:nvPr>
+        </p:nvSpPr>
+        <p:spPr/>
+        <p:txBody>
+          <a:bodyPr>
+            <a:noAutofit/>
+          </a:bodyPr>
+          <a:lstStyle/>
+          <a:p>
+            <a:pPr lvl="1">
+              <a:buNone/>
+            </a:pPr>
+            <a:r>
+              <a:rPr lang="fr-FR" sz="2000" dirty="0" smtClean="0">
+                <a:latin typeface="Courier New" pitchFamily="49" charset="0"/>
+                <a:cs typeface="Courier New" pitchFamily="49" charset="0"/>
+              </a:rPr>
+              <a:t>type Point </a:t>
+            </a:r>
+            <a:r>
+              <a:rPr lang="fr-FR" sz="2000" dirty="0" err="1" smtClean="0">
+                <a:latin typeface="Courier New" pitchFamily="49" charset="0"/>
+                <a:cs typeface="Courier New" pitchFamily="49" charset="0"/>
+              </a:rPr>
+              <a:t>struct</a:t>
+            </a:r>
+            <a:r>
+              <a:rPr lang="fr-FR" sz="2000" dirty="0" smtClean="0">
+                <a:latin typeface="Courier New" pitchFamily="49" charset="0"/>
+                <a:cs typeface="Courier New" pitchFamily="49" charset="0"/>
+              </a:rPr>
+              <a:t> { x, y float64 }</a:t>
+            </a:r>
+          </a:p>
+          <a:p>
+            <a:pPr lvl="1">
+              <a:buNone/>
+            </a:pPr>
+            <a:r>
+              <a:rPr lang="fr-FR" sz="2000" dirty="0" err="1" smtClean="0">
+                <a:latin typeface="Courier New" pitchFamily="49" charset="0"/>
+                <a:cs typeface="Courier New" pitchFamily="49" charset="0"/>
+              </a:rPr>
+              <a:t>func</a:t>
+            </a:r>
+            <a:r>
+              <a:rPr lang="fr-FR" sz="2000" dirty="0" smtClean="0">
+                <a:latin typeface="Courier New" pitchFamily="49" charset="0"/>
+                <a:cs typeface="Courier New" pitchFamily="49" charset="0"/>
+              </a:rPr>
+              <a:t> (p *Point) Abs() float64 { ... </a:t>
+            </a:r>
+            <a:r>
+              <a:rPr lang="fr-FR" sz="2000" dirty="0" smtClean="0">
+                <a:latin typeface="Courier New" pitchFamily="49" charset="0"/>
+                <a:cs typeface="Courier New" pitchFamily="49" charset="0"/>
+              </a:rPr>
+              <a:t>}</a:t>
+            </a:r>
+          </a:p>
+          <a:p>
+            <a:pPr lvl="1">
+              <a:buNone/>
+            </a:pPr>
+            <a:endParaRPr lang="fr-FR" sz="2000" dirty="0" smtClean="0">
+              <a:latin typeface="Courier New" pitchFamily="49" charset="0"/>
+              <a:cs typeface="Courier New" pitchFamily="49" charset="0"/>
+            </a:endParaRPr>
+          </a:p>
+          <a:p>
+            <a:pPr lvl="1">
+              <a:buNone/>
+            </a:pPr>
+            <a:r>
+              <a:rPr lang="fr-FR" sz="2000" dirty="0" smtClean="0">
+                <a:latin typeface="Courier New" pitchFamily="49" charset="0"/>
+                <a:cs typeface="Courier New" pitchFamily="49" charset="0"/>
+              </a:rPr>
+              <a:t>type </a:t>
+            </a:r>
+            <a:r>
+              <a:rPr lang="fr-FR" sz="2000" dirty="0" err="1" smtClean="0">
+                <a:latin typeface="Courier New" pitchFamily="49" charset="0"/>
+                <a:cs typeface="Courier New" pitchFamily="49" charset="0"/>
+              </a:rPr>
+              <a:t>NamedPoint</a:t>
+            </a:r>
+            <a:r>
+              <a:rPr lang="fr-FR" sz="2000" dirty="0" smtClean="0">
+                <a:latin typeface="Courier New" pitchFamily="49" charset="0"/>
+                <a:cs typeface="Courier New" pitchFamily="49" charset="0"/>
+              </a:rPr>
+              <a:t> </a:t>
+            </a:r>
+            <a:r>
+              <a:rPr lang="fr-FR" sz="2000" dirty="0" err="1" smtClean="0">
+                <a:latin typeface="Courier New" pitchFamily="49" charset="0"/>
+                <a:cs typeface="Courier New" pitchFamily="49" charset="0"/>
+              </a:rPr>
+              <a:t>struct</a:t>
+            </a:r>
+            <a:r>
+              <a:rPr lang="fr-FR" sz="2000" dirty="0" smtClean="0">
+                <a:latin typeface="Courier New" pitchFamily="49" charset="0"/>
+                <a:cs typeface="Courier New" pitchFamily="49" charset="0"/>
+              </a:rPr>
+              <a:t> {</a:t>
+            </a:r>
+          </a:p>
+          <a:p>
+            <a:pPr lvl="1">
+              <a:buNone/>
+            </a:pPr>
+            <a:r>
+              <a:rPr lang="fr-FR" sz="2000" dirty="0" smtClean="0">
+                <a:latin typeface="Courier New" pitchFamily="49" charset="0"/>
+                <a:cs typeface="Courier New" pitchFamily="49" charset="0"/>
+              </a:rPr>
+              <a:t>	Point</a:t>
+            </a:r>
+            <a:endParaRPr lang="fr-FR" sz="2000" dirty="0" smtClean="0">
+              <a:latin typeface="Courier New" pitchFamily="49" charset="0"/>
+              <a:cs typeface="Courier New" pitchFamily="49" charset="0"/>
+            </a:endParaRPr>
+          </a:p>
+          <a:p>
+            <a:pPr lvl="1">
+              <a:buNone/>
+            </a:pPr>
+            <a:r>
+              <a:rPr lang="fr-FR" sz="2000" dirty="0" smtClean="0">
+                <a:latin typeface="Courier New" pitchFamily="49" charset="0"/>
+                <a:cs typeface="Courier New" pitchFamily="49" charset="0"/>
+              </a:rPr>
+              <a:t>	</a:t>
+            </a:r>
+            <a:r>
+              <a:rPr lang="fr-FR" sz="2000" dirty="0" err="1" smtClean="0">
+                <a:latin typeface="Courier New" pitchFamily="49" charset="0"/>
+                <a:cs typeface="Courier New" pitchFamily="49" charset="0"/>
+              </a:rPr>
+              <a:t>name</a:t>
+            </a:r>
+            <a:r>
+              <a:rPr lang="fr-FR" sz="2000" dirty="0" smtClean="0">
+                <a:latin typeface="Courier New" pitchFamily="49" charset="0"/>
+                <a:cs typeface="Courier New" pitchFamily="49" charset="0"/>
+              </a:rPr>
+              <a:t> </a:t>
+            </a:r>
+            <a:r>
+              <a:rPr lang="fr-FR" sz="2000" dirty="0" smtClean="0">
+                <a:latin typeface="Courier New" pitchFamily="49" charset="0"/>
+                <a:cs typeface="Courier New" pitchFamily="49" charset="0"/>
+              </a:rPr>
+              <a:t>string</a:t>
+            </a:r>
+          </a:p>
+          <a:p>
+            <a:pPr lvl="1">
+              <a:buNone/>
+            </a:pPr>
+            <a:r>
+              <a:rPr lang="fr-FR" sz="2000" dirty="0" smtClean="0">
+                <a:latin typeface="Courier New" pitchFamily="49" charset="0"/>
+                <a:cs typeface="Courier New" pitchFamily="49" charset="0"/>
+              </a:rPr>
+              <a:t>}</a:t>
+            </a:r>
+          </a:p>
+          <a:p>
+            <a:pPr lvl="1">
+              <a:buNone/>
+            </a:pPr>
+            <a:endParaRPr lang="fr-FR" sz="2000" dirty="0" smtClean="0">
+              <a:latin typeface="Courier New" pitchFamily="49" charset="0"/>
+              <a:cs typeface="Courier New" pitchFamily="49" charset="0"/>
+            </a:endParaRPr>
+          </a:p>
+          <a:p>
+            <a:pPr lvl="1">
+              <a:buNone/>
+            </a:pPr>
+            <a:r>
+              <a:rPr lang="fr-FR" sz="2000" dirty="0" smtClean="0">
+                <a:latin typeface="Courier New" pitchFamily="49" charset="0"/>
+                <a:cs typeface="Courier New" pitchFamily="49" charset="0"/>
+              </a:rPr>
+              <a:t>n := &amp;</a:t>
+            </a:r>
+            <a:r>
+              <a:rPr lang="fr-FR" sz="2000" dirty="0" err="1" smtClean="0">
+                <a:latin typeface="Courier New" pitchFamily="49" charset="0"/>
+                <a:cs typeface="Courier New" pitchFamily="49" charset="0"/>
+              </a:rPr>
+              <a:t>NamedPoint</a:t>
+            </a:r>
+            <a:r>
+              <a:rPr lang="fr-FR" sz="2000" dirty="0" smtClean="0">
+                <a:latin typeface="Courier New" pitchFamily="49" charset="0"/>
+                <a:cs typeface="Courier New" pitchFamily="49" charset="0"/>
+              </a:rPr>
+              <a:t>{Point{3, 4}, "</a:t>
+            </a:r>
+            <a:r>
+              <a:rPr lang="fr-FR" sz="2000" dirty="0" err="1" smtClean="0">
+                <a:latin typeface="Courier New" pitchFamily="49" charset="0"/>
+                <a:cs typeface="Courier New" pitchFamily="49" charset="0"/>
+              </a:rPr>
+              <a:t>Pythagoras</a:t>
+            </a:r>
+            <a:r>
+              <a:rPr lang="fr-FR" sz="2000" dirty="0" smtClean="0">
+                <a:latin typeface="Courier New" pitchFamily="49" charset="0"/>
+                <a:cs typeface="Courier New" pitchFamily="49" charset="0"/>
+              </a:rPr>
+              <a:t>"}</a:t>
+            </a:r>
+          </a:p>
+          <a:p>
+            <a:pPr lvl="1">
+              <a:buNone/>
+            </a:pPr>
+            <a:r>
+              <a:rPr lang="fr-FR" sz="2000" dirty="0" err="1" smtClean="0">
+                <a:latin typeface="Courier New" pitchFamily="49" charset="0"/>
+                <a:cs typeface="Courier New" pitchFamily="49" charset="0"/>
+              </a:rPr>
+              <a:t>fmt.Println</a:t>
+            </a:r>
+            <a:r>
+              <a:rPr lang="fr-FR" sz="2000" dirty="0" smtClean="0">
+                <a:latin typeface="Courier New" pitchFamily="49" charset="0"/>
+                <a:cs typeface="Courier New" pitchFamily="49" charset="0"/>
+              </a:rPr>
+              <a:t>(</a:t>
+            </a:r>
+            <a:r>
+              <a:rPr lang="fr-FR" sz="2000" dirty="0" err="1" smtClean="0">
+                <a:latin typeface="Courier New" pitchFamily="49" charset="0"/>
+                <a:cs typeface="Courier New" pitchFamily="49" charset="0"/>
+              </a:rPr>
+              <a:t>n.Abs</a:t>
+            </a:r>
+            <a:r>
+              <a:rPr lang="fr-FR" sz="2000" dirty="0" smtClean="0">
+                <a:latin typeface="Courier New" pitchFamily="49" charset="0"/>
+                <a:cs typeface="Courier New" pitchFamily="49" charset="0"/>
+              </a:rPr>
+              <a:t>()) // </a:t>
+            </a:r>
+            <a:r>
+              <a:rPr lang="fr-FR" sz="2000" dirty="0" err="1" smtClean="0">
+                <a:latin typeface="Courier New" pitchFamily="49" charset="0"/>
+                <a:cs typeface="Courier New" pitchFamily="49" charset="0"/>
+              </a:rPr>
+              <a:t>prints</a:t>
+            </a:r>
+            <a:r>
+              <a:rPr lang="fr-FR" sz="2000" dirty="0" smtClean="0">
+                <a:latin typeface="Courier New" pitchFamily="49" charset="0"/>
+                <a:cs typeface="Courier New" pitchFamily="49" charset="0"/>
+              </a:rPr>
+              <a:t> </a:t>
+            </a:r>
+            <a:r>
+              <a:rPr lang="fr-FR" sz="2000" dirty="0" smtClean="0">
+                <a:latin typeface="Courier New" pitchFamily="49" charset="0"/>
+                <a:cs typeface="Courier New" pitchFamily="49" charset="0"/>
+              </a:rPr>
+              <a:t>5</a:t>
+            </a:r>
+            <a:endParaRPr lang="fr-FR" sz="2000" dirty="0" smtClean="0">
+              <a:latin typeface="Courier New" pitchFamily="49" charset="0"/>
+              <a:cs typeface="Courier New" pitchFamily="49" charset="0"/>
+            </a:endParaRPr>
+          </a:p>
+        </p:txBody>
+      </p:sp>
+    </p:spTree>
+  </p:cSld>
+  <p:clrMapOvr>
+    <a:masterClrMapping/>
+  </p:clrMapOvr>
+</p:sld>
+</file>
+
+<file path=ppt/slides/slide44.xml><?xml version="1.0" encoding="utf-8"?>
+<p:sld xmlns:a="http://schemas.openxmlformats.org/drawingml/2006/main" xmlns:r="http://schemas.openxmlformats.org/officeDocument/2006/relationships" xmlns:p="http://schemas.openxmlformats.org/presentationml/2006/main">
+  <p:cSld>
+    <p:spTree>
+      <p:nvGrpSpPr>
+        <p:cNvPr id="1" name=""/>
+        <p:cNvGrpSpPr/>
+        <p:nvPr/>
+      </p:nvGrpSpPr>
+      <p:grpSpPr>
+        <a:xfrm>
+          <a:off x="0" y="0"/>
+          <a:ext cx="0" cy="0"/>
+          <a:chOff x="0" y="0"/>
+          <a:chExt cx="0" cy="0"/>
+        </a:xfrm>
+      </p:grpSpPr>
+      <p:sp>
+        <p:nvSpPr>
+          <p:cNvPr id="2" name="Titre 1"/>
+          <p:cNvSpPr>
+            <a:spLocks noGrp="1"/>
+          </p:cNvSpPr>
+          <p:nvPr>
+            <p:ph type="title"/>
+          </p:nvPr>
+        </p:nvSpPr>
+        <p:spPr/>
+        <p:txBody>
+          <a:bodyPr/>
+          <a:lstStyle/>
+          <a:p>
+            <a:r>
+              <a:rPr lang="fr-FR" dirty="0" smtClean="0"/>
+              <a:t>Surcharger une méthode</a:t>
+            </a:r>
+            <a:endParaRPr lang="fr-FR" dirty="0"/>
+          </a:p>
+        </p:txBody>
+      </p:sp>
+      <p:sp>
+        <p:nvSpPr>
+          <p:cNvPr id="3" name="Espace réservé du contenu 2"/>
+          <p:cNvSpPr>
+            <a:spLocks noGrp="1"/>
+          </p:cNvSpPr>
+          <p:nvPr>
+            <p:ph idx="1"/>
+          </p:nvPr>
+        </p:nvSpPr>
+        <p:spPr/>
+        <p:txBody>
+          <a:bodyPr>
+            <a:normAutofit fontScale="62500" lnSpcReduction="20000"/>
+          </a:bodyPr>
+          <a:lstStyle/>
+          <a:p>
+            <a:pPr>
+              <a:buNone/>
+            </a:pPr>
+            <a:r>
+              <a:rPr lang="en-US" i="1" dirty="0" smtClean="0"/>
+              <a:t>La surcharge </a:t>
+            </a:r>
+            <a:r>
+              <a:rPr lang="en-US" i="1" dirty="0" err="1" smtClean="0"/>
+              <a:t>fonctionne</a:t>
+            </a:r>
+            <a:r>
+              <a:rPr lang="en-US" i="1" dirty="0" smtClean="0"/>
+              <a:t> </a:t>
+            </a:r>
+            <a:r>
+              <a:rPr lang="en-US" i="1" dirty="0" err="1" smtClean="0"/>
+              <a:t>juste</a:t>
+            </a:r>
+            <a:r>
+              <a:rPr lang="en-US" i="1" dirty="0" smtClean="0"/>
+              <a:t> </a:t>
+            </a:r>
+            <a:r>
+              <a:rPr lang="en-US" i="1" dirty="0" err="1" smtClean="0"/>
+              <a:t>comme</a:t>
+            </a:r>
+            <a:r>
+              <a:rPr lang="en-US" i="1" dirty="0" smtClean="0"/>
+              <a:t> avec les champs.</a:t>
+            </a:r>
+            <a:endParaRPr lang="en-US" i="1" dirty="0" smtClean="0"/>
+          </a:p>
+          <a:p>
+            <a:pPr lvl="1">
+              <a:buNone/>
+            </a:pPr>
+            <a:r>
+              <a:rPr lang="fr-FR" dirty="0" smtClean="0">
+                <a:latin typeface="Courier New" pitchFamily="49" charset="0"/>
+                <a:cs typeface="Courier New" pitchFamily="49" charset="0"/>
+              </a:rPr>
+              <a:t>type </a:t>
+            </a:r>
+            <a:r>
+              <a:rPr lang="fr-FR" dirty="0" err="1" smtClean="0">
+                <a:latin typeface="Courier New" pitchFamily="49" charset="0"/>
+                <a:cs typeface="Courier New" pitchFamily="49" charset="0"/>
+              </a:rPr>
+              <a:t>NamedPoint</a:t>
+            </a:r>
+            <a:r>
+              <a:rPr lang="fr-FR" dirty="0" smtClean="0">
+                <a:latin typeface="Courier New" pitchFamily="49" charset="0"/>
+                <a:cs typeface="Courier New" pitchFamily="49" charset="0"/>
+              </a:rPr>
+              <a:t> </a:t>
+            </a:r>
+            <a:r>
+              <a:rPr lang="fr-FR" dirty="0" err="1" smtClean="0">
+                <a:latin typeface="Courier New" pitchFamily="49" charset="0"/>
+                <a:cs typeface="Courier New" pitchFamily="49" charset="0"/>
+              </a:rPr>
+              <a:t>struct</a:t>
+            </a:r>
+            <a:r>
+              <a:rPr lang="fr-FR" dirty="0" smtClean="0">
+                <a:latin typeface="Courier New" pitchFamily="49" charset="0"/>
+                <a:cs typeface="Courier New" pitchFamily="49" charset="0"/>
+              </a:rPr>
+              <a:t> {</a:t>
+            </a:r>
+          </a:p>
+          <a:p>
+            <a:pPr lvl="1">
+              <a:buNone/>
+            </a:pPr>
+            <a:r>
+              <a:rPr lang="fr-FR" dirty="0" smtClean="0">
+                <a:latin typeface="Courier New" pitchFamily="49" charset="0"/>
+                <a:cs typeface="Courier New" pitchFamily="49" charset="0"/>
+              </a:rPr>
+              <a:t>	Point</a:t>
+            </a:r>
+            <a:endParaRPr lang="fr-FR" dirty="0" smtClean="0">
+              <a:latin typeface="Courier New" pitchFamily="49" charset="0"/>
+              <a:cs typeface="Courier New" pitchFamily="49" charset="0"/>
+            </a:endParaRPr>
+          </a:p>
+          <a:p>
+            <a:pPr lvl="1">
+              <a:buNone/>
+            </a:pPr>
+            <a:r>
+              <a:rPr lang="fr-FR" dirty="0" smtClean="0">
+                <a:latin typeface="Courier New" pitchFamily="49" charset="0"/>
+                <a:cs typeface="Courier New" pitchFamily="49" charset="0"/>
+              </a:rPr>
+              <a:t>	</a:t>
+            </a:r>
+            <a:r>
+              <a:rPr lang="fr-FR" dirty="0" err="1" smtClean="0">
+                <a:latin typeface="Courier New" pitchFamily="49" charset="0"/>
+                <a:cs typeface="Courier New" pitchFamily="49" charset="0"/>
+              </a:rPr>
+              <a:t>name</a:t>
+            </a:r>
+            <a:r>
+              <a:rPr lang="fr-FR" dirty="0" smtClean="0">
+                <a:latin typeface="Courier New" pitchFamily="49" charset="0"/>
+                <a:cs typeface="Courier New" pitchFamily="49" charset="0"/>
+              </a:rPr>
+              <a:t> </a:t>
+            </a:r>
+            <a:r>
+              <a:rPr lang="fr-FR" dirty="0" smtClean="0">
+                <a:latin typeface="Courier New" pitchFamily="49" charset="0"/>
+                <a:cs typeface="Courier New" pitchFamily="49" charset="0"/>
+              </a:rPr>
+              <a:t>string</a:t>
+            </a:r>
+          </a:p>
+          <a:p>
+            <a:pPr lvl="1">
+              <a:buNone/>
+            </a:pPr>
+            <a:r>
+              <a:rPr lang="fr-FR" dirty="0" smtClean="0">
+                <a:latin typeface="Courier New" pitchFamily="49" charset="0"/>
+                <a:cs typeface="Courier New" pitchFamily="49" charset="0"/>
+              </a:rPr>
+              <a:t>}</a:t>
+            </a:r>
+          </a:p>
+          <a:p>
+            <a:pPr lvl="1">
+              <a:buNone/>
+            </a:pPr>
+            <a:r>
+              <a:rPr lang="en-US" dirty="0" err="1" smtClean="0">
+                <a:latin typeface="Courier New" pitchFamily="49" charset="0"/>
+                <a:cs typeface="Courier New" pitchFamily="49" charset="0"/>
+              </a:rPr>
+              <a:t>func</a:t>
+            </a:r>
+            <a:r>
+              <a:rPr lang="en-US" dirty="0" smtClean="0">
+                <a:latin typeface="Courier New" pitchFamily="49" charset="0"/>
+                <a:cs typeface="Courier New" pitchFamily="49" charset="0"/>
+              </a:rPr>
+              <a:t> (n *</a:t>
+            </a:r>
+            <a:r>
+              <a:rPr lang="en-US" dirty="0" err="1" smtClean="0">
+                <a:latin typeface="Courier New" pitchFamily="49" charset="0"/>
+                <a:cs typeface="Courier New" pitchFamily="49" charset="0"/>
+              </a:rPr>
+              <a:t>NamedPoint</a:t>
+            </a:r>
+            <a:r>
+              <a:rPr lang="en-US" dirty="0" smtClean="0">
+                <a:latin typeface="Courier New" pitchFamily="49" charset="0"/>
+                <a:cs typeface="Courier New" pitchFamily="49" charset="0"/>
+              </a:rPr>
+              <a:t>) Abs() float64 {</a:t>
+            </a:r>
+          </a:p>
+          <a:p>
+            <a:pPr lvl="1">
+              <a:buNone/>
+            </a:pPr>
+            <a:r>
+              <a:rPr lang="fr-FR" dirty="0" smtClean="0">
+                <a:latin typeface="Courier New" pitchFamily="49" charset="0"/>
+                <a:cs typeface="Courier New" pitchFamily="49" charset="0"/>
+              </a:rPr>
+              <a:t>	return </a:t>
+            </a:r>
+            <a:r>
+              <a:rPr lang="fr-FR" dirty="0" err="1" smtClean="0">
+                <a:latin typeface="Courier New" pitchFamily="49" charset="0"/>
+                <a:cs typeface="Courier New" pitchFamily="49" charset="0"/>
+              </a:rPr>
+              <a:t>n.Point</a:t>
+            </a:r>
+            <a:r>
+              <a:rPr lang="fr-FR" dirty="0" smtClean="0">
+                <a:latin typeface="Courier New" pitchFamily="49" charset="0"/>
+                <a:cs typeface="Courier New" pitchFamily="49" charset="0"/>
+              </a:rPr>
+              <a:t>.Abs() * 100.</a:t>
+            </a:r>
+          </a:p>
+          <a:p>
+            <a:pPr lvl="1">
+              <a:buNone/>
+            </a:pPr>
+            <a:r>
+              <a:rPr lang="fr-FR" dirty="0" smtClean="0">
+                <a:latin typeface="Courier New" pitchFamily="49" charset="0"/>
+                <a:cs typeface="Courier New" pitchFamily="49" charset="0"/>
+              </a:rPr>
+              <a:t>}</a:t>
+            </a:r>
+          </a:p>
+          <a:p>
+            <a:pPr lvl="1">
+              <a:buNone/>
+            </a:pPr>
+            <a:endParaRPr lang="fr-FR" dirty="0" smtClean="0">
+              <a:latin typeface="Courier New" pitchFamily="49" charset="0"/>
+              <a:cs typeface="Courier New" pitchFamily="49" charset="0"/>
+            </a:endParaRPr>
+          </a:p>
+          <a:p>
+            <a:pPr lvl="1">
+              <a:buNone/>
+            </a:pPr>
+            <a:r>
+              <a:rPr lang="fr-FR" dirty="0" smtClean="0">
+                <a:latin typeface="Courier New" pitchFamily="49" charset="0"/>
+                <a:cs typeface="Courier New" pitchFamily="49" charset="0"/>
+              </a:rPr>
+              <a:t>n := &amp;</a:t>
+            </a:r>
+            <a:r>
+              <a:rPr lang="fr-FR" dirty="0" err="1" smtClean="0">
+                <a:latin typeface="Courier New" pitchFamily="49" charset="0"/>
+                <a:cs typeface="Courier New" pitchFamily="49" charset="0"/>
+              </a:rPr>
+              <a:t>NamedPoint</a:t>
+            </a:r>
+            <a:r>
+              <a:rPr lang="fr-FR" dirty="0" smtClean="0">
+                <a:latin typeface="Courier New" pitchFamily="49" charset="0"/>
+                <a:cs typeface="Courier New" pitchFamily="49" charset="0"/>
+              </a:rPr>
+              <a:t>{Point{3, 4}, "</a:t>
+            </a:r>
+            <a:r>
+              <a:rPr lang="fr-FR" dirty="0" err="1" smtClean="0">
+                <a:latin typeface="Courier New" pitchFamily="49" charset="0"/>
+                <a:cs typeface="Courier New" pitchFamily="49" charset="0"/>
+              </a:rPr>
+              <a:t>Pythagoras</a:t>
+            </a:r>
+            <a:r>
+              <a:rPr lang="fr-FR" dirty="0" smtClean="0">
+                <a:latin typeface="Courier New" pitchFamily="49" charset="0"/>
+                <a:cs typeface="Courier New" pitchFamily="49" charset="0"/>
+              </a:rPr>
+              <a:t>"}</a:t>
+            </a:r>
+          </a:p>
+          <a:p>
+            <a:pPr lvl="1">
+              <a:buNone/>
+            </a:pPr>
+            <a:r>
+              <a:rPr lang="fr-FR" dirty="0" err="1" smtClean="0">
+                <a:latin typeface="Courier New" pitchFamily="49" charset="0"/>
+                <a:cs typeface="Courier New" pitchFamily="49" charset="0"/>
+              </a:rPr>
+              <a:t>fmt.Println</a:t>
+            </a:r>
+            <a:r>
+              <a:rPr lang="fr-FR" dirty="0" smtClean="0">
+                <a:latin typeface="Courier New" pitchFamily="49" charset="0"/>
+                <a:cs typeface="Courier New" pitchFamily="49" charset="0"/>
+              </a:rPr>
+              <a:t>(</a:t>
+            </a:r>
+            <a:r>
+              <a:rPr lang="fr-FR" dirty="0" err="1" smtClean="0">
+                <a:latin typeface="Courier New" pitchFamily="49" charset="0"/>
+                <a:cs typeface="Courier New" pitchFamily="49" charset="0"/>
+              </a:rPr>
+              <a:t>n.Abs</a:t>
+            </a:r>
+            <a:r>
+              <a:rPr lang="fr-FR" dirty="0" smtClean="0">
+                <a:latin typeface="Courier New" pitchFamily="49" charset="0"/>
+                <a:cs typeface="Courier New" pitchFamily="49" charset="0"/>
+              </a:rPr>
+              <a:t>()) // </a:t>
+            </a:r>
+            <a:r>
+              <a:rPr lang="fr-FR" dirty="0" err="1" smtClean="0">
+                <a:latin typeface="Courier New" pitchFamily="49" charset="0"/>
+                <a:cs typeface="Courier New" pitchFamily="49" charset="0"/>
+              </a:rPr>
+              <a:t>prints</a:t>
+            </a:r>
+            <a:r>
+              <a:rPr lang="fr-FR" dirty="0" smtClean="0">
+                <a:latin typeface="Courier New" pitchFamily="49" charset="0"/>
+                <a:cs typeface="Courier New" pitchFamily="49" charset="0"/>
+              </a:rPr>
+              <a:t> </a:t>
+            </a:r>
+            <a:r>
+              <a:rPr lang="fr-FR" dirty="0" smtClean="0">
+                <a:latin typeface="Courier New" pitchFamily="49" charset="0"/>
+                <a:cs typeface="Courier New" pitchFamily="49" charset="0"/>
+              </a:rPr>
+              <a:t>500</a:t>
+            </a:r>
+          </a:p>
+          <a:p>
+            <a:pPr lvl="1">
+              <a:buNone/>
+            </a:pPr>
+            <a:endParaRPr lang="fr-FR" dirty="0" smtClean="0"/>
+          </a:p>
+          <a:p>
+            <a:pPr>
+              <a:buNone/>
+            </a:pPr>
+            <a:r>
+              <a:rPr lang="en-US" i="1" dirty="0" smtClean="0"/>
+              <a:t>Bien </a:t>
+            </a:r>
+            <a:r>
+              <a:rPr lang="en-US" i="1" dirty="0" err="1" smtClean="0"/>
+              <a:t>entendu</a:t>
+            </a:r>
+            <a:r>
+              <a:rPr lang="en-US" i="1" dirty="0" smtClean="0"/>
+              <a:t> </a:t>
+            </a:r>
+            <a:r>
+              <a:rPr lang="en-US" i="1" dirty="0" err="1" smtClean="0"/>
+              <a:t>vous</a:t>
+            </a:r>
+            <a:r>
+              <a:rPr lang="en-US" i="1" dirty="0" smtClean="0"/>
+              <a:t> </a:t>
+            </a:r>
+            <a:r>
+              <a:rPr lang="en-US" i="1" dirty="0" err="1" smtClean="0"/>
+              <a:t>pouvez</a:t>
+            </a:r>
+            <a:r>
+              <a:rPr lang="en-US" i="1" dirty="0" smtClean="0"/>
+              <a:t> </a:t>
+            </a:r>
+            <a:r>
+              <a:rPr lang="en-US" i="1" dirty="0" err="1" smtClean="0"/>
+              <a:t>avoir</a:t>
+            </a:r>
+            <a:r>
+              <a:rPr lang="en-US" i="1" dirty="0" smtClean="0"/>
+              <a:t> des champs multiples </a:t>
+            </a:r>
+            <a:r>
+              <a:rPr lang="en-US" i="1" dirty="0" err="1" smtClean="0"/>
+              <a:t>anonymes</a:t>
+            </a:r>
+            <a:r>
+              <a:rPr lang="en-US" i="1" dirty="0" smtClean="0"/>
+              <a:t> avec des </a:t>
+            </a:r>
+          </a:p>
+          <a:p>
+            <a:pPr>
+              <a:buNone/>
+            </a:pPr>
+            <a:r>
+              <a:rPr lang="en-US" i="1" dirty="0" smtClean="0"/>
+              <a:t>types </a:t>
+            </a:r>
+            <a:r>
+              <a:rPr lang="en-US" i="1" dirty="0" err="1" smtClean="0"/>
+              <a:t>variés</a:t>
+            </a:r>
+            <a:r>
+              <a:rPr lang="en-US" i="1" dirty="0" smtClean="0"/>
+              <a:t> – </a:t>
+            </a:r>
+            <a:r>
+              <a:rPr lang="en-US" i="1" dirty="0" err="1" smtClean="0"/>
+              <a:t>une</a:t>
+            </a:r>
+            <a:r>
+              <a:rPr lang="en-US" i="1" dirty="0" smtClean="0"/>
+              <a:t> simple version de </a:t>
+            </a:r>
+            <a:r>
+              <a:rPr lang="en-US" i="1" dirty="0" err="1" smtClean="0"/>
+              <a:t>l’héritage</a:t>
+            </a:r>
+            <a:r>
+              <a:rPr lang="en-US" i="1" dirty="0" smtClean="0"/>
+              <a:t> multiple. Les </a:t>
+            </a:r>
+            <a:r>
+              <a:rPr lang="en-US" i="1" dirty="0" err="1" smtClean="0"/>
+              <a:t>règles</a:t>
+            </a:r>
+            <a:r>
+              <a:rPr lang="en-US" i="1" dirty="0" smtClean="0"/>
+              <a:t> de </a:t>
+            </a:r>
+          </a:p>
+          <a:p>
+            <a:pPr>
+              <a:buNone/>
+            </a:pPr>
+            <a:r>
+              <a:rPr lang="en-US" i="1" dirty="0" err="1" smtClean="0"/>
+              <a:t>résolution</a:t>
+            </a:r>
+            <a:r>
+              <a:rPr lang="en-US" i="1" dirty="0" smtClean="0"/>
+              <a:t> des </a:t>
+            </a:r>
+            <a:r>
+              <a:rPr lang="en-US" i="1" dirty="0" err="1" smtClean="0"/>
+              <a:t>conflits</a:t>
+            </a:r>
+            <a:r>
+              <a:rPr lang="en-US" i="1" dirty="0" smtClean="0"/>
+              <a:t> </a:t>
+            </a:r>
+            <a:r>
+              <a:rPr lang="en-US" i="1" dirty="0" err="1" smtClean="0"/>
+              <a:t>rendent</a:t>
+            </a:r>
+            <a:r>
+              <a:rPr lang="en-US" i="1" dirty="0" smtClean="0"/>
+              <a:t> les </a:t>
+            </a:r>
+            <a:r>
+              <a:rPr lang="en-US" i="1" dirty="0" err="1" smtClean="0"/>
+              <a:t>choses</a:t>
+            </a:r>
+            <a:r>
+              <a:rPr lang="en-US" i="1" dirty="0" smtClean="0"/>
+              <a:t> simples </a:t>
+            </a:r>
+            <a:r>
+              <a:rPr lang="en-US" i="1" dirty="0" err="1" smtClean="0"/>
+              <a:t>néanmoins</a:t>
+            </a:r>
+            <a:r>
+              <a:rPr lang="en-US" i="1" dirty="0" smtClean="0"/>
+              <a:t>. </a:t>
+            </a:r>
+            <a:endParaRPr lang="fr-FR" dirty="0"/>
+          </a:p>
+        </p:txBody>
+      </p:sp>
     </p:spTree>
   </p:cSld>
   <p:clrMapOvr>
